--- a/translations/pt-br/CoreValues/IntroducaoaosCoreValues.pptx
+++ b/translations/pt-br/CoreValues/IntroducaoaosCoreValues.pptx
@@ -1,33 +1,448 @@
 
 <file path=ppt/presentation.xml><?xml version="1.0" encoding="utf-8"?>
-<p:presentation xmlns:a="http://schemas.openxmlformats.org/drawingml/2006/main" xmlns:p="http://schemas.openxmlformats.org/presentationml/2006/main" xmlns:r="http://schemas.openxmlformats.org/officeDocument/2006/relationships" xmlns:p14="http://schemas.microsoft.com/office/powerpoint/2010/main" xmlns:p15="http://schemas.microsoft.com/office/powerpoint/2012/main" xmlns:mc="http://schemas.openxmlformats.org/markup-compatibility/2006">
+<p:presentation xmlns:a="http://schemas.openxmlformats.org/drawingml/2006/main" xmlns:r="http://schemas.openxmlformats.org/officeDocument/2006/relationships" xmlns:p="http://schemas.openxmlformats.org/presentationml/2006/main">
   <p:sldMasterIdLst>
-    <p:sldMasterId id="2147483648" r:id="rId2"/>
-    <p:sldMasterId id="2147483661" r:id="rId3"/>
+    <p:sldMasterId id="2147483648" r:id="rId1"/>
+    <p:sldMasterId id="2147483661" r:id="rId2"/>
   </p:sldMasterIdLst>
   <p:notesMasterIdLst>
-    <p:notesMasterId r:id="rId4"/>
+    <p:notesMasterId r:id="rId14"/>
   </p:notesMasterIdLst>
   <p:sldIdLst>
-    <p:sldId id="256" r:id="rId5"/>
-    <p:sldId id="257" r:id="rId6"/>
-    <p:sldId id="258" r:id="rId7"/>
-    <p:sldId id="259" r:id="rId8"/>
-    <p:sldId id="260" r:id="rId9"/>
-    <p:sldId id="261" r:id="rId10"/>
-    <p:sldId id="262" r:id="rId11"/>
-    <p:sldId id="263" r:id="rId12"/>
-    <p:sldId id="264" r:id="rId13"/>
-    <p:sldId id="265" r:id="rId14"/>
-    <p:sldId id="266" r:id="rId15"/>
+    <p:sldId id="256" r:id="rId3"/>
+    <p:sldId id="257" r:id="rId4"/>
+    <p:sldId id="258" r:id="rId5"/>
+    <p:sldId id="259" r:id="rId6"/>
+    <p:sldId id="260" r:id="rId7"/>
+    <p:sldId id="261" r:id="rId8"/>
+    <p:sldId id="262" r:id="rId9"/>
+    <p:sldId id="263" r:id="rId10"/>
+    <p:sldId id="264" r:id="rId11"/>
+    <p:sldId id="265" r:id="rId12"/>
+    <p:sldId id="266" r:id="rId13"/>
   </p:sldIdLst>
-  <p:sldSz cx="9144000" cy="6858000"/>
+  <p:sldSz cx="9144000" cy="6858000" type="screen4x3"/>
   <p:notesSz cx="6858000" cy="9144000"/>
+  <p:defaultTextStyle>
+    <a:defPPr>
+      <a:defRPr lang="en-US"/>
+    </a:defPPr>
+    <a:lvl1pPr marL="0" algn="l" defTabSz="914400" rtl="0" eaLnBrk="1" latinLnBrk="0" hangingPunct="1">
+      <a:defRPr sz="1800" kern="1200">
+        <a:solidFill>
+          <a:schemeClr val="tx1"/>
+        </a:solidFill>
+        <a:latin typeface="+mn-lt"/>
+        <a:ea typeface="+mn-ea"/>
+        <a:cs typeface="+mn-cs"/>
+      </a:defRPr>
+    </a:lvl1pPr>
+    <a:lvl2pPr marL="457200" algn="l" defTabSz="914400" rtl="0" eaLnBrk="1" latinLnBrk="0" hangingPunct="1">
+      <a:defRPr sz="1800" kern="1200">
+        <a:solidFill>
+          <a:schemeClr val="tx1"/>
+        </a:solidFill>
+        <a:latin typeface="+mn-lt"/>
+        <a:ea typeface="+mn-ea"/>
+        <a:cs typeface="+mn-cs"/>
+      </a:defRPr>
+    </a:lvl2pPr>
+    <a:lvl3pPr marL="914400" algn="l" defTabSz="914400" rtl="0" eaLnBrk="1" latinLnBrk="0" hangingPunct="1">
+      <a:defRPr sz="1800" kern="1200">
+        <a:solidFill>
+          <a:schemeClr val="tx1"/>
+        </a:solidFill>
+        <a:latin typeface="+mn-lt"/>
+        <a:ea typeface="+mn-ea"/>
+        <a:cs typeface="+mn-cs"/>
+      </a:defRPr>
+    </a:lvl3pPr>
+    <a:lvl4pPr marL="1371600" algn="l" defTabSz="914400" rtl="0" eaLnBrk="1" latinLnBrk="0" hangingPunct="1">
+      <a:defRPr sz="1800" kern="1200">
+        <a:solidFill>
+          <a:schemeClr val="tx1"/>
+        </a:solidFill>
+        <a:latin typeface="+mn-lt"/>
+        <a:ea typeface="+mn-ea"/>
+        <a:cs typeface="+mn-cs"/>
+      </a:defRPr>
+    </a:lvl4pPr>
+    <a:lvl5pPr marL="1828800" algn="l" defTabSz="914400" rtl="0" eaLnBrk="1" latinLnBrk="0" hangingPunct="1">
+      <a:defRPr sz="1800" kern="1200">
+        <a:solidFill>
+          <a:schemeClr val="tx1"/>
+        </a:solidFill>
+        <a:latin typeface="+mn-lt"/>
+        <a:ea typeface="+mn-ea"/>
+        <a:cs typeface="+mn-cs"/>
+      </a:defRPr>
+    </a:lvl5pPr>
+    <a:lvl6pPr marL="2286000" algn="l" defTabSz="914400" rtl="0" eaLnBrk="1" latinLnBrk="0" hangingPunct="1">
+      <a:defRPr sz="1800" kern="1200">
+        <a:solidFill>
+          <a:schemeClr val="tx1"/>
+        </a:solidFill>
+        <a:latin typeface="+mn-lt"/>
+        <a:ea typeface="+mn-ea"/>
+        <a:cs typeface="+mn-cs"/>
+      </a:defRPr>
+    </a:lvl6pPr>
+    <a:lvl7pPr marL="2743200" algn="l" defTabSz="914400" rtl="0" eaLnBrk="1" latinLnBrk="0" hangingPunct="1">
+      <a:defRPr sz="1800" kern="1200">
+        <a:solidFill>
+          <a:schemeClr val="tx1"/>
+        </a:solidFill>
+        <a:latin typeface="+mn-lt"/>
+        <a:ea typeface="+mn-ea"/>
+        <a:cs typeface="+mn-cs"/>
+      </a:defRPr>
+    </a:lvl7pPr>
+    <a:lvl8pPr marL="3200400" algn="l" defTabSz="914400" rtl="0" eaLnBrk="1" latinLnBrk="0" hangingPunct="1">
+      <a:defRPr sz="1800" kern="1200">
+        <a:solidFill>
+          <a:schemeClr val="tx1"/>
+        </a:solidFill>
+        <a:latin typeface="+mn-lt"/>
+        <a:ea typeface="+mn-ea"/>
+        <a:cs typeface="+mn-cs"/>
+      </a:defRPr>
+    </a:lvl8pPr>
+    <a:lvl9pPr marL="3657600" algn="l" defTabSz="914400" rtl="0" eaLnBrk="1" latinLnBrk="0" hangingPunct="1">
+      <a:defRPr sz="1800" kern="1200">
+        <a:solidFill>
+          <a:schemeClr val="tx1"/>
+        </a:solidFill>
+        <a:latin typeface="+mn-lt"/>
+        <a:ea typeface="+mn-ea"/>
+        <a:cs typeface="+mn-cs"/>
+      </a:defRPr>
+    </a:lvl9pPr>
+  </p:defaultTextStyle>
 </p:presentation>
 </file>
 
 <file path=ppt/notesMasters/notesMaster1.xml><?xml version="1.0" encoding="utf-8"?>
-<p:notesMaster xmlns:a="http://schemas.openxmlformats.org/drawingml/2006/main" xmlns:p="http://schemas.openxmlformats.org/presentationml/2006/main" xmlns:r="http://schemas.openxmlformats.org/officeDocument/2006/relationships" xmlns:p14="http://schemas.microsoft.com/office/powerpoint/2010/main" xmlns:p15="http://schemas.microsoft.com/office/powerpoint/2012/main" xmlns:mc="http://schemas.openxmlformats.org/markup-compatibility/2006">
+<p:notesMaster xmlns:a="http://schemas.openxmlformats.org/drawingml/2006/main" xmlns:r="http://schemas.openxmlformats.org/officeDocument/2006/relationships" xmlns:p="http://schemas.openxmlformats.org/presentationml/2006/main">
+  <p:cSld>
+    <p:bg>
+      <p:bgRef idx="1001">
+        <a:schemeClr val="bg1"/>
+      </p:bgRef>
+    </p:bg>
+    <p:spTree>
+      <p:nvGrpSpPr>
+        <p:cNvPr id="1" name=""/>
+        <p:cNvGrpSpPr/>
+        <p:nvPr/>
+      </p:nvGrpSpPr>
+      <p:grpSpPr>
+        <a:xfrm>
+          <a:off x="0" y="0"/>
+          <a:ext cx="0" cy="0"/>
+          <a:chOff x="0" y="0"/>
+          <a:chExt cx="0" cy="0"/>
+        </a:xfrm>
+      </p:grpSpPr>
+      <p:sp>
+        <p:nvSpPr>
+          <p:cNvPr id="91" name="PlaceHolder 1"/>
+          <p:cNvSpPr>
+            <a:spLocks noGrp="1" noRot="1" noChangeAspect="1"/>
+          </p:cNvSpPr>
+          <p:nvPr>
+            <p:ph type="sldImg"/>
+          </p:nvPr>
+        </p:nvSpPr>
+        <p:spPr>
+          <a:xfrm>
+            <a:off x="216000" y="812520"/>
+            <a:ext cx="7127280" cy="4008960"/>
+          </a:xfrm>
+          <a:prstGeom prst="rect">
+            <a:avLst/>
+          </a:prstGeom>
+        </p:spPr>
+        <p:txBody>
+          <a:bodyPr lIns="0" tIns="0" rIns="0" bIns="0" anchor="ctr"/>
+          <a:lstStyle/>
+          <a:p>
+            <a:r>
+              <a:rPr lang="en-US" sz="1800" b="0" strike="noStrike" spc="-1">
+                <a:solidFill>
+                  <a:srgbClr val="000000"/>
+                </a:solidFill>
+                <a:latin typeface="Gill Sans MT"/>
+              </a:rPr>
+              <a:t>Clique para mover o slide</a:t>
+            </a:r>
+          </a:p>
+        </p:txBody>
+      </p:sp>
+      <p:sp>
+        <p:nvSpPr>
+          <p:cNvPr id="92" name="PlaceHolder 2"/>
+          <p:cNvSpPr>
+            <a:spLocks noGrp="1"/>
+          </p:cNvSpPr>
+          <p:nvPr>
+            <p:ph type="body"/>
+          </p:nvPr>
+        </p:nvSpPr>
+        <p:spPr>
+          <a:xfrm>
+            <a:off x="756000" y="5078520"/>
+            <a:ext cx="6047640" cy="4811040"/>
+          </a:xfrm>
+          <a:prstGeom prst="rect">
+            <a:avLst/>
+          </a:prstGeom>
+        </p:spPr>
+        <p:txBody>
+          <a:bodyPr lIns="0" tIns="0" rIns="0" bIns="0"/>
+          <a:lstStyle/>
+          <a:p>
+            <a:r>
+              <a:rPr lang="pt-BR" sz="2000" b="0" strike="noStrike" spc="-1">
+                <a:latin typeface="Arial"/>
+              </a:rPr>
+              <a:t>Clique para editar o formato de notas</a:t>
+            </a:r>
+          </a:p>
+        </p:txBody>
+      </p:sp>
+      <p:sp>
+        <p:nvSpPr>
+          <p:cNvPr id="93" name="PlaceHolder 3"/>
+          <p:cNvSpPr>
+            <a:spLocks noGrp="1"/>
+          </p:cNvSpPr>
+          <p:nvPr>
+            <p:ph type="hdr"/>
+          </p:nvPr>
+        </p:nvSpPr>
+        <p:spPr>
+          <a:xfrm>
+            <a:off x="0" y="0"/>
+            <a:ext cx="3280680" cy="534240"/>
+          </a:xfrm>
+          <a:prstGeom prst="rect">
+            <a:avLst/>
+          </a:prstGeom>
+        </p:spPr>
+        <p:txBody>
+          <a:bodyPr lIns="0" tIns="0" rIns="0" bIns="0"/>
+          <a:lstStyle/>
+          <a:p>
+            <a:r>
+              <a:rPr lang="pt-BR" sz="1400" b="0" strike="noStrike" spc="-1">
+                <a:latin typeface="Times New Roman"/>
+              </a:rPr>
+              <a:t> </a:t>
+            </a:r>
+          </a:p>
+        </p:txBody>
+      </p:sp>
+      <p:sp>
+        <p:nvSpPr>
+          <p:cNvPr id="94" name="PlaceHolder 4"/>
+          <p:cNvSpPr>
+            <a:spLocks noGrp="1"/>
+          </p:cNvSpPr>
+          <p:nvPr>
+            <p:ph type="dt"/>
+          </p:nvPr>
+        </p:nvSpPr>
+        <p:spPr>
+          <a:xfrm>
+            <a:off x="4278960" y="0"/>
+            <a:ext cx="3280680" cy="534240"/>
+          </a:xfrm>
+          <a:prstGeom prst="rect">
+            <a:avLst/>
+          </a:prstGeom>
+        </p:spPr>
+        <p:txBody>
+          <a:bodyPr lIns="0" tIns="0" rIns="0" bIns="0"/>
+          <a:lstStyle/>
+          <a:p>
+            <a:pPr algn="r"/>
+            <a:r>
+              <a:rPr lang="pt-BR" sz="1400" b="0" strike="noStrike" spc="-1">
+                <a:latin typeface="Times New Roman"/>
+              </a:rPr>
+              <a:t> </a:t>
+            </a:r>
+          </a:p>
+        </p:txBody>
+      </p:sp>
+      <p:sp>
+        <p:nvSpPr>
+          <p:cNvPr id="95" name="PlaceHolder 5"/>
+          <p:cNvSpPr>
+            <a:spLocks noGrp="1"/>
+          </p:cNvSpPr>
+          <p:nvPr>
+            <p:ph type="ftr"/>
+          </p:nvPr>
+        </p:nvSpPr>
+        <p:spPr>
+          <a:xfrm>
+            <a:off x="0" y="10157400"/>
+            <a:ext cx="3280680" cy="534240"/>
+          </a:xfrm>
+          <a:prstGeom prst="rect">
+            <a:avLst/>
+          </a:prstGeom>
+        </p:spPr>
+        <p:txBody>
+          <a:bodyPr lIns="0" tIns="0" rIns="0" bIns="0" anchor="b"/>
+          <a:lstStyle/>
+          <a:p>
+            <a:r>
+              <a:rPr lang="pt-BR" sz="1400" b="0" strike="noStrike" spc="-1">
+                <a:latin typeface="Times New Roman"/>
+              </a:rPr>
+              <a:t> </a:t>
+            </a:r>
+          </a:p>
+        </p:txBody>
+      </p:sp>
+      <p:sp>
+        <p:nvSpPr>
+          <p:cNvPr id="96" name="PlaceHolder 6"/>
+          <p:cNvSpPr>
+            <a:spLocks noGrp="1"/>
+          </p:cNvSpPr>
+          <p:nvPr>
+            <p:ph type="sldNum"/>
+          </p:nvPr>
+        </p:nvSpPr>
+        <p:spPr>
+          <a:xfrm>
+            <a:off x="4278960" y="10157400"/>
+            <a:ext cx="3280680" cy="534240"/>
+          </a:xfrm>
+          <a:prstGeom prst="rect">
+            <a:avLst/>
+          </a:prstGeom>
+        </p:spPr>
+        <p:txBody>
+          <a:bodyPr lIns="0" tIns="0" rIns="0" bIns="0" anchor="b"/>
+          <a:lstStyle/>
+          <a:p>
+            <a:pPr algn="r"/>
+            <a:fld id="{CC4C0B1F-73BA-494D-B435-6F2315999E70}" type="slidenum">
+              <a:rPr lang="pt-BR" sz="1400" b="0" strike="noStrike" spc="-1">
+                <a:latin typeface="Times New Roman"/>
+              </a:rPr>
+              <a:t>‹#›</a:t>
+            </a:fld>
+            <a:endParaRPr lang="pt-BR" sz="1400" b="0" strike="noStrike" spc="-1">
+              <a:latin typeface="Times New Roman"/>
+            </a:endParaRPr>
+          </a:p>
+        </p:txBody>
+      </p:sp>
+    </p:spTree>
+  </p:cSld>
+  <p:clrMap bg1="lt1" tx1="dk1" bg2="lt2" tx2="dk2" accent1="accent1" accent2="accent2" accent3="accent3" accent4="accent4" accent5="accent5" accent6="accent6" hlink="hlink" folHlink="folHlink"/>
+  <p:notesStyle>
+    <a:lvl1pPr marL="0" algn="l" defTabSz="914400" rtl="0" eaLnBrk="1" latinLnBrk="0" hangingPunct="1">
+      <a:defRPr sz="1200" kern="1200">
+        <a:solidFill>
+          <a:schemeClr val="tx1"/>
+        </a:solidFill>
+        <a:latin typeface="+mn-lt"/>
+        <a:ea typeface="+mn-ea"/>
+        <a:cs typeface="+mn-cs"/>
+      </a:defRPr>
+    </a:lvl1pPr>
+    <a:lvl2pPr marL="457200" algn="l" defTabSz="914400" rtl="0" eaLnBrk="1" latinLnBrk="0" hangingPunct="1">
+      <a:defRPr sz="1200" kern="1200">
+        <a:solidFill>
+          <a:schemeClr val="tx1"/>
+        </a:solidFill>
+        <a:latin typeface="+mn-lt"/>
+        <a:ea typeface="+mn-ea"/>
+        <a:cs typeface="+mn-cs"/>
+      </a:defRPr>
+    </a:lvl2pPr>
+    <a:lvl3pPr marL="914400" algn="l" defTabSz="914400" rtl="0" eaLnBrk="1" latinLnBrk="0" hangingPunct="1">
+      <a:defRPr sz="1200" kern="1200">
+        <a:solidFill>
+          <a:schemeClr val="tx1"/>
+        </a:solidFill>
+        <a:latin typeface="+mn-lt"/>
+        <a:ea typeface="+mn-ea"/>
+        <a:cs typeface="+mn-cs"/>
+      </a:defRPr>
+    </a:lvl3pPr>
+    <a:lvl4pPr marL="1371600" algn="l" defTabSz="914400" rtl="0" eaLnBrk="1" latinLnBrk="0" hangingPunct="1">
+      <a:defRPr sz="1200" kern="1200">
+        <a:solidFill>
+          <a:schemeClr val="tx1"/>
+        </a:solidFill>
+        <a:latin typeface="+mn-lt"/>
+        <a:ea typeface="+mn-ea"/>
+        <a:cs typeface="+mn-cs"/>
+      </a:defRPr>
+    </a:lvl4pPr>
+    <a:lvl5pPr marL="1828800" algn="l" defTabSz="914400" rtl="0" eaLnBrk="1" latinLnBrk="0" hangingPunct="1">
+      <a:defRPr sz="1200" kern="1200">
+        <a:solidFill>
+          <a:schemeClr val="tx1"/>
+        </a:solidFill>
+        <a:latin typeface="+mn-lt"/>
+        <a:ea typeface="+mn-ea"/>
+        <a:cs typeface="+mn-cs"/>
+      </a:defRPr>
+    </a:lvl5pPr>
+    <a:lvl6pPr marL="2286000" algn="l" defTabSz="914400" rtl="0" eaLnBrk="1" latinLnBrk="0" hangingPunct="1">
+      <a:defRPr sz="1200" kern="1200">
+        <a:solidFill>
+          <a:schemeClr val="tx1"/>
+        </a:solidFill>
+        <a:latin typeface="+mn-lt"/>
+        <a:ea typeface="+mn-ea"/>
+        <a:cs typeface="+mn-cs"/>
+      </a:defRPr>
+    </a:lvl6pPr>
+    <a:lvl7pPr marL="2743200" algn="l" defTabSz="914400" rtl="0" eaLnBrk="1" latinLnBrk="0" hangingPunct="1">
+      <a:defRPr sz="1200" kern="1200">
+        <a:solidFill>
+          <a:schemeClr val="tx1"/>
+        </a:solidFill>
+        <a:latin typeface="+mn-lt"/>
+        <a:ea typeface="+mn-ea"/>
+        <a:cs typeface="+mn-cs"/>
+      </a:defRPr>
+    </a:lvl7pPr>
+    <a:lvl8pPr marL="3200400" algn="l" defTabSz="914400" rtl="0" eaLnBrk="1" latinLnBrk="0" hangingPunct="1">
+      <a:defRPr sz="1200" kern="1200">
+        <a:solidFill>
+          <a:schemeClr val="tx1"/>
+        </a:solidFill>
+        <a:latin typeface="+mn-lt"/>
+        <a:ea typeface="+mn-ea"/>
+        <a:cs typeface="+mn-cs"/>
+      </a:defRPr>
+    </a:lvl8pPr>
+    <a:lvl9pPr marL="3657600" algn="l" defTabSz="914400" rtl="0" eaLnBrk="1" latinLnBrk="0" hangingPunct="1">
+      <a:defRPr sz="1200" kern="1200">
+        <a:solidFill>
+          <a:schemeClr val="tx1"/>
+        </a:solidFill>
+        <a:latin typeface="+mn-lt"/>
+        <a:ea typeface="+mn-ea"/>
+        <a:cs typeface="+mn-cs"/>
+      </a:defRPr>
+    </a:lvl9pPr>
+  </p:notesStyle>
+</p:notesMaster>
+</file>
+
+<file path=ppt/notesSlides/notesSlide1.xml><?xml version="1.0" encoding="utf-8"?>
+<p:notes xmlns:a="http://schemas.openxmlformats.org/drawingml/2006/main" xmlns:r="http://schemas.openxmlformats.org/officeDocument/2006/relationships" xmlns:p="http://schemas.openxmlformats.org/presentationml/2006/main">
   <p:cSld>
     <p:spTree>
       <p:nvGrpSpPr>
@@ -45,9 +460,9 @@
       </p:grpSpPr>
       <p:sp>
         <p:nvSpPr>
-          <p:cNvPr id="91" name="PlaceHolder 1"/>
+          <p:cNvPr id="161" name="PlaceHolder 1"/>
           <p:cNvSpPr>
-            <a:spLocks noGrp="1"/>
+            <a:spLocks noGrp="1" noRot="1" noChangeAspect="1"/>
           </p:cNvSpPr>
           <p:nvPr>
             <p:ph type="sldImg"/>
@@ -55,243 +470,8 @@
         </p:nvSpPr>
         <p:spPr>
           <a:xfrm>
-            <a:off x="216000" y="812520"/>
-            <a:ext cx="7127280" cy="4008960"/>
-          </a:xfrm>
-          <a:prstGeom prst="rect">
-            <a:avLst/>
-          </a:prstGeom>
-        </p:spPr>
-        <p:txBody>
-          <a:bodyPr lIns="0" rIns="0" tIns="0" bIns="0" anchor="ctr"/>
-          <a:p>
-            <a:r>
-              <a:rPr b="0" lang="en-US" sz="1800" spc="-1" strike="noStrike">
-                <a:solidFill>
-                  <a:srgbClr val="000000"/>
-                </a:solidFill>
-                <a:latin typeface="Gill Sans MT"/>
-              </a:rPr>
-              <a:t>Clique para mover o slide</a:t>
-            </a:r>
-            <a:endParaRPr b="0" lang="en-US" sz="1800" spc="-1" strike="noStrike">
-              <a:solidFill>
-                <a:srgbClr val="000000"/>
-              </a:solidFill>
-              <a:latin typeface="Gill Sans MT"/>
-            </a:endParaRPr>
-          </a:p>
-        </p:txBody>
-      </p:sp>
-      <p:sp>
-        <p:nvSpPr>
-          <p:cNvPr id="92" name="PlaceHolder 2"/>
-          <p:cNvSpPr>
-            <a:spLocks noGrp="1"/>
-          </p:cNvSpPr>
-          <p:nvPr>
-            <p:ph type="body"/>
-          </p:nvPr>
-        </p:nvSpPr>
-        <p:spPr>
-          <a:xfrm>
-            <a:off x="756000" y="5078520"/>
-            <a:ext cx="6047640" cy="4811040"/>
-          </a:xfrm>
-          <a:prstGeom prst="rect">
-            <a:avLst/>
-          </a:prstGeom>
-        </p:spPr>
-        <p:txBody>
-          <a:bodyPr lIns="0" rIns="0" tIns="0" bIns="0"/>
-          <a:p>
-            <a:r>
-              <a:rPr b="0" lang="pt-BR" sz="2000" spc="-1" strike="noStrike">
-                <a:latin typeface="Arial"/>
-              </a:rPr>
-              <a:t>Clique para editar o formato de notas</a:t>
-            </a:r>
-            <a:endParaRPr b="0" lang="pt-BR" sz="2000" spc="-1" strike="noStrike">
-              <a:latin typeface="Arial"/>
-            </a:endParaRPr>
-          </a:p>
-        </p:txBody>
-      </p:sp>
-      <p:sp>
-        <p:nvSpPr>
-          <p:cNvPr id="93" name="PlaceHolder 3"/>
-          <p:cNvSpPr>
-            <a:spLocks noGrp="1"/>
-          </p:cNvSpPr>
-          <p:nvPr>
-            <p:ph type="hdr"/>
-          </p:nvPr>
-        </p:nvSpPr>
-        <p:spPr>
-          <a:xfrm>
-            <a:off x="0" y="0"/>
-            <a:ext cx="3280680" cy="534240"/>
-          </a:xfrm>
-          <a:prstGeom prst="rect">
-            <a:avLst/>
-          </a:prstGeom>
-        </p:spPr>
-        <p:txBody>
-          <a:bodyPr lIns="0" rIns="0" tIns="0" bIns="0"/>
-          <a:p>
-            <a:r>
-              <a:rPr b="0" lang="pt-BR" sz="1400" spc="-1" strike="noStrike">
-                <a:latin typeface="Times New Roman"/>
-              </a:rPr>
-              <a:t> </a:t>
-            </a:r>
-            <a:endParaRPr b="0" lang="pt-BR" sz="1400" spc="-1" strike="noStrike">
-              <a:latin typeface="Times New Roman"/>
-            </a:endParaRPr>
-          </a:p>
-        </p:txBody>
-      </p:sp>
-      <p:sp>
-        <p:nvSpPr>
-          <p:cNvPr id="94" name="PlaceHolder 4"/>
-          <p:cNvSpPr>
-            <a:spLocks noGrp="1"/>
-          </p:cNvSpPr>
-          <p:nvPr>
-            <p:ph type="dt"/>
-          </p:nvPr>
-        </p:nvSpPr>
-        <p:spPr>
-          <a:xfrm>
-            <a:off x="4278960" y="0"/>
-            <a:ext cx="3280680" cy="534240"/>
-          </a:xfrm>
-          <a:prstGeom prst="rect">
-            <a:avLst/>
-          </a:prstGeom>
-        </p:spPr>
-        <p:txBody>
-          <a:bodyPr lIns="0" rIns="0" tIns="0" bIns="0"/>
-          <a:p>
-            <a:pPr algn="r"/>
-            <a:r>
-              <a:rPr b="0" lang="pt-BR" sz="1400" spc="-1" strike="noStrike">
-                <a:latin typeface="Times New Roman"/>
-              </a:rPr>
-              <a:t> </a:t>
-            </a:r>
-            <a:endParaRPr b="0" lang="pt-BR" sz="1400" spc="-1" strike="noStrike">
-              <a:latin typeface="Times New Roman"/>
-            </a:endParaRPr>
-          </a:p>
-        </p:txBody>
-      </p:sp>
-      <p:sp>
-        <p:nvSpPr>
-          <p:cNvPr id="95" name="PlaceHolder 5"/>
-          <p:cNvSpPr>
-            <a:spLocks noGrp="1"/>
-          </p:cNvSpPr>
-          <p:nvPr>
-            <p:ph type="ftr"/>
-          </p:nvPr>
-        </p:nvSpPr>
-        <p:spPr>
-          <a:xfrm>
-            <a:off x="0" y="10157400"/>
-            <a:ext cx="3280680" cy="534240"/>
-          </a:xfrm>
-          <a:prstGeom prst="rect">
-            <a:avLst/>
-          </a:prstGeom>
-        </p:spPr>
-        <p:txBody>
-          <a:bodyPr lIns="0" rIns="0" tIns="0" bIns="0" anchor="b"/>
-          <a:p>
-            <a:r>
-              <a:rPr b="0" lang="pt-BR" sz="1400" spc="-1" strike="noStrike">
-                <a:latin typeface="Times New Roman"/>
-              </a:rPr>
-              <a:t> </a:t>
-            </a:r>
-            <a:endParaRPr b="0" lang="pt-BR" sz="1400" spc="-1" strike="noStrike">
-              <a:latin typeface="Times New Roman"/>
-            </a:endParaRPr>
-          </a:p>
-        </p:txBody>
-      </p:sp>
-      <p:sp>
-        <p:nvSpPr>
-          <p:cNvPr id="96" name="PlaceHolder 6"/>
-          <p:cNvSpPr>
-            <a:spLocks noGrp="1"/>
-          </p:cNvSpPr>
-          <p:nvPr>
-            <p:ph type="sldNum"/>
-          </p:nvPr>
-        </p:nvSpPr>
-        <p:spPr>
-          <a:xfrm>
-            <a:off x="4278960" y="10157400"/>
-            <a:ext cx="3280680" cy="534240"/>
-          </a:xfrm>
-          <a:prstGeom prst="rect">
-            <a:avLst/>
-          </a:prstGeom>
-        </p:spPr>
-        <p:txBody>
-          <a:bodyPr lIns="0" rIns="0" tIns="0" bIns="0" anchor="b"/>
-          <a:p>
-            <a:pPr algn="r"/>
-            <a:fld id="{CC4C0B1F-73BA-494D-B435-6F2315999E70}" type="slidenum">
-              <a:rPr b="0" lang="pt-BR" sz="1400" spc="-1" strike="noStrike">
-                <a:latin typeface="Times New Roman"/>
-              </a:rPr>
-              <a:t>1</a:t>
-            </a:fld>
-            <a:endParaRPr b="0" lang="pt-BR" sz="1400" spc="-1" strike="noStrike">
-              <a:latin typeface="Times New Roman"/>
-            </a:endParaRPr>
-          </a:p>
-        </p:txBody>
-      </p:sp>
-    </p:spTree>
-  </p:cSld>
-  <p:clrMap bg1="lt1" bg2="lt2" tx1="dk1" tx2="dk2" accent1="accent1" accent2="accent2" accent3="accent3" accent4="accent4" accent5="accent5" accent6="accent6" hlink="hlink" folHlink="folHlink"/>
-</p:notesMaster>
-</file>
-
-<file path=ppt/notesSlides/notesSlide6.xml><?xml version="1.0" encoding="utf-8"?>
-<p:notes xmlns:a="http://schemas.openxmlformats.org/drawingml/2006/main" xmlns:p="http://schemas.openxmlformats.org/presentationml/2006/main" xmlns:r="http://schemas.openxmlformats.org/officeDocument/2006/relationships" xmlns:p14="http://schemas.microsoft.com/office/powerpoint/2010/main" xmlns:p15="http://schemas.microsoft.com/office/powerpoint/2012/main" xmlns:mc="http://schemas.openxmlformats.org/markup-compatibility/2006">
-  <p:cSld>
-    <p:spTree>
-      <p:nvGrpSpPr>
-        <p:cNvPr id="1" name=""/>
-        <p:cNvGrpSpPr/>
-        <p:nvPr/>
-      </p:nvGrpSpPr>
-      <p:grpSpPr>
-        <a:xfrm>
-          <a:off x="0" y="0"/>
-          <a:ext cx="0" cy="0"/>
-          <a:chOff x="0" y="0"/>
-          <a:chExt cx="0" cy="0"/>
-        </a:xfrm>
-      </p:grpSpPr>
-      <p:sp>
-        <p:nvSpPr>
-          <p:cNvPr id="161" name="PlaceHolder 1"/>
-          <p:cNvSpPr>
-            <a:spLocks noGrp="1"/>
-          </p:cNvSpPr>
-          <p:nvPr>
-            <p:ph type="sldImg"/>
-          </p:nvPr>
-        </p:nvSpPr>
-        <p:spPr>
-          <a:xfrm>
             <a:off x="1371600" y="1143000"/>
-            <a:ext cx="4114440" cy="3085920"/>
+            <a:ext cx="4114800" cy="3086100"/>
           </a:xfrm>
           <a:prstGeom prst="rect">
             <a:avLst/>
@@ -319,6 +499,7 @@
         </p:spPr>
         <p:txBody>
           <a:bodyPr/>
+          <a:lstStyle/>
           <a:p>
             <a:pPr marL="216000" indent="-216000">
               <a:lnSpc>
@@ -326,14 +507,11 @@
               </a:lnSpc>
             </a:pPr>
             <a:r>
-              <a:rPr b="0" lang="pt-BR" sz="2000" spc="-1" strike="noStrike">
+              <a:rPr lang="pt-BR" sz="2000" b="0" strike="noStrike" spc="-1">
                 <a:latin typeface="Arial"/>
               </a:rPr>
               <a:t>Have examples for each?</a:t>
             </a:r>
-            <a:endParaRPr b="0" lang="pt-BR" sz="2000" spc="-1" strike="noStrike">
-              <a:latin typeface="Arial"/>
-            </a:endParaRPr>
           </a:p>
           <a:p>
             <a:pPr marL="216000" indent="-216000">
@@ -342,14 +520,11 @@
               </a:lnSpc>
             </a:pPr>
             <a:r>
-              <a:rPr b="0" lang="pt-BR" sz="2000" spc="-1" strike="noStrike">
+              <a:rPr lang="pt-BR" sz="2000" b="0" strike="noStrike" spc="-1">
                 <a:latin typeface="Arial"/>
               </a:rPr>
               <a:t>Animate that teamwork is judged by teamwork activity, other parts are judged using poster/presentation</a:t>
             </a:r>
-            <a:endParaRPr b="0" lang="pt-BR" sz="2000" spc="-1" strike="noStrike">
-              <a:latin typeface="Arial"/>
-            </a:endParaRPr>
           </a:p>
         </p:txBody>
       </p:sp>
@@ -374,6 +549,7 @@
         </p:spPr>
         <p:txBody>
           <a:bodyPr anchor="b"/>
+          <a:lstStyle/>
           <a:p>
             <a:pPr algn="r">
               <a:lnSpc>
@@ -381,16 +557,16 @@
               </a:lnSpc>
             </a:pPr>
             <a:fld id="{67BC52A4-E0C5-4FB2-B18D-40A771B23E9B}" type="slidenum">
-              <a:rPr b="0" lang="pt-BR" sz="1200" spc="-1" strike="noStrike">
+              <a:rPr lang="pt-BR" sz="1200" b="0" strike="noStrike" spc="-1">
                 <a:solidFill>
                   <a:srgbClr val="000000"/>
                 </a:solidFill>
                 <a:latin typeface="+mn-lt"/>
                 <a:ea typeface="+mn-ea"/>
               </a:rPr>
-              <a:t>&lt;número&gt;</a:t>
+              <a:t>6</a:t>
             </a:fld>
-            <a:endParaRPr b="0" lang="pt-BR" sz="1200" spc="-1" strike="noStrike">
+            <a:endParaRPr lang="pt-BR" sz="1200" b="0" strike="noStrike" spc="-1">
               <a:latin typeface="Times New Roman"/>
             </a:endParaRPr>
           </a:p>
@@ -398,11 +574,14 @@
       </p:sp>
     </p:spTree>
   </p:cSld>
+  <p:clrMapOvr>
+    <a:masterClrMapping/>
+  </p:clrMapOvr>
 </p:notes>
 </file>
 
 <file path=ppt/slideLayouts/slideLayout1.xml><?xml version="1.0" encoding="utf-8"?>
-<p:sldLayout xmlns:a="http://schemas.openxmlformats.org/drawingml/2006/main" xmlns:p="http://schemas.openxmlformats.org/presentationml/2006/main" xmlns:r="http://schemas.openxmlformats.org/officeDocument/2006/relationships" xmlns:p14="http://schemas.microsoft.com/office/powerpoint/2010/main" xmlns:p15="http://schemas.microsoft.com/office/powerpoint/2012/main" xmlns:mc="http://schemas.openxmlformats.org/markup-compatibility/2006" type="blank" preserve="1">
+<p:sldLayout xmlns:a="http://schemas.openxmlformats.org/drawingml/2006/main" xmlns:r="http://schemas.openxmlformats.org/officeDocument/2006/relationships" xmlns:p="http://schemas.openxmlformats.org/presentationml/2006/main" type="blank" preserve="1">
   <p:cSld name="Blank Slide">
     <p:spTree>
       <p:nvGrpSpPr>
@@ -420,11 +599,14 @@
       </p:grpSpPr>
     </p:spTree>
   </p:cSld>
+  <p:clrMapOvr>
+    <a:masterClrMapping/>
+  </p:clrMapOvr>
 </p:sldLayout>
 </file>
 
 <file path=ppt/slideLayouts/slideLayout10.xml><?xml version="1.0" encoding="utf-8"?>
-<p:sldLayout xmlns:a="http://schemas.openxmlformats.org/drawingml/2006/main" xmlns:p="http://schemas.openxmlformats.org/presentationml/2006/main" xmlns:r="http://schemas.openxmlformats.org/officeDocument/2006/relationships" xmlns:p14="http://schemas.microsoft.com/office/powerpoint/2010/main" xmlns:p15="http://schemas.microsoft.com/office/powerpoint/2012/main" xmlns:mc="http://schemas.openxmlformats.org/markup-compatibility/2006" type="objOverTx" preserve="1">
+<p:sldLayout xmlns:a="http://schemas.openxmlformats.org/drawingml/2006/main" xmlns:r="http://schemas.openxmlformats.org/officeDocument/2006/relationships" xmlns:p="http://schemas.openxmlformats.org/presentationml/2006/main" type="objOverTx" preserve="1">
   <p:cSld name="Title, Content over Content">
     <p:spTree>
       <p:nvGrpSpPr>
@@ -460,9 +642,10 @@
           </a:prstGeom>
         </p:spPr>
         <p:txBody>
-          <a:bodyPr lIns="0" rIns="0" tIns="0" bIns="0" anchor="ctr"/>
-          <a:p>
-            <a:endParaRPr b="0" lang="en-US" sz="1800" spc="-1" strike="noStrike">
+          <a:bodyPr lIns="0" tIns="0" rIns="0" bIns="0" anchor="ctr"/>
+          <a:lstStyle/>
+          <a:p>
+            <a:endParaRPr lang="en-US" sz="1800" b="0" strike="noStrike" spc="-1">
               <a:solidFill>
                 <a:srgbClr val="000000"/>
               </a:solidFill>
@@ -491,13 +674,14 @@
           </a:prstGeom>
         </p:spPr>
         <p:txBody>
-          <a:bodyPr lIns="0" rIns="0" tIns="0" bIns="0">
+          <a:bodyPr lIns="0" tIns="0" rIns="0" bIns="0">
             <a:normAutofit/>
           </a:bodyPr>
-          <a:p>
-            <a:endParaRPr b="0" lang="en-US" sz="1800" spc="-1" strike="noStrike">
+          <a:lstStyle/>
+          <a:p>
+            <a:endParaRPr lang="en-US" sz="1800" b="0" strike="noStrike" spc="-1">
               <a:solidFill>
-                <a:srgbClr val="3d3d3d"/>
+                <a:srgbClr val="3D3D3D"/>
               </a:solidFill>
               <a:latin typeface="Gill Sans MT"/>
             </a:endParaRPr>
@@ -524,13 +708,14 @@
           </a:prstGeom>
         </p:spPr>
         <p:txBody>
-          <a:bodyPr lIns="0" rIns="0" tIns="0" bIns="0">
+          <a:bodyPr lIns="0" tIns="0" rIns="0" bIns="0">
             <a:normAutofit/>
           </a:bodyPr>
-          <a:p>
-            <a:endParaRPr b="0" lang="en-US" sz="1800" spc="-1" strike="noStrike">
+          <a:lstStyle/>
+          <a:p>
+            <a:endParaRPr lang="en-US" sz="1800" b="0" strike="noStrike" spc="-1">
               <a:solidFill>
-                <a:srgbClr val="3d3d3d"/>
+                <a:srgbClr val="3D3D3D"/>
               </a:solidFill>
               <a:latin typeface="Gill Sans MT"/>
             </a:endParaRPr>
@@ -539,11 +724,14 @@
       </p:sp>
     </p:spTree>
   </p:cSld>
+  <p:clrMapOvr>
+    <a:masterClrMapping/>
+  </p:clrMapOvr>
 </p:sldLayout>
 </file>
 
 <file path=ppt/slideLayouts/slideLayout11.xml><?xml version="1.0" encoding="utf-8"?>
-<p:sldLayout xmlns:a="http://schemas.openxmlformats.org/drawingml/2006/main" xmlns:p="http://schemas.openxmlformats.org/presentationml/2006/main" xmlns:r="http://schemas.openxmlformats.org/officeDocument/2006/relationships" xmlns:p14="http://schemas.microsoft.com/office/powerpoint/2010/main" xmlns:p15="http://schemas.microsoft.com/office/powerpoint/2012/main" xmlns:mc="http://schemas.openxmlformats.org/markup-compatibility/2006" type="fourObj" preserve="1">
+<p:sldLayout xmlns:a="http://schemas.openxmlformats.org/drawingml/2006/main" xmlns:r="http://schemas.openxmlformats.org/officeDocument/2006/relationships" xmlns:p="http://schemas.openxmlformats.org/presentationml/2006/main" type="fourObj" preserve="1">
   <p:cSld name="Title, 4 Content">
     <p:spTree>
       <p:nvGrpSpPr>
@@ -579,9 +767,10 @@
           </a:prstGeom>
         </p:spPr>
         <p:txBody>
-          <a:bodyPr lIns="0" rIns="0" tIns="0" bIns="0" anchor="ctr"/>
-          <a:p>
-            <a:endParaRPr b="0" lang="en-US" sz="1800" spc="-1" strike="noStrike">
+          <a:bodyPr lIns="0" tIns="0" rIns="0" bIns="0" anchor="ctr"/>
+          <a:lstStyle/>
+          <a:p>
+            <a:endParaRPr lang="en-US" sz="1800" b="0" strike="noStrike" spc="-1">
               <a:solidFill>
                 <a:srgbClr val="000000"/>
               </a:solidFill>
@@ -610,13 +799,14 @@
           </a:prstGeom>
         </p:spPr>
         <p:txBody>
-          <a:bodyPr lIns="0" rIns="0" tIns="0" bIns="0">
+          <a:bodyPr lIns="0" tIns="0" rIns="0" bIns="0">
             <a:normAutofit/>
           </a:bodyPr>
-          <a:p>
-            <a:endParaRPr b="0" lang="en-US" sz="1800" spc="-1" strike="noStrike">
+          <a:lstStyle/>
+          <a:p>
+            <a:endParaRPr lang="en-US" sz="1800" b="0" strike="noStrike" spc="-1">
               <a:solidFill>
-                <a:srgbClr val="3d3d3d"/>
+                <a:srgbClr val="3D3D3D"/>
               </a:solidFill>
               <a:latin typeface="Gill Sans MT"/>
             </a:endParaRPr>
@@ -643,13 +833,14 @@
           </a:prstGeom>
         </p:spPr>
         <p:txBody>
-          <a:bodyPr lIns="0" rIns="0" tIns="0" bIns="0">
+          <a:bodyPr lIns="0" tIns="0" rIns="0" bIns="0">
             <a:normAutofit/>
           </a:bodyPr>
-          <a:p>
-            <a:endParaRPr b="0" lang="en-US" sz="1800" spc="-1" strike="noStrike">
+          <a:lstStyle/>
+          <a:p>
+            <a:endParaRPr lang="en-US" sz="1800" b="0" strike="noStrike" spc="-1">
               <a:solidFill>
-                <a:srgbClr val="3d3d3d"/>
+                <a:srgbClr val="3D3D3D"/>
               </a:solidFill>
               <a:latin typeface="Gill Sans MT"/>
             </a:endParaRPr>
@@ -676,13 +867,14 @@
           </a:prstGeom>
         </p:spPr>
         <p:txBody>
-          <a:bodyPr lIns="0" rIns="0" tIns="0" bIns="0">
+          <a:bodyPr lIns="0" tIns="0" rIns="0" bIns="0">
             <a:normAutofit/>
           </a:bodyPr>
-          <a:p>
-            <a:endParaRPr b="0" lang="en-US" sz="1800" spc="-1" strike="noStrike">
+          <a:lstStyle/>
+          <a:p>
+            <a:endParaRPr lang="en-US" sz="1800" b="0" strike="noStrike" spc="-1">
               <a:solidFill>
-                <a:srgbClr val="3d3d3d"/>
+                <a:srgbClr val="3D3D3D"/>
               </a:solidFill>
               <a:latin typeface="Gill Sans MT"/>
             </a:endParaRPr>
@@ -709,13 +901,14 @@
           </a:prstGeom>
         </p:spPr>
         <p:txBody>
-          <a:bodyPr lIns="0" rIns="0" tIns="0" bIns="0">
+          <a:bodyPr lIns="0" tIns="0" rIns="0" bIns="0">
             <a:normAutofit/>
           </a:bodyPr>
-          <a:p>
-            <a:endParaRPr b="0" lang="en-US" sz="1800" spc="-1" strike="noStrike">
+          <a:lstStyle/>
+          <a:p>
+            <a:endParaRPr lang="en-US" sz="1800" b="0" strike="noStrike" spc="-1">
               <a:solidFill>
-                <a:srgbClr val="3d3d3d"/>
+                <a:srgbClr val="3D3D3D"/>
               </a:solidFill>
               <a:latin typeface="Gill Sans MT"/>
             </a:endParaRPr>
@@ -724,11 +917,14 @@
       </p:sp>
     </p:spTree>
   </p:cSld>
+  <p:clrMapOvr>
+    <a:masterClrMapping/>
+  </p:clrMapOvr>
 </p:sldLayout>
 </file>
 
 <file path=ppt/slideLayouts/slideLayout12.xml><?xml version="1.0" encoding="utf-8"?>
-<p:sldLayout xmlns:a="http://schemas.openxmlformats.org/drawingml/2006/main" xmlns:p="http://schemas.openxmlformats.org/presentationml/2006/main" xmlns:r="http://schemas.openxmlformats.org/officeDocument/2006/relationships" xmlns:p14="http://schemas.microsoft.com/office/powerpoint/2010/main" xmlns:p15="http://schemas.microsoft.com/office/powerpoint/2012/main" xmlns:mc="http://schemas.openxmlformats.org/markup-compatibility/2006" type="blank" preserve="1">
+<p:sldLayout xmlns:a="http://schemas.openxmlformats.org/drawingml/2006/main" xmlns:r="http://schemas.openxmlformats.org/officeDocument/2006/relationships" xmlns:p="http://schemas.openxmlformats.org/presentationml/2006/main" type="blank" preserve="1">
   <p:cSld name="Title, 6 Content">
     <p:spTree>
       <p:nvGrpSpPr>
@@ -764,9 +960,10 @@
           </a:prstGeom>
         </p:spPr>
         <p:txBody>
-          <a:bodyPr lIns="0" rIns="0" tIns="0" bIns="0" anchor="ctr"/>
-          <a:p>
-            <a:endParaRPr b="0" lang="en-US" sz="1800" spc="-1" strike="noStrike">
+          <a:bodyPr lIns="0" tIns="0" rIns="0" bIns="0" anchor="ctr"/>
+          <a:lstStyle/>
+          <a:p>
+            <a:endParaRPr lang="en-US" sz="1800" b="0" strike="noStrike" spc="-1">
               <a:solidFill>
                 <a:srgbClr val="000000"/>
               </a:solidFill>
@@ -795,13 +992,14 @@
           </a:prstGeom>
         </p:spPr>
         <p:txBody>
-          <a:bodyPr lIns="0" rIns="0" tIns="0" bIns="0">
+          <a:bodyPr lIns="0" tIns="0" rIns="0" bIns="0">
             <a:normAutofit/>
           </a:bodyPr>
-          <a:p>
-            <a:endParaRPr b="0" lang="en-US" sz="1800" spc="-1" strike="noStrike">
+          <a:lstStyle/>
+          <a:p>
+            <a:endParaRPr lang="en-US" sz="1800" b="0" strike="noStrike" spc="-1">
               <a:solidFill>
-                <a:srgbClr val="3d3d3d"/>
+                <a:srgbClr val="3D3D3D"/>
               </a:solidFill>
               <a:latin typeface="Gill Sans MT"/>
             </a:endParaRPr>
@@ -828,13 +1026,14 @@
           </a:prstGeom>
         </p:spPr>
         <p:txBody>
-          <a:bodyPr lIns="0" rIns="0" tIns="0" bIns="0">
+          <a:bodyPr lIns="0" tIns="0" rIns="0" bIns="0">
             <a:normAutofit/>
           </a:bodyPr>
-          <a:p>
-            <a:endParaRPr b="0" lang="en-US" sz="1800" spc="-1" strike="noStrike">
+          <a:lstStyle/>
+          <a:p>
+            <a:endParaRPr lang="en-US" sz="1800" b="0" strike="noStrike" spc="-1">
               <a:solidFill>
-                <a:srgbClr val="3d3d3d"/>
+                <a:srgbClr val="3D3D3D"/>
               </a:solidFill>
               <a:latin typeface="Gill Sans MT"/>
             </a:endParaRPr>
@@ -861,13 +1060,14 @@
           </a:prstGeom>
         </p:spPr>
         <p:txBody>
-          <a:bodyPr lIns="0" rIns="0" tIns="0" bIns="0">
+          <a:bodyPr lIns="0" tIns="0" rIns="0" bIns="0">
             <a:normAutofit/>
           </a:bodyPr>
-          <a:p>
-            <a:endParaRPr b="0" lang="en-US" sz="1800" spc="-1" strike="noStrike">
+          <a:lstStyle/>
+          <a:p>
+            <a:endParaRPr lang="en-US" sz="1800" b="0" strike="noStrike" spc="-1">
               <a:solidFill>
-                <a:srgbClr val="3d3d3d"/>
+                <a:srgbClr val="3D3D3D"/>
               </a:solidFill>
               <a:latin typeface="Gill Sans MT"/>
             </a:endParaRPr>
@@ -894,13 +1094,14 @@
           </a:prstGeom>
         </p:spPr>
         <p:txBody>
-          <a:bodyPr lIns="0" rIns="0" tIns="0" bIns="0">
+          <a:bodyPr lIns="0" tIns="0" rIns="0" bIns="0">
             <a:normAutofit/>
           </a:bodyPr>
-          <a:p>
-            <a:endParaRPr b="0" lang="en-US" sz="1800" spc="-1" strike="noStrike">
+          <a:lstStyle/>
+          <a:p>
+            <a:endParaRPr lang="en-US" sz="1800" b="0" strike="noStrike" spc="-1">
               <a:solidFill>
-                <a:srgbClr val="3d3d3d"/>
+                <a:srgbClr val="3D3D3D"/>
               </a:solidFill>
               <a:latin typeface="Gill Sans MT"/>
             </a:endParaRPr>
@@ -927,13 +1128,14 @@
           </a:prstGeom>
         </p:spPr>
         <p:txBody>
-          <a:bodyPr lIns="0" rIns="0" tIns="0" bIns="0">
+          <a:bodyPr lIns="0" tIns="0" rIns="0" bIns="0">
             <a:normAutofit/>
           </a:bodyPr>
-          <a:p>
-            <a:endParaRPr b="0" lang="en-US" sz="1800" spc="-1" strike="noStrike">
+          <a:lstStyle/>
+          <a:p>
+            <a:endParaRPr lang="en-US" sz="1800" b="0" strike="noStrike" spc="-1">
               <a:solidFill>
-                <a:srgbClr val="3d3d3d"/>
+                <a:srgbClr val="3D3D3D"/>
               </a:solidFill>
               <a:latin typeface="Gill Sans MT"/>
             </a:endParaRPr>
@@ -960,13 +1162,14 @@
           </a:prstGeom>
         </p:spPr>
         <p:txBody>
-          <a:bodyPr lIns="0" rIns="0" tIns="0" bIns="0">
+          <a:bodyPr lIns="0" tIns="0" rIns="0" bIns="0">
             <a:normAutofit/>
           </a:bodyPr>
-          <a:p>
-            <a:endParaRPr b="0" lang="en-US" sz="1800" spc="-1" strike="noStrike">
+          <a:lstStyle/>
+          <a:p>
+            <a:endParaRPr lang="en-US" sz="1800" b="0" strike="noStrike" spc="-1">
               <a:solidFill>
-                <a:srgbClr val="3d3d3d"/>
+                <a:srgbClr val="3D3D3D"/>
               </a:solidFill>
               <a:latin typeface="Gill Sans MT"/>
             </a:endParaRPr>
@@ -975,11 +1178,14 @@
       </p:sp>
     </p:spTree>
   </p:cSld>
+  <p:clrMapOvr>
+    <a:masterClrMapping/>
+  </p:clrMapOvr>
 </p:sldLayout>
 </file>
 
 <file path=ppt/slideLayouts/slideLayout13.xml><?xml version="1.0" encoding="utf-8"?>
-<p:sldLayout xmlns:a="http://schemas.openxmlformats.org/drawingml/2006/main" xmlns:p="http://schemas.openxmlformats.org/presentationml/2006/main" xmlns:r="http://schemas.openxmlformats.org/officeDocument/2006/relationships" xmlns:p14="http://schemas.microsoft.com/office/powerpoint/2010/main" xmlns:p15="http://schemas.microsoft.com/office/powerpoint/2012/main" xmlns:mc="http://schemas.openxmlformats.org/markup-compatibility/2006" type="blank" preserve="1">
+<p:sldLayout xmlns:a="http://schemas.openxmlformats.org/drawingml/2006/main" xmlns:r="http://schemas.openxmlformats.org/officeDocument/2006/relationships" xmlns:p="http://schemas.openxmlformats.org/presentationml/2006/main" type="blank" preserve="1">
   <p:cSld name="Blank Slide">
     <p:spTree>
       <p:nvGrpSpPr>
@@ -997,11 +1203,14 @@
       </p:grpSpPr>
     </p:spTree>
   </p:cSld>
+  <p:clrMapOvr>
+    <a:masterClrMapping/>
+  </p:clrMapOvr>
 </p:sldLayout>
 </file>
 
 <file path=ppt/slideLayouts/slideLayout14.xml><?xml version="1.0" encoding="utf-8"?>
-<p:sldLayout xmlns:a="http://schemas.openxmlformats.org/drawingml/2006/main" xmlns:p="http://schemas.openxmlformats.org/presentationml/2006/main" xmlns:r="http://schemas.openxmlformats.org/officeDocument/2006/relationships" xmlns:p14="http://schemas.microsoft.com/office/powerpoint/2010/main" xmlns:p15="http://schemas.microsoft.com/office/powerpoint/2012/main" xmlns:mc="http://schemas.openxmlformats.org/markup-compatibility/2006" type="tx" preserve="1">
+<p:sldLayout xmlns:a="http://schemas.openxmlformats.org/drawingml/2006/main" xmlns:r="http://schemas.openxmlformats.org/officeDocument/2006/relationships" xmlns:p="http://schemas.openxmlformats.org/presentationml/2006/main" type="tx" preserve="1">
   <p:cSld name="Title Slide">
     <p:spTree>
       <p:nvGrpSpPr>
@@ -1037,9 +1246,10 @@
           </a:prstGeom>
         </p:spPr>
         <p:txBody>
-          <a:bodyPr lIns="0" rIns="0" tIns="0" bIns="0" anchor="ctr"/>
-          <a:p>
-            <a:endParaRPr b="0" lang="en-US" sz="1800" spc="-1" strike="noStrike">
+          <a:bodyPr lIns="0" tIns="0" rIns="0" bIns="0" anchor="ctr"/>
+          <a:lstStyle/>
+          <a:p>
+            <a:endParaRPr lang="en-US" sz="1800" b="0" strike="noStrike" spc="-1">
               <a:solidFill>
                 <a:srgbClr val="000000"/>
               </a:solidFill>
@@ -1068,10 +1278,11 @@
           </a:prstGeom>
         </p:spPr>
         <p:txBody>
-          <a:bodyPr lIns="0" rIns="0" tIns="0" bIns="0" anchor="ctr"/>
+          <a:bodyPr lIns="0" tIns="0" rIns="0" bIns="0" anchor="ctr"/>
+          <a:lstStyle/>
           <a:p>
             <a:pPr algn="ctr"/>
-            <a:endParaRPr b="0" lang="pt-BR" sz="3200" spc="-1" strike="noStrike">
+            <a:endParaRPr lang="pt-BR" sz="3200" b="0" strike="noStrike" spc="-1">
               <a:latin typeface="Arial"/>
             </a:endParaRPr>
           </a:p>
@@ -1079,11 +1290,14 @@
       </p:sp>
     </p:spTree>
   </p:cSld>
+  <p:clrMapOvr>
+    <a:masterClrMapping/>
+  </p:clrMapOvr>
 </p:sldLayout>
 </file>
 
 <file path=ppt/slideLayouts/slideLayout15.xml><?xml version="1.0" encoding="utf-8"?>
-<p:sldLayout xmlns:a="http://schemas.openxmlformats.org/drawingml/2006/main" xmlns:p="http://schemas.openxmlformats.org/presentationml/2006/main" xmlns:r="http://schemas.openxmlformats.org/officeDocument/2006/relationships" xmlns:p14="http://schemas.microsoft.com/office/powerpoint/2010/main" xmlns:p15="http://schemas.microsoft.com/office/powerpoint/2012/main" xmlns:mc="http://schemas.openxmlformats.org/markup-compatibility/2006" type="obj" preserve="1">
+<p:sldLayout xmlns:a="http://schemas.openxmlformats.org/drawingml/2006/main" xmlns:r="http://schemas.openxmlformats.org/officeDocument/2006/relationships" xmlns:p="http://schemas.openxmlformats.org/presentationml/2006/main" type="obj" preserve="1">
   <p:cSld name="Title, Content">
     <p:spTree>
       <p:nvGrpSpPr>
@@ -1119,9 +1333,10 @@
           </a:prstGeom>
         </p:spPr>
         <p:txBody>
-          <a:bodyPr lIns="0" rIns="0" tIns="0" bIns="0" anchor="ctr"/>
-          <a:p>
-            <a:endParaRPr b="0" lang="en-US" sz="1800" spc="-1" strike="noStrike">
+          <a:bodyPr lIns="0" tIns="0" rIns="0" bIns="0" anchor="ctr"/>
+          <a:lstStyle/>
+          <a:p>
+            <a:endParaRPr lang="en-US" sz="1800" b="0" strike="noStrike" spc="-1">
               <a:solidFill>
                 <a:srgbClr val="000000"/>
               </a:solidFill>
@@ -1150,13 +1365,14 @@
           </a:prstGeom>
         </p:spPr>
         <p:txBody>
-          <a:bodyPr lIns="0" rIns="0" tIns="0" bIns="0">
+          <a:bodyPr lIns="0" tIns="0" rIns="0" bIns="0">
             <a:normAutofit/>
           </a:bodyPr>
-          <a:p>
-            <a:endParaRPr b="0" lang="en-US" sz="1800" spc="-1" strike="noStrike">
+          <a:lstStyle/>
+          <a:p>
+            <a:endParaRPr lang="en-US" sz="1800" b="0" strike="noStrike" spc="-1">
               <a:solidFill>
-                <a:srgbClr val="3d3d3d"/>
+                <a:srgbClr val="3D3D3D"/>
               </a:solidFill>
               <a:latin typeface="Gill Sans MT"/>
             </a:endParaRPr>
@@ -1165,11 +1381,14 @@
       </p:sp>
     </p:spTree>
   </p:cSld>
+  <p:clrMapOvr>
+    <a:masterClrMapping/>
+  </p:clrMapOvr>
 </p:sldLayout>
 </file>
 
 <file path=ppt/slideLayouts/slideLayout16.xml><?xml version="1.0" encoding="utf-8"?>
-<p:sldLayout xmlns:a="http://schemas.openxmlformats.org/drawingml/2006/main" xmlns:p="http://schemas.openxmlformats.org/presentationml/2006/main" xmlns:r="http://schemas.openxmlformats.org/officeDocument/2006/relationships" xmlns:p14="http://schemas.microsoft.com/office/powerpoint/2010/main" xmlns:p15="http://schemas.microsoft.com/office/powerpoint/2012/main" xmlns:mc="http://schemas.openxmlformats.org/markup-compatibility/2006" type="twoObj" preserve="1">
+<p:sldLayout xmlns:a="http://schemas.openxmlformats.org/drawingml/2006/main" xmlns:r="http://schemas.openxmlformats.org/officeDocument/2006/relationships" xmlns:p="http://schemas.openxmlformats.org/presentationml/2006/main" type="twoObj" preserve="1">
   <p:cSld name="Title, 2 Content">
     <p:spTree>
       <p:nvGrpSpPr>
@@ -1205,9 +1424,10 @@
           </a:prstGeom>
         </p:spPr>
         <p:txBody>
-          <a:bodyPr lIns="0" rIns="0" tIns="0" bIns="0" anchor="ctr"/>
-          <a:p>
-            <a:endParaRPr b="0" lang="en-US" sz="1800" spc="-1" strike="noStrike">
+          <a:bodyPr lIns="0" tIns="0" rIns="0" bIns="0" anchor="ctr"/>
+          <a:lstStyle/>
+          <a:p>
+            <a:endParaRPr lang="en-US" sz="1800" b="0" strike="noStrike" spc="-1">
               <a:solidFill>
                 <a:srgbClr val="000000"/>
               </a:solidFill>
@@ -1236,13 +1456,14 @@
           </a:prstGeom>
         </p:spPr>
         <p:txBody>
-          <a:bodyPr lIns="0" rIns="0" tIns="0" bIns="0">
+          <a:bodyPr lIns="0" tIns="0" rIns="0" bIns="0">
             <a:normAutofit/>
           </a:bodyPr>
-          <a:p>
-            <a:endParaRPr b="0" lang="en-US" sz="1800" spc="-1" strike="noStrike">
+          <a:lstStyle/>
+          <a:p>
+            <a:endParaRPr lang="en-US" sz="1800" b="0" strike="noStrike" spc="-1">
               <a:solidFill>
-                <a:srgbClr val="3d3d3d"/>
+                <a:srgbClr val="3D3D3D"/>
               </a:solidFill>
               <a:latin typeface="Gill Sans MT"/>
             </a:endParaRPr>
@@ -1269,13 +1490,14 @@
           </a:prstGeom>
         </p:spPr>
         <p:txBody>
-          <a:bodyPr lIns="0" rIns="0" tIns="0" bIns="0">
+          <a:bodyPr lIns="0" tIns="0" rIns="0" bIns="0">
             <a:normAutofit/>
           </a:bodyPr>
-          <a:p>
-            <a:endParaRPr b="0" lang="en-US" sz="1800" spc="-1" strike="noStrike">
+          <a:lstStyle/>
+          <a:p>
+            <a:endParaRPr lang="en-US" sz="1800" b="0" strike="noStrike" spc="-1">
               <a:solidFill>
-                <a:srgbClr val="3d3d3d"/>
+                <a:srgbClr val="3D3D3D"/>
               </a:solidFill>
               <a:latin typeface="Gill Sans MT"/>
             </a:endParaRPr>
@@ -1284,11 +1506,14 @@
       </p:sp>
     </p:spTree>
   </p:cSld>
+  <p:clrMapOvr>
+    <a:masterClrMapping/>
+  </p:clrMapOvr>
 </p:sldLayout>
 </file>
 
 <file path=ppt/slideLayouts/slideLayout17.xml><?xml version="1.0" encoding="utf-8"?>
-<p:sldLayout xmlns:a="http://schemas.openxmlformats.org/drawingml/2006/main" xmlns:p="http://schemas.openxmlformats.org/presentationml/2006/main" xmlns:r="http://schemas.openxmlformats.org/officeDocument/2006/relationships" xmlns:p14="http://schemas.microsoft.com/office/powerpoint/2010/main" xmlns:p15="http://schemas.microsoft.com/office/powerpoint/2012/main" xmlns:mc="http://schemas.openxmlformats.org/markup-compatibility/2006" type="titleOnly" preserve="1">
+<p:sldLayout xmlns:a="http://schemas.openxmlformats.org/drawingml/2006/main" xmlns:r="http://schemas.openxmlformats.org/officeDocument/2006/relationships" xmlns:p="http://schemas.openxmlformats.org/presentationml/2006/main" type="titleOnly" preserve="1">
   <p:cSld name="Title Only">
     <p:spTree>
       <p:nvGrpSpPr>
@@ -1324,9 +1549,10 @@
           </a:prstGeom>
         </p:spPr>
         <p:txBody>
-          <a:bodyPr lIns="0" rIns="0" tIns="0" bIns="0" anchor="ctr"/>
-          <a:p>
-            <a:endParaRPr b="0" lang="en-US" sz="1800" spc="-1" strike="noStrike">
+          <a:bodyPr lIns="0" tIns="0" rIns="0" bIns="0" anchor="ctr"/>
+          <a:lstStyle/>
+          <a:p>
+            <a:endParaRPr lang="en-US" sz="1800" b="0" strike="noStrike" spc="-1">
               <a:solidFill>
                 <a:srgbClr val="000000"/>
               </a:solidFill>
@@ -1337,11 +1563,14 @@
       </p:sp>
     </p:spTree>
   </p:cSld>
+  <p:clrMapOvr>
+    <a:masterClrMapping/>
+  </p:clrMapOvr>
 </p:sldLayout>
 </file>
 
 <file path=ppt/slideLayouts/slideLayout18.xml><?xml version="1.0" encoding="utf-8"?>
-<p:sldLayout xmlns:a="http://schemas.openxmlformats.org/drawingml/2006/main" xmlns:p="http://schemas.openxmlformats.org/presentationml/2006/main" xmlns:r="http://schemas.openxmlformats.org/officeDocument/2006/relationships" xmlns:p14="http://schemas.microsoft.com/office/powerpoint/2010/main" xmlns:p15="http://schemas.microsoft.com/office/powerpoint/2012/main" xmlns:mc="http://schemas.openxmlformats.org/markup-compatibility/2006" type="objOnly" preserve="1">
+<p:sldLayout xmlns:a="http://schemas.openxmlformats.org/drawingml/2006/main" xmlns:r="http://schemas.openxmlformats.org/officeDocument/2006/relationships" xmlns:p="http://schemas.openxmlformats.org/presentationml/2006/main" type="objOnly" preserve="1">
   <p:cSld name="Centered Text">
     <p:spTree>
       <p:nvGrpSpPr>
@@ -1377,10 +1606,11 @@
           </a:prstGeom>
         </p:spPr>
         <p:txBody>
-          <a:bodyPr lIns="0" rIns="0" tIns="0" bIns="0" anchor="ctr"/>
+          <a:bodyPr lIns="0" tIns="0" rIns="0" bIns="0" anchor="ctr"/>
+          <a:lstStyle/>
           <a:p>
             <a:pPr algn="ctr"/>
-            <a:endParaRPr b="0" lang="pt-BR" sz="3200" spc="-1" strike="noStrike">
+            <a:endParaRPr lang="pt-BR" sz="3200" b="0" strike="noStrike" spc="-1">
               <a:latin typeface="Arial"/>
             </a:endParaRPr>
           </a:p>
@@ -1388,11 +1618,14 @@
       </p:sp>
     </p:spTree>
   </p:cSld>
+  <p:clrMapOvr>
+    <a:masterClrMapping/>
+  </p:clrMapOvr>
 </p:sldLayout>
 </file>
 
 <file path=ppt/slideLayouts/slideLayout19.xml><?xml version="1.0" encoding="utf-8"?>
-<p:sldLayout xmlns:a="http://schemas.openxmlformats.org/drawingml/2006/main" xmlns:p="http://schemas.openxmlformats.org/presentationml/2006/main" xmlns:r="http://schemas.openxmlformats.org/officeDocument/2006/relationships" xmlns:p14="http://schemas.microsoft.com/office/powerpoint/2010/main" xmlns:p15="http://schemas.microsoft.com/office/powerpoint/2012/main" xmlns:mc="http://schemas.openxmlformats.org/markup-compatibility/2006" type="twoObjAndObj" preserve="1">
+<p:sldLayout xmlns:a="http://schemas.openxmlformats.org/drawingml/2006/main" xmlns:r="http://schemas.openxmlformats.org/officeDocument/2006/relationships" xmlns:p="http://schemas.openxmlformats.org/presentationml/2006/main" type="twoObjAndObj" preserve="1">
   <p:cSld name="Title, 2 Content and Content">
     <p:spTree>
       <p:nvGrpSpPr>
@@ -1428,9 +1661,10 @@
           </a:prstGeom>
         </p:spPr>
         <p:txBody>
-          <a:bodyPr lIns="0" rIns="0" tIns="0" bIns="0" anchor="ctr"/>
-          <a:p>
-            <a:endParaRPr b="0" lang="en-US" sz="1800" spc="-1" strike="noStrike">
+          <a:bodyPr lIns="0" tIns="0" rIns="0" bIns="0" anchor="ctr"/>
+          <a:lstStyle/>
+          <a:p>
+            <a:endParaRPr lang="en-US" sz="1800" b="0" strike="noStrike" spc="-1">
               <a:solidFill>
                 <a:srgbClr val="000000"/>
               </a:solidFill>
@@ -1459,13 +1693,14 @@
           </a:prstGeom>
         </p:spPr>
         <p:txBody>
-          <a:bodyPr lIns="0" rIns="0" tIns="0" bIns="0">
+          <a:bodyPr lIns="0" tIns="0" rIns="0" bIns="0">
             <a:normAutofit/>
           </a:bodyPr>
-          <a:p>
-            <a:endParaRPr b="0" lang="en-US" sz="1800" spc="-1" strike="noStrike">
+          <a:lstStyle/>
+          <a:p>
+            <a:endParaRPr lang="en-US" sz="1800" b="0" strike="noStrike" spc="-1">
               <a:solidFill>
-                <a:srgbClr val="3d3d3d"/>
+                <a:srgbClr val="3D3D3D"/>
               </a:solidFill>
               <a:latin typeface="Gill Sans MT"/>
             </a:endParaRPr>
@@ -1492,13 +1727,14 @@
           </a:prstGeom>
         </p:spPr>
         <p:txBody>
-          <a:bodyPr lIns="0" rIns="0" tIns="0" bIns="0">
+          <a:bodyPr lIns="0" tIns="0" rIns="0" bIns="0">
             <a:normAutofit/>
           </a:bodyPr>
-          <a:p>
-            <a:endParaRPr b="0" lang="en-US" sz="1800" spc="-1" strike="noStrike">
+          <a:lstStyle/>
+          <a:p>
+            <a:endParaRPr lang="en-US" sz="1800" b="0" strike="noStrike" spc="-1">
               <a:solidFill>
-                <a:srgbClr val="3d3d3d"/>
+                <a:srgbClr val="3D3D3D"/>
               </a:solidFill>
               <a:latin typeface="Gill Sans MT"/>
             </a:endParaRPr>
@@ -1525,13 +1761,14 @@
           </a:prstGeom>
         </p:spPr>
         <p:txBody>
-          <a:bodyPr lIns="0" rIns="0" tIns="0" bIns="0">
+          <a:bodyPr lIns="0" tIns="0" rIns="0" bIns="0">
             <a:normAutofit/>
           </a:bodyPr>
-          <a:p>
-            <a:endParaRPr b="0" lang="en-US" sz="1800" spc="-1" strike="noStrike">
+          <a:lstStyle/>
+          <a:p>
+            <a:endParaRPr lang="en-US" sz="1800" b="0" strike="noStrike" spc="-1">
               <a:solidFill>
-                <a:srgbClr val="3d3d3d"/>
+                <a:srgbClr val="3D3D3D"/>
               </a:solidFill>
               <a:latin typeface="Gill Sans MT"/>
             </a:endParaRPr>
@@ -1540,11 +1777,14 @@
       </p:sp>
     </p:spTree>
   </p:cSld>
+  <p:clrMapOvr>
+    <a:masterClrMapping/>
+  </p:clrMapOvr>
 </p:sldLayout>
 </file>
 
 <file path=ppt/slideLayouts/slideLayout2.xml><?xml version="1.0" encoding="utf-8"?>
-<p:sldLayout xmlns:a="http://schemas.openxmlformats.org/drawingml/2006/main" xmlns:p="http://schemas.openxmlformats.org/presentationml/2006/main" xmlns:r="http://schemas.openxmlformats.org/officeDocument/2006/relationships" xmlns:p14="http://schemas.microsoft.com/office/powerpoint/2010/main" xmlns:p15="http://schemas.microsoft.com/office/powerpoint/2012/main" xmlns:mc="http://schemas.openxmlformats.org/markup-compatibility/2006" type="tx" preserve="1">
+<p:sldLayout xmlns:a="http://schemas.openxmlformats.org/drawingml/2006/main" xmlns:r="http://schemas.openxmlformats.org/officeDocument/2006/relationships" xmlns:p="http://schemas.openxmlformats.org/presentationml/2006/main" type="tx" preserve="1">
   <p:cSld name="Title Slide">
     <p:spTree>
       <p:nvGrpSpPr>
@@ -1580,9 +1820,10 @@
           </a:prstGeom>
         </p:spPr>
         <p:txBody>
-          <a:bodyPr lIns="0" rIns="0" tIns="0" bIns="0" anchor="ctr"/>
-          <a:p>
-            <a:endParaRPr b="0" lang="en-US" sz="1800" spc="-1" strike="noStrike">
+          <a:bodyPr lIns="0" tIns="0" rIns="0" bIns="0" anchor="ctr"/>
+          <a:lstStyle/>
+          <a:p>
+            <a:endParaRPr lang="en-US" sz="1800" b="0" strike="noStrike" spc="-1">
               <a:solidFill>
                 <a:srgbClr val="000000"/>
               </a:solidFill>
@@ -1611,10 +1852,11 @@
           </a:prstGeom>
         </p:spPr>
         <p:txBody>
-          <a:bodyPr lIns="0" rIns="0" tIns="0" bIns="0" anchor="ctr"/>
+          <a:bodyPr lIns="0" tIns="0" rIns="0" bIns="0" anchor="ctr"/>
+          <a:lstStyle/>
           <a:p>
             <a:pPr algn="ctr"/>
-            <a:endParaRPr b="0" lang="pt-BR" sz="3200" spc="-1" strike="noStrike">
+            <a:endParaRPr lang="pt-BR" sz="3200" b="0" strike="noStrike" spc="-1">
               <a:latin typeface="Arial"/>
             </a:endParaRPr>
           </a:p>
@@ -1622,11 +1864,14 @@
       </p:sp>
     </p:spTree>
   </p:cSld>
+  <p:clrMapOvr>
+    <a:masterClrMapping/>
+  </p:clrMapOvr>
 </p:sldLayout>
 </file>
 
 <file path=ppt/slideLayouts/slideLayout20.xml><?xml version="1.0" encoding="utf-8"?>
-<p:sldLayout xmlns:a="http://schemas.openxmlformats.org/drawingml/2006/main" xmlns:p="http://schemas.openxmlformats.org/presentationml/2006/main" xmlns:r="http://schemas.openxmlformats.org/officeDocument/2006/relationships" xmlns:p14="http://schemas.microsoft.com/office/powerpoint/2010/main" xmlns:p15="http://schemas.microsoft.com/office/powerpoint/2012/main" xmlns:mc="http://schemas.openxmlformats.org/markup-compatibility/2006" type="objAndTwoObj" preserve="1">
+<p:sldLayout xmlns:a="http://schemas.openxmlformats.org/drawingml/2006/main" xmlns:r="http://schemas.openxmlformats.org/officeDocument/2006/relationships" xmlns:p="http://schemas.openxmlformats.org/presentationml/2006/main" type="objAndTwoObj" preserve="1">
   <p:cSld name="Title Content and 2 Content">
     <p:spTree>
       <p:nvGrpSpPr>
@@ -1662,9 +1907,10 @@
           </a:prstGeom>
         </p:spPr>
         <p:txBody>
-          <a:bodyPr lIns="0" rIns="0" tIns="0" bIns="0" anchor="ctr"/>
-          <a:p>
-            <a:endParaRPr b="0" lang="en-US" sz="1800" spc="-1" strike="noStrike">
+          <a:bodyPr lIns="0" tIns="0" rIns="0" bIns="0" anchor="ctr"/>
+          <a:lstStyle/>
+          <a:p>
+            <a:endParaRPr lang="en-US" sz="1800" b="0" strike="noStrike" spc="-1">
               <a:solidFill>
                 <a:srgbClr val="000000"/>
               </a:solidFill>
@@ -1693,13 +1939,14 @@
           </a:prstGeom>
         </p:spPr>
         <p:txBody>
-          <a:bodyPr lIns="0" rIns="0" tIns="0" bIns="0">
+          <a:bodyPr lIns="0" tIns="0" rIns="0" bIns="0">
             <a:normAutofit/>
           </a:bodyPr>
-          <a:p>
-            <a:endParaRPr b="0" lang="en-US" sz="1800" spc="-1" strike="noStrike">
+          <a:lstStyle/>
+          <a:p>
+            <a:endParaRPr lang="en-US" sz="1800" b="0" strike="noStrike" spc="-1">
               <a:solidFill>
-                <a:srgbClr val="3d3d3d"/>
+                <a:srgbClr val="3D3D3D"/>
               </a:solidFill>
               <a:latin typeface="Gill Sans MT"/>
             </a:endParaRPr>
@@ -1726,13 +1973,14 @@
           </a:prstGeom>
         </p:spPr>
         <p:txBody>
-          <a:bodyPr lIns="0" rIns="0" tIns="0" bIns="0">
+          <a:bodyPr lIns="0" tIns="0" rIns="0" bIns="0">
             <a:normAutofit/>
           </a:bodyPr>
-          <a:p>
-            <a:endParaRPr b="0" lang="en-US" sz="1800" spc="-1" strike="noStrike">
+          <a:lstStyle/>
+          <a:p>
+            <a:endParaRPr lang="en-US" sz="1800" b="0" strike="noStrike" spc="-1">
               <a:solidFill>
-                <a:srgbClr val="3d3d3d"/>
+                <a:srgbClr val="3D3D3D"/>
               </a:solidFill>
               <a:latin typeface="Gill Sans MT"/>
             </a:endParaRPr>
@@ -1759,13 +2007,14 @@
           </a:prstGeom>
         </p:spPr>
         <p:txBody>
-          <a:bodyPr lIns="0" rIns="0" tIns="0" bIns="0">
+          <a:bodyPr lIns="0" tIns="0" rIns="0" bIns="0">
             <a:normAutofit/>
           </a:bodyPr>
-          <a:p>
-            <a:endParaRPr b="0" lang="en-US" sz="1800" spc="-1" strike="noStrike">
+          <a:lstStyle/>
+          <a:p>
+            <a:endParaRPr lang="en-US" sz="1800" b="0" strike="noStrike" spc="-1">
               <a:solidFill>
-                <a:srgbClr val="3d3d3d"/>
+                <a:srgbClr val="3D3D3D"/>
               </a:solidFill>
               <a:latin typeface="Gill Sans MT"/>
             </a:endParaRPr>
@@ -1774,11 +2023,14 @@
       </p:sp>
     </p:spTree>
   </p:cSld>
+  <p:clrMapOvr>
+    <a:masterClrMapping/>
+  </p:clrMapOvr>
 </p:sldLayout>
 </file>
 
 <file path=ppt/slideLayouts/slideLayout21.xml><?xml version="1.0" encoding="utf-8"?>
-<p:sldLayout xmlns:a="http://schemas.openxmlformats.org/drawingml/2006/main" xmlns:p="http://schemas.openxmlformats.org/presentationml/2006/main" xmlns:r="http://schemas.openxmlformats.org/officeDocument/2006/relationships" xmlns:p14="http://schemas.microsoft.com/office/powerpoint/2010/main" xmlns:p15="http://schemas.microsoft.com/office/powerpoint/2012/main" xmlns:mc="http://schemas.openxmlformats.org/markup-compatibility/2006" type="twoObjOverTx" preserve="1">
+<p:sldLayout xmlns:a="http://schemas.openxmlformats.org/drawingml/2006/main" xmlns:r="http://schemas.openxmlformats.org/officeDocument/2006/relationships" xmlns:p="http://schemas.openxmlformats.org/presentationml/2006/main" type="twoObjOverTx" preserve="1">
   <p:cSld name="Title, 2 Content over Content">
     <p:spTree>
       <p:nvGrpSpPr>
@@ -1814,9 +2066,10 @@
           </a:prstGeom>
         </p:spPr>
         <p:txBody>
-          <a:bodyPr lIns="0" rIns="0" tIns="0" bIns="0" anchor="ctr"/>
-          <a:p>
-            <a:endParaRPr b="0" lang="en-US" sz="1800" spc="-1" strike="noStrike">
+          <a:bodyPr lIns="0" tIns="0" rIns="0" bIns="0" anchor="ctr"/>
+          <a:lstStyle/>
+          <a:p>
+            <a:endParaRPr lang="en-US" sz="1800" b="0" strike="noStrike" spc="-1">
               <a:solidFill>
                 <a:srgbClr val="000000"/>
               </a:solidFill>
@@ -1845,13 +2098,14 @@
           </a:prstGeom>
         </p:spPr>
         <p:txBody>
-          <a:bodyPr lIns="0" rIns="0" tIns="0" bIns="0">
+          <a:bodyPr lIns="0" tIns="0" rIns="0" bIns="0">
             <a:normAutofit/>
           </a:bodyPr>
-          <a:p>
-            <a:endParaRPr b="0" lang="en-US" sz="1800" spc="-1" strike="noStrike">
+          <a:lstStyle/>
+          <a:p>
+            <a:endParaRPr lang="en-US" sz="1800" b="0" strike="noStrike" spc="-1">
               <a:solidFill>
-                <a:srgbClr val="3d3d3d"/>
+                <a:srgbClr val="3D3D3D"/>
               </a:solidFill>
               <a:latin typeface="Gill Sans MT"/>
             </a:endParaRPr>
@@ -1878,13 +2132,14 @@
           </a:prstGeom>
         </p:spPr>
         <p:txBody>
-          <a:bodyPr lIns="0" rIns="0" tIns="0" bIns="0">
+          <a:bodyPr lIns="0" tIns="0" rIns="0" bIns="0">
             <a:normAutofit/>
           </a:bodyPr>
-          <a:p>
-            <a:endParaRPr b="0" lang="en-US" sz="1800" spc="-1" strike="noStrike">
+          <a:lstStyle/>
+          <a:p>
+            <a:endParaRPr lang="en-US" sz="1800" b="0" strike="noStrike" spc="-1">
               <a:solidFill>
-                <a:srgbClr val="3d3d3d"/>
+                <a:srgbClr val="3D3D3D"/>
               </a:solidFill>
               <a:latin typeface="Gill Sans MT"/>
             </a:endParaRPr>
@@ -1911,13 +2166,14 @@
           </a:prstGeom>
         </p:spPr>
         <p:txBody>
-          <a:bodyPr lIns="0" rIns="0" tIns="0" bIns="0">
+          <a:bodyPr lIns="0" tIns="0" rIns="0" bIns="0">
             <a:normAutofit/>
           </a:bodyPr>
-          <a:p>
-            <a:endParaRPr b="0" lang="en-US" sz="1800" spc="-1" strike="noStrike">
+          <a:lstStyle/>
+          <a:p>
+            <a:endParaRPr lang="en-US" sz="1800" b="0" strike="noStrike" spc="-1">
               <a:solidFill>
-                <a:srgbClr val="3d3d3d"/>
+                <a:srgbClr val="3D3D3D"/>
               </a:solidFill>
               <a:latin typeface="Gill Sans MT"/>
             </a:endParaRPr>
@@ -1926,11 +2182,14 @@
       </p:sp>
     </p:spTree>
   </p:cSld>
+  <p:clrMapOvr>
+    <a:masterClrMapping/>
+  </p:clrMapOvr>
 </p:sldLayout>
 </file>
 
 <file path=ppt/slideLayouts/slideLayout22.xml><?xml version="1.0" encoding="utf-8"?>
-<p:sldLayout xmlns:a="http://schemas.openxmlformats.org/drawingml/2006/main" xmlns:p="http://schemas.openxmlformats.org/presentationml/2006/main" xmlns:r="http://schemas.openxmlformats.org/officeDocument/2006/relationships" xmlns:p14="http://schemas.microsoft.com/office/powerpoint/2010/main" xmlns:p15="http://schemas.microsoft.com/office/powerpoint/2012/main" xmlns:mc="http://schemas.openxmlformats.org/markup-compatibility/2006" type="objOverTx" preserve="1">
+<p:sldLayout xmlns:a="http://schemas.openxmlformats.org/drawingml/2006/main" xmlns:r="http://schemas.openxmlformats.org/officeDocument/2006/relationships" xmlns:p="http://schemas.openxmlformats.org/presentationml/2006/main" type="objOverTx" preserve="1">
   <p:cSld name="Title, Content over Content">
     <p:spTree>
       <p:nvGrpSpPr>
@@ -1966,9 +2225,10 @@
           </a:prstGeom>
         </p:spPr>
         <p:txBody>
-          <a:bodyPr lIns="0" rIns="0" tIns="0" bIns="0" anchor="ctr"/>
-          <a:p>
-            <a:endParaRPr b="0" lang="en-US" sz="1800" spc="-1" strike="noStrike">
+          <a:bodyPr lIns="0" tIns="0" rIns="0" bIns="0" anchor="ctr"/>
+          <a:lstStyle/>
+          <a:p>
+            <a:endParaRPr lang="en-US" sz="1800" b="0" strike="noStrike" spc="-1">
               <a:solidFill>
                 <a:srgbClr val="000000"/>
               </a:solidFill>
@@ -1997,13 +2257,14 @@
           </a:prstGeom>
         </p:spPr>
         <p:txBody>
-          <a:bodyPr lIns="0" rIns="0" tIns="0" bIns="0">
+          <a:bodyPr lIns="0" tIns="0" rIns="0" bIns="0">
             <a:normAutofit/>
           </a:bodyPr>
-          <a:p>
-            <a:endParaRPr b="0" lang="en-US" sz="1800" spc="-1" strike="noStrike">
+          <a:lstStyle/>
+          <a:p>
+            <a:endParaRPr lang="en-US" sz="1800" b="0" strike="noStrike" spc="-1">
               <a:solidFill>
-                <a:srgbClr val="3d3d3d"/>
+                <a:srgbClr val="3D3D3D"/>
               </a:solidFill>
               <a:latin typeface="Gill Sans MT"/>
             </a:endParaRPr>
@@ -2030,13 +2291,14 @@
           </a:prstGeom>
         </p:spPr>
         <p:txBody>
-          <a:bodyPr lIns="0" rIns="0" tIns="0" bIns="0">
+          <a:bodyPr lIns="0" tIns="0" rIns="0" bIns="0">
             <a:normAutofit/>
           </a:bodyPr>
-          <a:p>
-            <a:endParaRPr b="0" lang="en-US" sz="1800" spc="-1" strike="noStrike">
+          <a:lstStyle/>
+          <a:p>
+            <a:endParaRPr lang="en-US" sz="1800" b="0" strike="noStrike" spc="-1">
               <a:solidFill>
-                <a:srgbClr val="3d3d3d"/>
+                <a:srgbClr val="3D3D3D"/>
               </a:solidFill>
               <a:latin typeface="Gill Sans MT"/>
             </a:endParaRPr>
@@ -2045,11 +2307,14 @@
       </p:sp>
     </p:spTree>
   </p:cSld>
+  <p:clrMapOvr>
+    <a:masterClrMapping/>
+  </p:clrMapOvr>
 </p:sldLayout>
 </file>
 
 <file path=ppt/slideLayouts/slideLayout23.xml><?xml version="1.0" encoding="utf-8"?>
-<p:sldLayout xmlns:a="http://schemas.openxmlformats.org/drawingml/2006/main" xmlns:p="http://schemas.openxmlformats.org/presentationml/2006/main" xmlns:r="http://schemas.openxmlformats.org/officeDocument/2006/relationships" xmlns:p14="http://schemas.microsoft.com/office/powerpoint/2010/main" xmlns:p15="http://schemas.microsoft.com/office/powerpoint/2012/main" xmlns:mc="http://schemas.openxmlformats.org/markup-compatibility/2006" type="fourObj" preserve="1">
+<p:sldLayout xmlns:a="http://schemas.openxmlformats.org/drawingml/2006/main" xmlns:r="http://schemas.openxmlformats.org/officeDocument/2006/relationships" xmlns:p="http://schemas.openxmlformats.org/presentationml/2006/main" type="fourObj" preserve="1">
   <p:cSld name="Title, 4 Content">
     <p:spTree>
       <p:nvGrpSpPr>
@@ -2085,9 +2350,10 @@
           </a:prstGeom>
         </p:spPr>
         <p:txBody>
-          <a:bodyPr lIns="0" rIns="0" tIns="0" bIns="0" anchor="ctr"/>
-          <a:p>
-            <a:endParaRPr b="0" lang="en-US" sz="1800" spc="-1" strike="noStrike">
+          <a:bodyPr lIns="0" tIns="0" rIns="0" bIns="0" anchor="ctr"/>
+          <a:lstStyle/>
+          <a:p>
+            <a:endParaRPr lang="en-US" sz="1800" b="0" strike="noStrike" spc="-1">
               <a:solidFill>
                 <a:srgbClr val="000000"/>
               </a:solidFill>
@@ -2116,13 +2382,14 @@
           </a:prstGeom>
         </p:spPr>
         <p:txBody>
-          <a:bodyPr lIns="0" rIns="0" tIns="0" bIns="0">
+          <a:bodyPr lIns="0" tIns="0" rIns="0" bIns="0">
             <a:normAutofit/>
           </a:bodyPr>
-          <a:p>
-            <a:endParaRPr b="0" lang="en-US" sz="1800" spc="-1" strike="noStrike">
+          <a:lstStyle/>
+          <a:p>
+            <a:endParaRPr lang="en-US" sz="1800" b="0" strike="noStrike" spc="-1">
               <a:solidFill>
-                <a:srgbClr val="3d3d3d"/>
+                <a:srgbClr val="3D3D3D"/>
               </a:solidFill>
               <a:latin typeface="Gill Sans MT"/>
             </a:endParaRPr>
@@ -2149,13 +2416,14 @@
           </a:prstGeom>
         </p:spPr>
         <p:txBody>
-          <a:bodyPr lIns="0" rIns="0" tIns="0" bIns="0">
+          <a:bodyPr lIns="0" tIns="0" rIns="0" bIns="0">
             <a:normAutofit/>
           </a:bodyPr>
-          <a:p>
-            <a:endParaRPr b="0" lang="en-US" sz="1800" spc="-1" strike="noStrike">
+          <a:lstStyle/>
+          <a:p>
+            <a:endParaRPr lang="en-US" sz="1800" b="0" strike="noStrike" spc="-1">
               <a:solidFill>
-                <a:srgbClr val="3d3d3d"/>
+                <a:srgbClr val="3D3D3D"/>
               </a:solidFill>
               <a:latin typeface="Gill Sans MT"/>
             </a:endParaRPr>
@@ -2182,13 +2450,14 @@
           </a:prstGeom>
         </p:spPr>
         <p:txBody>
-          <a:bodyPr lIns="0" rIns="0" tIns="0" bIns="0">
+          <a:bodyPr lIns="0" tIns="0" rIns="0" bIns="0">
             <a:normAutofit/>
           </a:bodyPr>
-          <a:p>
-            <a:endParaRPr b="0" lang="en-US" sz="1800" spc="-1" strike="noStrike">
+          <a:lstStyle/>
+          <a:p>
+            <a:endParaRPr lang="en-US" sz="1800" b="0" strike="noStrike" spc="-1">
               <a:solidFill>
-                <a:srgbClr val="3d3d3d"/>
+                <a:srgbClr val="3D3D3D"/>
               </a:solidFill>
               <a:latin typeface="Gill Sans MT"/>
             </a:endParaRPr>
@@ -2215,13 +2484,14 @@
           </a:prstGeom>
         </p:spPr>
         <p:txBody>
-          <a:bodyPr lIns="0" rIns="0" tIns="0" bIns="0">
+          <a:bodyPr lIns="0" tIns="0" rIns="0" bIns="0">
             <a:normAutofit/>
           </a:bodyPr>
-          <a:p>
-            <a:endParaRPr b="0" lang="en-US" sz="1800" spc="-1" strike="noStrike">
+          <a:lstStyle/>
+          <a:p>
+            <a:endParaRPr lang="en-US" sz="1800" b="0" strike="noStrike" spc="-1">
               <a:solidFill>
-                <a:srgbClr val="3d3d3d"/>
+                <a:srgbClr val="3D3D3D"/>
               </a:solidFill>
               <a:latin typeface="Gill Sans MT"/>
             </a:endParaRPr>
@@ -2230,11 +2500,14 @@
       </p:sp>
     </p:spTree>
   </p:cSld>
+  <p:clrMapOvr>
+    <a:masterClrMapping/>
+  </p:clrMapOvr>
 </p:sldLayout>
 </file>
 
 <file path=ppt/slideLayouts/slideLayout24.xml><?xml version="1.0" encoding="utf-8"?>
-<p:sldLayout xmlns:a="http://schemas.openxmlformats.org/drawingml/2006/main" xmlns:p="http://schemas.openxmlformats.org/presentationml/2006/main" xmlns:r="http://schemas.openxmlformats.org/officeDocument/2006/relationships" xmlns:p14="http://schemas.microsoft.com/office/powerpoint/2010/main" xmlns:p15="http://schemas.microsoft.com/office/powerpoint/2012/main" xmlns:mc="http://schemas.openxmlformats.org/markup-compatibility/2006" type="blank" preserve="1">
+<p:sldLayout xmlns:a="http://schemas.openxmlformats.org/drawingml/2006/main" xmlns:r="http://schemas.openxmlformats.org/officeDocument/2006/relationships" xmlns:p="http://schemas.openxmlformats.org/presentationml/2006/main" type="blank" preserve="1">
   <p:cSld name="Title, 6 Content">
     <p:spTree>
       <p:nvGrpSpPr>
@@ -2270,9 +2543,10 @@
           </a:prstGeom>
         </p:spPr>
         <p:txBody>
-          <a:bodyPr lIns="0" rIns="0" tIns="0" bIns="0" anchor="ctr"/>
-          <a:p>
-            <a:endParaRPr b="0" lang="en-US" sz="1800" spc="-1" strike="noStrike">
+          <a:bodyPr lIns="0" tIns="0" rIns="0" bIns="0" anchor="ctr"/>
+          <a:lstStyle/>
+          <a:p>
+            <a:endParaRPr lang="en-US" sz="1800" b="0" strike="noStrike" spc="-1">
               <a:solidFill>
                 <a:srgbClr val="000000"/>
               </a:solidFill>
@@ -2301,13 +2575,14 @@
           </a:prstGeom>
         </p:spPr>
         <p:txBody>
-          <a:bodyPr lIns="0" rIns="0" tIns="0" bIns="0">
+          <a:bodyPr lIns="0" tIns="0" rIns="0" bIns="0">
             <a:normAutofit/>
           </a:bodyPr>
-          <a:p>
-            <a:endParaRPr b="0" lang="en-US" sz="1800" spc="-1" strike="noStrike">
+          <a:lstStyle/>
+          <a:p>
+            <a:endParaRPr lang="en-US" sz="1800" b="0" strike="noStrike" spc="-1">
               <a:solidFill>
-                <a:srgbClr val="3d3d3d"/>
+                <a:srgbClr val="3D3D3D"/>
               </a:solidFill>
               <a:latin typeface="Gill Sans MT"/>
             </a:endParaRPr>
@@ -2334,13 +2609,14 @@
           </a:prstGeom>
         </p:spPr>
         <p:txBody>
-          <a:bodyPr lIns="0" rIns="0" tIns="0" bIns="0">
+          <a:bodyPr lIns="0" tIns="0" rIns="0" bIns="0">
             <a:normAutofit/>
           </a:bodyPr>
-          <a:p>
-            <a:endParaRPr b="0" lang="en-US" sz="1800" spc="-1" strike="noStrike">
+          <a:lstStyle/>
+          <a:p>
+            <a:endParaRPr lang="en-US" sz="1800" b="0" strike="noStrike" spc="-1">
               <a:solidFill>
-                <a:srgbClr val="3d3d3d"/>
+                <a:srgbClr val="3D3D3D"/>
               </a:solidFill>
               <a:latin typeface="Gill Sans MT"/>
             </a:endParaRPr>
@@ -2367,13 +2643,14 @@
           </a:prstGeom>
         </p:spPr>
         <p:txBody>
-          <a:bodyPr lIns="0" rIns="0" tIns="0" bIns="0">
+          <a:bodyPr lIns="0" tIns="0" rIns="0" bIns="0">
             <a:normAutofit/>
           </a:bodyPr>
-          <a:p>
-            <a:endParaRPr b="0" lang="en-US" sz="1800" spc="-1" strike="noStrike">
+          <a:lstStyle/>
+          <a:p>
+            <a:endParaRPr lang="en-US" sz="1800" b="0" strike="noStrike" spc="-1">
               <a:solidFill>
-                <a:srgbClr val="3d3d3d"/>
+                <a:srgbClr val="3D3D3D"/>
               </a:solidFill>
               <a:latin typeface="Gill Sans MT"/>
             </a:endParaRPr>
@@ -2400,13 +2677,14 @@
           </a:prstGeom>
         </p:spPr>
         <p:txBody>
-          <a:bodyPr lIns="0" rIns="0" tIns="0" bIns="0">
+          <a:bodyPr lIns="0" tIns="0" rIns="0" bIns="0">
             <a:normAutofit/>
           </a:bodyPr>
-          <a:p>
-            <a:endParaRPr b="0" lang="en-US" sz="1800" spc="-1" strike="noStrike">
+          <a:lstStyle/>
+          <a:p>
+            <a:endParaRPr lang="en-US" sz="1800" b="0" strike="noStrike" spc="-1">
               <a:solidFill>
-                <a:srgbClr val="3d3d3d"/>
+                <a:srgbClr val="3D3D3D"/>
               </a:solidFill>
               <a:latin typeface="Gill Sans MT"/>
             </a:endParaRPr>
@@ -2433,13 +2711,14 @@
           </a:prstGeom>
         </p:spPr>
         <p:txBody>
-          <a:bodyPr lIns="0" rIns="0" tIns="0" bIns="0">
+          <a:bodyPr lIns="0" tIns="0" rIns="0" bIns="0">
             <a:normAutofit/>
           </a:bodyPr>
-          <a:p>
-            <a:endParaRPr b="0" lang="en-US" sz="1800" spc="-1" strike="noStrike">
+          <a:lstStyle/>
+          <a:p>
+            <a:endParaRPr lang="en-US" sz="1800" b="0" strike="noStrike" spc="-1">
               <a:solidFill>
-                <a:srgbClr val="3d3d3d"/>
+                <a:srgbClr val="3D3D3D"/>
               </a:solidFill>
               <a:latin typeface="Gill Sans MT"/>
             </a:endParaRPr>
@@ -2466,13 +2745,14 @@
           </a:prstGeom>
         </p:spPr>
         <p:txBody>
-          <a:bodyPr lIns="0" rIns="0" tIns="0" bIns="0">
+          <a:bodyPr lIns="0" tIns="0" rIns="0" bIns="0">
             <a:normAutofit/>
           </a:bodyPr>
-          <a:p>
-            <a:endParaRPr b="0" lang="en-US" sz="1800" spc="-1" strike="noStrike">
+          <a:lstStyle/>
+          <a:p>
+            <a:endParaRPr lang="en-US" sz="1800" b="0" strike="noStrike" spc="-1">
               <a:solidFill>
-                <a:srgbClr val="3d3d3d"/>
+                <a:srgbClr val="3D3D3D"/>
               </a:solidFill>
               <a:latin typeface="Gill Sans MT"/>
             </a:endParaRPr>
@@ -2481,11 +2761,14 @@
       </p:sp>
     </p:spTree>
   </p:cSld>
+  <p:clrMapOvr>
+    <a:masterClrMapping/>
+  </p:clrMapOvr>
 </p:sldLayout>
 </file>
 
 <file path=ppt/slideLayouts/slideLayout3.xml><?xml version="1.0" encoding="utf-8"?>
-<p:sldLayout xmlns:a="http://schemas.openxmlformats.org/drawingml/2006/main" xmlns:p="http://schemas.openxmlformats.org/presentationml/2006/main" xmlns:r="http://schemas.openxmlformats.org/officeDocument/2006/relationships" xmlns:p14="http://schemas.microsoft.com/office/powerpoint/2010/main" xmlns:p15="http://schemas.microsoft.com/office/powerpoint/2012/main" xmlns:mc="http://schemas.openxmlformats.org/markup-compatibility/2006" type="obj" preserve="1">
+<p:sldLayout xmlns:a="http://schemas.openxmlformats.org/drawingml/2006/main" xmlns:r="http://schemas.openxmlformats.org/officeDocument/2006/relationships" xmlns:p="http://schemas.openxmlformats.org/presentationml/2006/main" type="obj" preserve="1">
   <p:cSld name="Title, Content">
     <p:spTree>
       <p:nvGrpSpPr>
@@ -2521,9 +2804,10 @@
           </a:prstGeom>
         </p:spPr>
         <p:txBody>
-          <a:bodyPr lIns="0" rIns="0" tIns="0" bIns="0" anchor="ctr"/>
-          <a:p>
-            <a:endParaRPr b="0" lang="en-US" sz="1800" spc="-1" strike="noStrike">
+          <a:bodyPr lIns="0" tIns="0" rIns="0" bIns="0" anchor="ctr"/>
+          <a:lstStyle/>
+          <a:p>
+            <a:endParaRPr lang="en-US" sz="1800" b="0" strike="noStrike" spc="-1">
               <a:solidFill>
                 <a:srgbClr val="000000"/>
               </a:solidFill>
@@ -2552,13 +2836,14 @@
           </a:prstGeom>
         </p:spPr>
         <p:txBody>
-          <a:bodyPr lIns="0" rIns="0" tIns="0" bIns="0">
+          <a:bodyPr lIns="0" tIns="0" rIns="0" bIns="0">
             <a:normAutofit/>
           </a:bodyPr>
-          <a:p>
-            <a:endParaRPr b="0" lang="en-US" sz="1800" spc="-1" strike="noStrike">
+          <a:lstStyle/>
+          <a:p>
+            <a:endParaRPr lang="en-US" sz="1800" b="0" strike="noStrike" spc="-1">
               <a:solidFill>
-                <a:srgbClr val="3d3d3d"/>
+                <a:srgbClr val="3D3D3D"/>
               </a:solidFill>
               <a:latin typeface="Gill Sans MT"/>
             </a:endParaRPr>
@@ -2567,11 +2852,14 @@
       </p:sp>
     </p:spTree>
   </p:cSld>
+  <p:clrMapOvr>
+    <a:masterClrMapping/>
+  </p:clrMapOvr>
 </p:sldLayout>
 </file>
 
 <file path=ppt/slideLayouts/slideLayout4.xml><?xml version="1.0" encoding="utf-8"?>
-<p:sldLayout xmlns:a="http://schemas.openxmlformats.org/drawingml/2006/main" xmlns:p="http://schemas.openxmlformats.org/presentationml/2006/main" xmlns:r="http://schemas.openxmlformats.org/officeDocument/2006/relationships" xmlns:p14="http://schemas.microsoft.com/office/powerpoint/2010/main" xmlns:p15="http://schemas.microsoft.com/office/powerpoint/2012/main" xmlns:mc="http://schemas.openxmlformats.org/markup-compatibility/2006" type="twoObj" preserve="1">
+<p:sldLayout xmlns:a="http://schemas.openxmlformats.org/drawingml/2006/main" xmlns:r="http://schemas.openxmlformats.org/officeDocument/2006/relationships" xmlns:p="http://schemas.openxmlformats.org/presentationml/2006/main" type="twoObj" preserve="1">
   <p:cSld name="Title, 2 Content">
     <p:spTree>
       <p:nvGrpSpPr>
@@ -2607,9 +2895,10 @@
           </a:prstGeom>
         </p:spPr>
         <p:txBody>
-          <a:bodyPr lIns="0" rIns="0" tIns="0" bIns="0" anchor="ctr"/>
-          <a:p>
-            <a:endParaRPr b="0" lang="en-US" sz="1800" spc="-1" strike="noStrike">
+          <a:bodyPr lIns="0" tIns="0" rIns="0" bIns="0" anchor="ctr"/>
+          <a:lstStyle/>
+          <a:p>
+            <a:endParaRPr lang="en-US" sz="1800" b="0" strike="noStrike" spc="-1">
               <a:solidFill>
                 <a:srgbClr val="000000"/>
               </a:solidFill>
@@ -2638,13 +2927,14 @@
           </a:prstGeom>
         </p:spPr>
         <p:txBody>
-          <a:bodyPr lIns="0" rIns="0" tIns="0" bIns="0">
+          <a:bodyPr lIns="0" tIns="0" rIns="0" bIns="0">
             <a:normAutofit/>
           </a:bodyPr>
-          <a:p>
-            <a:endParaRPr b="0" lang="en-US" sz="1800" spc="-1" strike="noStrike">
+          <a:lstStyle/>
+          <a:p>
+            <a:endParaRPr lang="en-US" sz="1800" b="0" strike="noStrike" spc="-1">
               <a:solidFill>
-                <a:srgbClr val="3d3d3d"/>
+                <a:srgbClr val="3D3D3D"/>
               </a:solidFill>
               <a:latin typeface="Gill Sans MT"/>
             </a:endParaRPr>
@@ -2671,13 +2961,14 @@
           </a:prstGeom>
         </p:spPr>
         <p:txBody>
-          <a:bodyPr lIns="0" rIns="0" tIns="0" bIns="0">
+          <a:bodyPr lIns="0" tIns="0" rIns="0" bIns="0">
             <a:normAutofit/>
           </a:bodyPr>
-          <a:p>
-            <a:endParaRPr b="0" lang="en-US" sz="1800" spc="-1" strike="noStrike">
+          <a:lstStyle/>
+          <a:p>
+            <a:endParaRPr lang="en-US" sz="1800" b="0" strike="noStrike" spc="-1">
               <a:solidFill>
-                <a:srgbClr val="3d3d3d"/>
+                <a:srgbClr val="3D3D3D"/>
               </a:solidFill>
               <a:latin typeface="Gill Sans MT"/>
             </a:endParaRPr>
@@ -2686,11 +2977,14 @@
       </p:sp>
     </p:spTree>
   </p:cSld>
+  <p:clrMapOvr>
+    <a:masterClrMapping/>
+  </p:clrMapOvr>
 </p:sldLayout>
 </file>
 
 <file path=ppt/slideLayouts/slideLayout5.xml><?xml version="1.0" encoding="utf-8"?>
-<p:sldLayout xmlns:a="http://schemas.openxmlformats.org/drawingml/2006/main" xmlns:p="http://schemas.openxmlformats.org/presentationml/2006/main" xmlns:r="http://schemas.openxmlformats.org/officeDocument/2006/relationships" xmlns:p14="http://schemas.microsoft.com/office/powerpoint/2010/main" xmlns:p15="http://schemas.microsoft.com/office/powerpoint/2012/main" xmlns:mc="http://schemas.openxmlformats.org/markup-compatibility/2006" type="titleOnly" preserve="1">
+<p:sldLayout xmlns:a="http://schemas.openxmlformats.org/drawingml/2006/main" xmlns:r="http://schemas.openxmlformats.org/officeDocument/2006/relationships" xmlns:p="http://schemas.openxmlformats.org/presentationml/2006/main" type="titleOnly" preserve="1">
   <p:cSld name="Title Only">
     <p:spTree>
       <p:nvGrpSpPr>
@@ -2726,9 +3020,10 @@
           </a:prstGeom>
         </p:spPr>
         <p:txBody>
-          <a:bodyPr lIns="0" rIns="0" tIns="0" bIns="0" anchor="ctr"/>
-          <a:p>
-            <a:endParaRPr b="0" lang="en-US" sz="1800" spc="-1" strike="noStrike">
+          <a:bodyPr lIns="0" tIns="0" rIns="0" bIns="0" anchor="ctr"/>
+          <a:lstStyle/>
+          <a:p>
+            <a:endParaRPr lang="en-US" sz="1800" b="0" strike="noStrike" spc="-1">
               <a:solidFill>
                 <a:srgbClr val="000000"/>
               </a:solidFill>
@@ -2739,11 +3034,14 @@
       </p:sp>
     </p:spTree>
   </p:cSld>
+  <p:clrMapOvr>
+    <a:masterClrMapping/>
+  </p:clrMapOvr>
 </p:sldLayout>
 </file>
 
 <file path=ppt/slideLayouts/slideLayout6.xml><?xml version="1.0" encoding="utf-8"?>
-<p:sldLayout xmlns:a="http://schemas.openxmlformats.org/drawingml/2006/main" xmlns:p="http://schemas.openxmlformats.org/presentationml/2006/main" xmlns:r="http://schemas.openxmlformats.org/officeDocument/2006/relationships" xmlns:p14="http://schemas.microsoft.com/office/powerpoint/2010/main" xmlns:p15="http://schemas.microsoft.com/office/powerpoint/2012/main" xmlns:mc="http://schemas.openxmlformats.org/markup-compatibility/2006" type="objOnly" preserve="1">
+<p:sldLayout xmlns:a="http://schemas.openxmlformats.org/drawingml/2006/main" xmlns:r="http://schemas.openxmlformats.org/officeDocument/2006/relationships" xmlns:p="http://schemas.openxmlformats.org/presentationml/2006/main" type="objOnly" preserve="1">
   <p:cSld name="Centered Text">
     <p:spTree>
       <p:nvGrpSpPr>
@@ -2779,10 +3077,11 @@
           </a:prstGeom>
         </p:spPr>
         <p:txBody>
-          <a:bodyPr lIns="0" rIns="0" tIns="0" bIns="0" anchor="ctr"/>
+          <a:bodyPr lIns="0" tIns="0" rIns="0" bIns="0" anchor="ctr"/>
+          <a:lstStyle/>
           <a:p>
             <a:pPr algn="ctr"/>
-            <a:endParaRPr b="0" lang="pt-BR" sz="3200" spc="-1" strike="noStrike">
+            <a:endParaRPr lang="pt-BR" sz="3200" b="0" strike="noStrike" spc="-1">
               <a:latin typeface="Arial"/>
             </a:endParaRPr>
           </a:p>
@@ -2790,11 +3089,14 @@
       </p:sp>
     </p:spTree>
   </p:cSld>
+  <p:clrMapOvr>
+    <a:masterClrMapping/>
+  </p:clrMapOvr>
 </p:sldLayout>
 </file>
 
 <file path=ppt/slideLayouts/slideLayout7.xml><?xml version="1.0" encoding="utf-8"?>
-<p:sldLayout xmlns:a="http://schemas.openxmlformats.org/drawingml/2006/main" xmlns:p="http://schemas.openxmlformats.org/presentationml/2006/main" xmlns:r="http://schemas.openxmlformats.org/officeDocument/2006/relationships" xmlns:p14="http://schemas.microsoft.com/office/powerpoint/2010/main" xmlns:p15="http://schemas.microsoft.com/office/powerpoint/2012/main" xmlns:mc="http://schemas.openxmlformats.org/markup-compatibility/2006" type="twoObjAndObj" preserve="1">
+<p:sldLayout xmlns:a="http://schemas.openxmlformats.org/drawingml/2006/main" xmlns:r="http://schemas.openxmlformats.org/officeDocument/2006/relationships" xmlns:p="http://schemas.openxmlformats.org/presentationml/2006/main" type="twoObjAndObj" preserve="1">
   <p:cSld name="Title, 2 Content and Content">
     <p:spTree>
       <p:nvGrpSpPr>
@@ -2830,9 +3132,10 @@
           </a:prstGeom>
         </p:spPr>
         <p:txBody>
-          <a:bodyPr lIns="0" rIns="0" tIns="0" bIns="0" anchor="ctr"/>
-          <a:p>
-            <a:endParaRPr b="0" lang="en-US" sz="1800" spc="-1" strike="noStrike">
+          <a:bodyPr lIns="0" tIns="0" rIns="0" bIns="0" anchor="ctr"/>
+          <a:lstStyle/>
+          <a:p>
+            <a:endParaRPr lang="en-US" sz="1800" b="0" strike="noStrike" spc="-1">
               <a:solidFill>
                 <a:srgbClr val="000000"/>
               </a:solidFill>
@@ -2861,13 +3164,14 @@
           </a:prstGeom>
         </p:spPr>
         <p:txBody>
-          <a:bodyPr lIns="0" rIns="0" tIns="0" bIns="0">
+          <a:bodyPr lIns="0" tIns="0" rIns="0" bIns="0">
             <a:normAutofit/>
           </a:bodyPr>
-          <a:p>
-            <a:endParaRPr b="0" lang="en-US" sz="1800" spc="-1" strike="noStrike">
+          <a:lstStyle/>
+          <a:p>
+            <a:endParaRPr lang="en-US" sz="1800" b="0" strike="noStrike" spc="-1">
               <a:solidFill>
-                <a:srgbClr val="3d3d3d"/>
+                <a:srgbClr val="3D3D3D"/>
               </a:solidFill>
               <a:latin typeface="Gill Sans MT"/>
             </a:endParaRPr>
@@ -2894,13 +3198,14 @@
           </a:prstGeom>
         </p:spPr>
         <p:txBody>
-          <a:bodyPr lIns="0" rIns="0" tIns="0" bIns="0">
+          <a:bodyPr lIns="0" tIns="0" rIns="0" bIns="0">
             <a:normAutofit/>
           </a:bodyPr>
-          <a:p>
-            <a:endParaRPr b="0" lang="en-US" sz="1800" spc="-1" strike="noStrike">
+          <a:lstStyle/>
+          <a:p>
+            <a:endParaRPr lang="en-US" sz="1800" b="0" strike="noStrike" spc="-1">
               <a:solidFill>
-                <a:srgbClr val="3d3d3d"/>
+                <a:srgbClr val="3D3D3D"/>
               </a:solidFill>
               <a:latin typeface="Gill Sans MT"/>
             </a:endParaRPr>
@@ -2927,13 +3232,14 @@
           </a:prstGeom>
         </p:spPr>
         <p:txBody>
-          <a:bodyPr lIns="0" rIns="0" tIns="0" bIns="0">
+          <a:bodyPr lIns="0" tIns="0" rIns="0" bIns="0">
             <a:normAutofit/>
           </a:bodyPr>
-          <a:p>
-            <a:endParaRPr b="0" lang="en-US" sz="1800" spc="-1" strike="noStrike">
+          <a:lstStyle/>
+          <a:p>
+            <a:endParaRPr lang="en-US" sz="1800" b="0" strike="noStrike" spc="-1">
               <a:solidFill>
-                <a:srgbClr val="3d3d3d"/>
+                <a:srgbClr val="3D3D3D"/>
               </a:solidFill>
               <a:latin typeface="Gill Sans MT"/>
             </a:endParaRPr>
@@ -2942,11 +3248,14 @@
       </p:sp>
     </p:spTree>
   </p:cSld>
+  <p:clrMapOvr>
+    <a:masterClrMapping/>
+  </p:clrMapOvr>
 </p:sldLayout>
 </file>
 
 <file path=ppt/slideLayouts/slideLayout8.xml><?xml version="1.0" encoding="utf-8"?>
-<p:sldLayout xmlns:a="http://schemas.openxmlformats.org/drawingml/2006/main" xmlns:p="http://schemas.openxmlformats.org/presentationml/2006/main" xmlns:r="http://schemas.openxmlformats.org/officeDocument/2006/relationships" xmlns:p14="http://schemas.microsoft.com/office/powerpoint/2010/main" xmlns:p15="http://schemas.microsoft.com/office/powerpoint/2012/main" xmlns:mc="http://schemas.openxmlformats.org/markup-compatibility/2006" type="objAndTwoObj" preserve="1">
+<p:sldLayout xmlns:a="http://schemas.openxmlformats.org/drawingml/2006/main" xmlns:r="http://schemas.openxmlformats.org/officeDocument/2006/relationships" xmlns:p="http://schemas.openxmlformats.org/presentationml/2006/main" type="objAndTwoObj" preserve="1">
   <p:cSld name="Title Content and 2 Content">
     <p:spTree>
       <p:nvGrpSpPr>
@@ -2982,9 +3291,10 @@
           </a:prstGeom>
         </p:spPr>
         <p:txBody>
-          <a:bodyPr lIns="0" rIns="0" tIns="0" bIns="0" anchor="ctr"/>
-          <a:p>
-            <a:endParaRPr b="0" lang="en-US" sz="1800" spc="-1" strike="noStrike">
+          <a:bodyPr lIns="0" tIns="0" rIns="0" bIns="0" anchor="ctr"/>
+          <a:lstStyle/>
+          <a:p>
+            <a:endParaRPr lang="en-US" sz="1800" b="0" strike="noStrike" spc="-1">
               <a:solidFill>
                 <a:srgbClr val="000000"/>
               </a:solidFill>
@@ -3013,13 +3323,14 @@
           </a:prstGeom>
         </p:spPr>
         <p:txBody>
-          <a:bodyPr lIns="0" rIns="0" tIns="0" bIns="0">
+          <a:bodyPr lIns="0" tIns="0" rIns="0" bIns="0">
             <a:normAutofit/>
           </a:bodyPr>
-          <a:p>
-            <a:endParaRPr b="0" lang="en-US" sz="1800" spc="-1" strike="noStrike">
+          <a:lstStyle/>
+          <a:p>
+            <a:endParaRPr lang="en-US" sz="1800" b="0" strike="noStrike" spc="-1">
               <a:solidFill>
-                <a:srgbClr val="3d3d3d"/>
+                <a:srgbClr val="3D3D3D"/>
               </a:solidFill>
               <a:latin typeface="Gill Sans MT"/>
             </a:endParaRPr>
@@ -3046,13 +3357,14 @@
           </a:prstGeom>
         </p:spPr>
         <p:txBody>
-          <a:bodyPr lIns="0" rIns="0" tIns="0" bIns="0">
+          <a:bodyPr lIns="0" tIns="0" rIns="0" bIns="0">
             <a:normAutofit/>
           </a:bodyPr>
-          <a:p>
-            <a:endParaRPr b="0" lang="en-US" sz="1800" spc="-1" strike="noStrike">
+          <a:lstStyle/>
+          <a:p>
+            <a:endParaRPr lang="en-US" sz="1800" b="0" strike="noStrike" spc="-1">
               <a:solidFill>
-                <a:srgbClr val="3d3d3d"/>
+                <a:srgbClr val="3D3D3D"/>
               </a:solidFill>
               <a:latin typeface="Gill Sans MT"/>
             </a:endParaRPr>
@@ -3079,13 +3391,14 @@
           </a:prstGeom>
         </p:spPr>
         <p:txBody>
-          <a:bodyPr lIns="0" rIns="0" tIns="0" bIns="0">
+          <a:bodyPr lIns="0" tIns="0" rIns="0" bIns="0">
             <a:normAutofit/>
           </a:bodyPr>
-          <a:p>
-            <a:endParaRPr b="0" lang="en-US" sz="1800" spc="-1" strike="noStrike">
+          <a:lstStyle/>
+          <a:p>
+            <a:endParaRPr lang="en-US" sz="1800" b="0" strike="noStrike" spc="-1">
               <a:solidFill>
-                <a:srgbClr val="3d3d3d"/>
+                <a:srgbClr val="3D3D3D"/>
               </a:solidFill>
               <a:latin typeface="Gill Sans MT"/>
             </a:endParaRPr>
@@ -3094,11 +3407,14 @@
       </p:sp>
     </p:spTree>
   </p:cSld>
+  <p:clrMapOvr>
+    <a:masterClrMapping/>
+  </p:clrMapOvr>
 </p:sldLayout>
 </file>
 
 <file path=ppt/slideLayouts/slideLayout9.xml><?xml version="1.0" encoding="utf-8"?>
-<p:sldLayout xmlns:a="http://schemas.openxmlformats.org/drawingml/2006/main" xmlns:p="http://schemas.openxmlformats.org/presentationml/2006/main" xmlns:r="http://schemas.openxmlformats.org/officeDocument/2006/relationships" xmlns:p14="http://schemas.microsoft.com/office/powerpoint/2010/main" xmlns:p15="http://schemas.microsoft.com/office/powerpoint/2012/main" xmlns:mc="http://schemas.openxmlformats.org/markup-compatibility/2006" type="twoObjOverTx" preserve="1">
+<p:sldLayout xmlns:a="http://schemas.openxmlformats.org/drawingml/2006/main" xmlns:r="http://schemas.openxmlformats.org/officeDocument/2006/relationships" xmlns:p="http://schemas.openxmlformats.org/presentationml/2006/main" type="twoObjOverTx" preserve="1">
   <p:cSld name="Title, 2 Content over Content">
     <p:spTree>
       <p:nvGrpSpPr>
@@ -3134,9 +3450,10 @@
           </a:prstGeom>
         </p:spPr>
         <p:txBody>
-          <a:bodyPr lIns="0" rIns="0" tIns="0" bIns="0" anchor="ctr"/>
-          <a:p>
-            <a:endParaRPr b="0" lang="en-US" sz="1800" spc="-1" strike="noStrike">
+          <a:bodyPr lIns="0" tIns="0" rIns="0" bIns="0" anchor="ctr"/>
+          <a:lstStyle/>
+          <a:p>
+            <a:endParaRPr lang="en-US" sz="1800" b="0" strike="noStrike" spc="-1">
               <a:solidFill>
                 <a:srgbClr val="000000"/>
               </a:solidFill>
@@ -3165,13 +3482,14 @@
           </a:prstGeom>
         </p:spPr>
         <p:txBody>
-          <a:bodyPr lIns="0" rIns="0" tIns="0" bIns="0">
+          <a:bodyPr lIns="0" tIns="0" rIns="0" bIns="0">
             <a:normAutofit/>
           </a:bodyPr>
-          <a:p>
-            <a:endParaRPr b="0" lang="en-US" sz="1800" spc="-1" strike="noStrike">
+          <a:lstStyle/>
+          <a:p>
+            <a:endParaRPr lang="en-US" sz="1800" b="0" strike="noStrike" spc="-1">
               <a:solidFill>
-                <a:srgbClr val="3d3d3d"/>
+                <a:srgbClr val="3D3D3D"/>
               </a:solidFill>
               <a:latin typeface="Gill Sans MT"/>
             </a:endParaRPr>
@@ -3198,13 +3516,14 @@
           </a:prstGeom>
         </p:spPr>
         <p:txBody>
-          <a:bodyPr lIns="0" rIns="0" tIns="0" bIns="0">
+          <a:bodyPr lIns="0" tIns="0" rIns="0" bIns="0">
             <a:normAutofit/>
           </a:bodyPr>
-          <a:p>
-            <a:endParaRPr b="0" lang="en-US" sz="1800" spc="-1" strike="noStrike">
+          <a:lstStyle/>
+          <a:p>
+            <a:endParaRPr lang="en-US" sz="1800" b="0" strike="noStrike" spc="-1">
               <a:solidFill>
-                <a:srgbClr val="3d3d3d"/>
+                <a:srgbClr val="3D3D3D"/>
               </a:solidFill>
               <a:latin typeface="Gill Sans MT"/>
             </a:endParaRPr>
@@ -3231,13 +3550,14 @@
           </a:prstGeom>
         </p:spPr>
         <p:txBody>
-          <a:bodyPr lIns="0" rIns="0" tIns="0" bIns="0">
+          <a:bodyPr lIns="0" tIns="0" rIns="0" bIns="0">
             <a:normAutofit/>
           </a:bodyPr>
-          <a:p>
-            <a:endParaRPr b="0" lang="en-US" sz="1800" spc="-1" strike="noStrike">
+          <a:lstStyle/>
+          <a:p>
+            <a:endParaRPr lang="en-US" sz="1800" b="0" strike="noStrike" spc="-1">
               <a:solidFill>
-                <a:srgbClr val="3d3d3d"/>
+                <a:srgbClr val="3D3D3D"/>
               </a:solidFill>
               <a:latin typeface="Gill Sans MT"/>
             </a:endParaRPr>
@@ -3246,17 +3566,21 @@
       </p:sp>
     </p:spTree>
   </p:cSld>
+  <p:clrMapOvr>
+    <a:masterClrMapping/>
+  </p:clrMapOvr>
 </p:sldLayout>
 </file>
 
 <file path=ppt/slideMasters/slideMaster1.xml><?xml version="1.0" encoding="utf-8"?>
-<p:sldMaster xmlns:a="http://schemas.openxmlformats.org/drawingml/2006/main" xmlns:p="http://schemas.openxmlformats.org/presentationml/2006/main" xmlns:r="http://schemas.openxmlformats.org/officeDocument/2006/relationships" xmlns:p14="http://schemas.microsoft.com/office/powerpoint/2010/main" xmlns:p15="http://schemas.microsoft.com/office/powerpoint/2012/main" xmlns:mc="http://schemas.openxmlformats.org/markup-compatibility/2006">
+<p:sldMaster xmlns:a="http://schemas.openxmlformats.org/drawingml/2006/main" xmlns:r="http://schemas.openxmlformats.org/officeDocument/2006/relationships" xmlns:p="http://schemas.openxmlformats.org/presentationml/2006/main">
   <p:cSld>
     <p:bg>
       <p:bgPr>
         <a:solidFill>
-          <a:srgbClr val="ffffff"/>
+          <a:srgbClr val="FFFFFF"/>
         </a:solidFill>
+        <a:effectLst/>
       </p:bgPr>
     </p:bg>
     <p:spTree>
@@ -3275,7 +3599,7 @@
       </p:grpSpPr>
       <p:sp>
         <p:nvSpPr>
-          <p:cNvPr id="0" name="CustomShape 1"/>
+          <p:cNvPr id="10" name="CustomShape 1"/>
           <p:cNvSpPr/>
           <p:nvPr/>
         </p:nvSpPr>
@@ -3294,7 +3618,7 @@
             <a:noFill/>
           </a:ln>
           <a:effectLst>
-            <a:outerShdw blurRad="38100" dir="5400000" dist="25400" rotWithShape="0">
+            <a:outerShdw blurRad="38100" dist="25400" dir="5400000" rotWithShape="0">
               <a:srgbClr val="000000">
                 <a:alpha val="55000"/>
               </a:srgbClr>
@@ -3316,7 +3640,7 @@
       </p:sp>
       <p:sp>
         <p:nvSpPr>
-          <p:cNvPr id="1" name="CustomShape 2"/>
+          <p:cNvPr id="11" name="CustomShape 2"/>
           <p:cNvSpPr/>
           <p:nvPr/>
         </p:nvSpPr>
@@ -3335,7 +3659,7 @@
             <a:noFill/>
           </a:ln>
           <a:effectLst>
-            <a:outerShdw blurRad="38100" dir="5400000" dist="25400" rotWithShape="0">
+            <a:outerShdw blurRad="38100" dist="25400" dir="5400000" rotWithShape="0">
               <a:srgbClr val="000000">
                 <a:alpha val="55000"/>
               </a:srgbClr>
@@ -3376,7 +3700,7 @@
             <a:noFill/>
           </a:ln>
           <a:effectLst>
-            <a:outerShdw blurRad="38100" dir="5400000" dist="25400" rotWithShape="0">
+            <a:outerShdw blurRad="38100" dist="25400" dir="5400000" rotWithShape="0">
               <a:srgbClr val="000000">
                 <a:alpha val="55000"/>
               </a:srgbClr>
@@ -3417,7 +3741,7 @@
             <a:noFill/>
           </a:ln>
           <a:effectLst>
-            <a:outerShdw blurRad="38100" dir="5400000" dist="25400" rotWithShape="0">
+            <a:outerShdw blurRad="38100" dist="25400" dir="5400000" rotWithShape="0">
               <a:srgbClr val="000000">
                 <a:alpha val="55000"/>
               </a:srgbClr>
@@ -3460,6 +3784,7 @@
           <a:bodyPr anchor="b">
             <a:normAutofit/>
           </a:bodyPr>
+          <a:lstStyle/>
           <a:p>
             <a:pPr algn="ctr">
               <a:lnSpc>
@@ -3467,15 +3792,15 @@
               </a:lnSpc>
             </a:pPr>
             <a:r>
-              <a:rPr b="0" lang="en-US" sz="3600" spc="-1" strike="noStrike" cap="all">
-                <a:solidFill>
-                  <a:srgbClr val="ffffff"/>
+              <a:rPr lang="en-US" sz="3600" b="0" strike="noStrike" cap="all" spc="-1">
+                <a:solidFill>
+                  <a:srgbClr val="FFFFFF"/>
                 </a:solidFill>
                 <a:latin typeface="Gill Sans MT"/>
               </a:rPr>
               <a:t>title style</a:t>
             </a:r>
-            <a:endParaRPr b="0" lang="en-US" sz="3600" spc="-1" strike="noStrike">
+            <a:endParaRPr lang="en-US" sz="3600" b="0" strike="noStrike" spc="-1">
               <a:solidFill>
                 <a:srgbClr val="000000"/>
               </a:solidFill>
@@ -3504,7 +3829,8 @@
           </a:prstGeom>
         </p:spPr>
         <p:txBody>
-          <a:bodyPr lIns="90000" rIns="90000" tIns="45000" bIns="45000"/>
+          <a:bodyPr lIns="90000" tIns="45000" rIns="90000" bIns="45000"/>
+          <a:lstStyle/>
           <a:p>
             <a:pPr>
               <a:lnSpc>
@@ -3512,24 +3838,24 @@
               </a:lnSpc>
             </a:pPr>
             <a:r>
-              <a:rPr b="0" lang="pt-BR" sz="1800" spc="-1" strike="noStrike">
-                <a:solidFill>
-                  <a:srgbClr val="537ed0"/>
+              <a:rPr lang="pt-BR" sz="1800" b="0" strike="noStrike" spc="-1">
+                <a:solidFill>
+                  <a:srgbClr val="537ED0"/>
                 </a:solidFill>
                 <a:latin typeface="Gill Sans MT"/>
               </a:rPr>
               <a:t>Last Edit: </a:t>
             </a:r>
             <a:fld id="{15E40FF6-AF59-4D3B-BAC7-A6116EDFD9EE}" type="datetime1">
-              <a:rPr b="0" lang="pt-BR" sz="1800" spc="-1" strike="noStrike">
-                <a:solidFill>
-                  <a:srgbClr val="537ed0"/>
-                </a:solidFill>
-                <a:latin typeface="Gill Sans MT"/>
-              </a:rPr>
-              <a:t>31/08/2018</a:t>
+              <a:rPr lang="pt-BR" sz="1800" b="0" strike="noStrike" spc="-1">
+                <a:solidFill>
+                  <a:srgbClr val="537ED0"/>
+                </a:solidFill>
+                <a:latin typeface="Gill Sans MT"/>
+              </a:rPr>
+              <a:t>01/10/2018</a:t>
             </a:fld>
-            <a:endParaRPr b="0" lang="pt-BR" sz="1800" spc="-1" strike="noStrike">
+            <a:endParaRPr lang="pt-BR" sz="1800" b="0" strike="noStrike" spc="-1">
               <a:latin typeface="Times New Roman"/>
             </a:endParaRPr>
           </a:p>
@@ -3555,7 +3881,8 @@
           </a:prstGeom>
         </p:spPr>
         <p:txBody>
-          <a:bodyPr lIns="90000" rIns="90000" tIns="45000" bIns="45000"/>
+          <a:bodyPr lIns="90000" tIns="45000" rIns="90000" bIns="45000"/>
+          <a:lstStyle/>
           <a:p>
             <a:pPr>
               <a:lnSpc>
@@ -3563,15 +3890,15 @@
               </a:lnSpc>
             </a:pPr>
             <a:r>
-              <a:rPr b="0" lang="pt-BR" sz="1800" spc="-1" strike="noStrike">
-                <a:solidFill>
-                  <a:srgbClr val="537ed0"/>
+              <a:rPr lang="pt-BR" sz="1800" b="0" strike="noStrike" spc="-1">
+                <a:solidFill>
+                  <a:srgbClr val="537ED0"/>
                 </a:solidFill>
                 <a:latin typeface="Gill Sans MT"/>
               </a:rPr>
               <a:t>Copyright 2018, FLL TUTORIALS</a:t>
             </a:r>
-            <a:endParaRPr b="0" lang="pt-BR" sz="1800" spc="-1" strike="noStrike">
+            <a:endParaRPr lang="pt-BR" sz="1800" b="0" strike="noStrike" spc="-1">
               <a:latin typeface="Times New Roman"/>
             </a:endParaRPr>
           </a:p>
@@ -3597,7 +3924,8 @@
           </a:prstGeom>
         </p:spPr>
         <p:txBody>
-          <a:bodyPr lIns="90000" rIns="90000" tIns="45000" bIns="45000"/>
+          <a:bodyPr lIns="90000" tIns="45000" rIns="90000" bIns="45000"/>
+          <a:lstStyle/>
           <a:p>
             <a:pPr>
               <a:lnSpc>
@@ -3605,15 +3933,15 @@
               </a:lnSpc>
             </a:pPr>
             <a:fld id="{1E0B487A-C7D4-4559-A751-D08CDA480360}" type="slidenum">
-              <a:rPr b="0" lang="pt-BR" sz="1800" spc="-1" strike="noStrike">
-                <a:solidFill>
-                  <a:srgbClr val="537ed0"/>
-                </a:solidFill>
-                <a:latin typeface="Gill Sans MT"/>
-              </a:rPr>
-              <a:t>&lt;número&gt;</a:t>
+              <a:rPr lang="pt-BR" sz="1800" b="0" strike="noStrike" spc="-1">
+                <a:solidFill>
+                  <a:srgbClr val="537ED0"/>
+                </a:solidFill>
+                <a:latin typeface="Gill Sans MT"/>
+              </a:rPr>
+              <a:t>‹#›</a:t>
             </a:fld>
-            <a:endParaRPr b="0" lang="pt-BR" sz="1800" spc="-1" strike="noStrike">
+            <a:endParaRPr lang="pt-BR" sz="1800" b="0" strike="noStrike" spc="-1">
               <a:latin typeface="Times New Roman"/>
             </a:endParaRPr>
           </a:p>
@@ -3621,12 +3949,12 @@
       </p:sp>
       <p:pic>
         <p:nvPicPr>
-          <p:cNvPr id="8" name="Picture 7" descr=""/>
+          <p:cNvPr id="8" name="Picture 7"/>
           <p:cNvPicPr/>
           <p:nvPr/>
         </p:nvPicPr>
         <p:blipFill>
-          <a:blip r:embed="rId2"/>
+          <a:blip r:embed="rId14"/>
           <a:stretch/>
         </p:blipFill>
         <p:spPr>
@@ -3662,9 +3990,10 @@
           </a:prstGeom>
         </p:spPr>
         <p:txBody>
-          <a:bodyPr lIns="0" rIns="0" tIns="0" bIns="0">
+          <a:bodyPr lIns="0" tIns="0" rIns="0" bIns="0">
             <a:normAutofit/>
           </a:bodyPr>
+          <a:lstStyle/>
           <a:p>
             <a:pPr marL="432000" indent="-324000">
               <a:spcBef>
@@ -3678,23 +4007,17 @@
               <a:buChar char=""/>
             </a:pPr>
             <a:r>
-              <a:rPr b="0" lang="en-US" sz="1800" spc="-1" strike="noStrike">
-                <a:solidFill>
-                  <a:srgbClr val="3d3d3d"/>
+              <a:rPr lang="en-US" sz="1800" b="0" strike="noStrike" spc="-1">
+                <a:solidFill>
+                  <a:srgbClr val="3D3D3D"/>
                 </a:solidFill>
                 <a:latin typeface="Gill Sans MT"/>
               </a:rPr>
               <a:t>Clique para editar o formato do texto da estrutura de tópicos</a:t>
             </a:r>
-            <a:endParaRPr b="0" lang="en-US" sz="1800" spc="-1" strike="noStrike">
-              <a:solidFill>
-                <a:srgbClr val="3d3d3d"/>
-              </a:solidFill>
-              <a:latin typeface="Gill Sans MT"/>
-            </a:endParaRPr>
-          </a:p>
-          <a:p>
-            <a:pPr lvl="1" marL="864000" indent="-324000">
+          </a:p>
+          <a:p>
+            <a:pPr marL="864000" lvl="1" indent="-324000">
               <a:spcBef>
                 <a:spcPts val="1134"/>
               </a:spcBef>
@@ -3706,23 +4029,17 @@
               <a:buChar char=""/>
             </a:pPr>
             <a:r>
-              <a:rPr b="0" lang="en-US" sz="1400" spc="-1" strike="noStrike">
-                <a:solidFill>
-                  <a:srgbClr val="3d3d3d"/>
+              <a:rPr lang="en-US" sz="1400" b="0" strike="noStrike" spc="-1">
+                <a:solidFill>
+                  <a:srgbClr val="3D3D3D"/>
                 </a:solidFill>
                 <a:latin typeface="Gill Sans MT"/>
               </a:rPr>
               <a:t>2.º nível da estrutura de tópicos</a:t>
             </a:r>
-            <a:endParaRPr b="0" lang="en-US" sz="1400" spc="-1" strike="noStrike">
-              <a:solidFill>
-                <a:srgbClr val="3d3d3d"/>
-              </a:solidFill>
-              <a:latin typeface="Gill Sans MT"/>
-            </a:endParaRPr>
-          </a:p>
-          <a:p>
-            <a:pPr lvl="2" marL="1296000" indent="-288000">
+          </a:p>
+          <a:p>
+            <a:pPr marL="1296000" lvl="2" indent="-288000">
               <a:spcBef>
                 <a:spcPts val="850"/>
               </a:spcBef>
@@ -3734,23 +4051,17 @@
               <a:buChar char=""/>
             </a:pPr>
             <a:r>
-              <a:rPr b="0" lang="en-US" sz="1200" spc="-1" strike="noStrike">
-                <a:solidFill>
-                  <a:srgbClr val="3d3d3d"/>
+              <a:rPr lang="en-US" sz="1200" b="0" strike="noStrike" spc="-1">
+                <a:solidFill>
+                  <a:srgbClr val="3D3D3D"/>
                 </a:solidFill>
                 <a:latin typeface="Gill Sans MT"/>
               </a:rPr>
               <a:t>3.º nível da estrutura de tópicos</a:t>
             </a:r>
-            <a:endParaRPr b="0" lang="en-US" sz="1200" spc="-1" strike="noStrike">
-              <a:solidFill>
-                <a:srgbClr val="3d3d3d"/>
-              </a:solidFill>
-              <a:latin typeface="Gill Sans MT"/>
-            </a:endParaRPr>
-          </a:p>
-          <a:p>
-            <a:pPr lvl="3" marL="1728000" indent="-216000">
+          </a:p>
+          <a:p>
+            <a:pPr marL="1728000" lvl="3" indent="-216000">
               <a:spcBef>
                 <a:spcPts val="567"/>
               </a:spcBef>
@@ -3762,23 +4073,17 @@
               <a:buChar char=""/>
             </a:pPr>
             <a:r>
-              <a:rPr b="0" lang="en-US" sz="1200" spc="-1" strike="noStrike">
-                <a:solidFill>
-                  <a:srgbClr val="3d3d3d"/>
+              <a:rPr lang="en-US" sz="1200" b="0" strike="noStrike" spc="-1">
+                <a:solidFill>
+                  <a:srgbClr val="3D3D3D"/>
                 </a:solidFill>
                 <a:latin typeface="Gill Sans MT"/>
               </a:rPr>
               <a:t>4.º nível da estrutura de tópicos</a:t>
             </a:r>
-            <a:endParaRPr b="0" lang="en-US" sz="1200" spc="-1" strike="noStrike">
-              <a:solidFill>
-                <a:srgbClr val="3d3d3d"/>
-              </a:solidFill>
-              <a:latin typeface="Gill Sans MT"/>
-            </a:endParaRPr>
-          </a:p>
-          <a:p>
-            <a:pPr lvl="4" marL="2160000" indent="-216000">
+          </a:p>
+          <a:p>
+            <a:pPr marL="2160000" lvl="4" indent="-216000">
               <a:spcBef>
                 <a:spcPts val="283"/>
               </a:spcBef>
@@ -3790,23 +4095,17 @@
               <a:buChar char=""/>
             </a:pPr>
             <a:r>
-              <a:rPr b="0" lang="en-US" sz="2000" spc="-1" strike="noStrike">
-                <a:solidFill>
-                  <a:srgbClr val="3d3d3d"/>
+              <a:rPr lang="en-US" sz="2000" b="0" strike="noStrike" spc="-1">
+                <a:solidFill>
+                  <a:srgbClr val="3D3D3D"/>
                 </a:solidFill>
                 <a:latin typeface="Gill Sans MT"/>
               </a:rPr>
               <a:t>5.º nível da estrutura de tópicos</a:t>
             </a:r>
-            <a:endParaRPr b="0" lang="en-US" sz="2000" spc="-1" strike="noStrike">
-              <a:solidFill>
-                <a:srgbClr val="3d3d3d"/>
-              </a:solidFill>
-              <a:latin typeface="Gill Sans MT"/>
-            </a:endParaRPr>
-          </a:p>
-          <a:p>
-            <a:pPr lvl="5" marL="2592000" indent="-216000">
+          </a:p>
+          <a:p>
+            <a:pPr marL="2592000" lvl="5" indent="-216000">
               <a:spcBef>
                 <a:spcPts val="283"/>
               </a:spcBef>
@@ -3818,23 +4117,17 @@
               <a:buChar char=""/>
             </a:pPr>
             <a:r>
-              <a:rPr b="0" lang="en-US" sz="2000" spc="-1" strike="noStrike">
-                <a:solidFill>
-                  <a:srgbClr val="3d3d3d"/>
+              <a:rPr lang="en-US" sz="2000" b="0" strike="noStrike" spc="-1">
+                <a:solidFill>
+                  <a:srgbClr val="3D3D3D"/>
                 </a:solidFill>
                 <a:latin typeface="Gill Sans MT"/>
               </a:rPr>
               <a:t>6.º nível da estrutura de tópicos</a:t>
             </a:r>
-            <a:endParaRPr b="0" lang="en-US" sz="2000" spc="-1" strike="noStrike">
-              <a:solidFill>
-                <a:srgbClr val="3d3d3d"/>
-              </a:solidFill>
-              <a:latin typeface="Gill Sans MT"/>
-            </a:endParaRPr>
-          </a:p>
-          <a:p>
-            <a:pPr lvl="6" marL="3024000" indent="-216000">
+          </a:p>
+          <a:p>
+            <a:pPr marL="3024000" lvl="6" indent="-216000">
               <a:spcBef>
                 <a:spcPts val="283"/>
               </a:spcBef>
@@ -3846,51 +4139,326 @@
               <a:buChar char=""/>
             </a:pPr>
             <a:r>
-              <a:rPr b="0" lang="en-US" sz="2000" spc="-1" strike="noStrike">
-                <a:solidFill>
-                  <a:srgbClr val="3d3d3d"/>
+              <a:rPr lang="en-US" sz="2000" b="0" strike="noStrike" spc="-1">
+                <a:solidFill>
+                  <a:srgbClr val="3D3D3D"/>
                 </a:solidFill>
                 <a:latin typeface="Gill Sans MT"/>
               </a:rPr>
               <a:t>7.º nível da estrutura de tópicos</a:t>
             </a:r>
-            <a:endParaRPr b="0" lang="en-US" sz="2000" spc="-1" strike="noStrike">
-              <a:solidFill>
-                <a:srgbClr val="3d3d3d"/>
-              </a:solidFill>
-              <a:latin typeface="Gill Sans MT"/>
-            </a:endParaRPr>
           </a:p>
         </p:txBody>
       </p:sp>
     </p:spTree>
   </p:cSld>
-  <p:clrMap bg1="lt1" bg2="lt2" tx1="dk1" tx2="dk2" accent1="accent1" accent2="accent2" accent3="accent3" accent4="accent4" accent5="accent5" accent6="accent6" hlink="hlink" folHlink="folHlink"/>
+  <p:clrMap bg1="lt1" tx1="dk1" bg2="lt2" tx2="dk2" accent1="accent1" accent2="accent2" accent3="accent3" accent4="accent4" accent5="accent5" accent6="accent6" hlink="hlink" folHlink="folHlink"/>
   <p:sldLayoutIdLst>
-    <p:sldLayoutId id="2147483649" r:id="rId3"/>
-    <p:sldLayoutId id="2147483650" r:id="rId4"/>
-    <p:sldLayoutId id="2147483651" r:id="rId5"/>
-    <p:sldLayoutId id="2147483652" r:id="rId6"/>
-    <p:sldLayoutId id="2147483653" r:id="rId7"/>
-    <p:sldLayoutId id="2147483654" r:id="rId8"/>
-    <p:sldLayoutId id="2147483655" r:id="rId9"/>
-    <p:sldLayoutId id="2147483656" r:id="rId10"/>
-    <p:sldLayoutId id="2147483657" r:id="rId11"/>
-    <p:sldLayoutId id="2147483658" r:id="rId12"/>
-    <p:sldLayoutId id="2147483659" r:id="rId13"/>
-    <p:sldLayoutId id="2147483660" r:id="rId14"/>
+    <p:sldLayoutId id="2147483649" r:id="rId1"/>
+    <p:sldLayoutId id="2147483650" r:id="rId2"/>
+    <p:sldLayoutId id="2147483651" r:id="rId3"/>
+    <p:sldLayoutId id="2147483652" r:id="rId4"/>
+    <p:sldLayoutId id="2147483653" r:id="rId5"/>
+    <p:sldLayoutId id="2147483654" r:id="rId6"/>
+    <p:sldLayoutId id="2147483655" r:id="rId7"/>
+    <p:sldLayoutId id="2147483656" r:id="rId8"/>
+    <p:sldLayoutId id="2147483657" r:id="rId9"/>
+    <p:sldLayoutId id="2147483658" r:id="rId10"/>
+    <p:sldLayoutId id="2147483659" r:id="rId11"/>
+    <p:sldLayoutId id="2147483660" r:id="rId12"/>
   </p:sldLayoutIdLst>
+  <p:txStyles>
+    <p:titleStyle>
+      <a:lvl1pPr algn="l" defTabSz="914400" rtl="0" eaLnBrk="1" latinLnBrk="0" hangingPunct="1">
+        <a:lnSpc>
+          <a:spcPct val="90000"/>
+        </a:lnSpc>
+        <a:spcBef>
+          <a:spcPct val="0"/>
+        </a:spcBef>
+        <a:buNone/>
+        <a:defRPr sz="4400" kern="1200">
+          <a:solidFill>
+            <a:schemeClr val="tx1"/>
+          </a:solidFill>
+          <a:latin typeface="+mj-lt"/>
+          <a:ea typeface="+mj-ea"/>
+          <a:cs typeface="+mj-cs"/>
+        </a:defRPr>
+      </a:lvl1pPr>
+    </p:titleStyle>
+    <p:bodyStyle>
+      <a:lvl1pPr marL="228600" indent="-228600" algn="l" defTabSz="914400" rtl="0" eaLnBrk="1" latinLnBrk="0" hangingPunct="1">
+        <a:lnSpc>
+          <a:spcPct val="90000"/>
+        </a:lnSpc>
+        <a:spcBef>
+          <a:spcPts val="1000"/>
+        </a:spcBef>
+        <a:buFont typeface="Arial" panose="020B0604020202020204" pitchFamily="34" charset="0"/>
+        <a:buChar char="•"/>
+        <a:defRPr sz="2800" kern="1200">
+          <a:solidFill>
+            <a:schemeClr val="tx1"/>
+          </a:solidFill>
+          <a:latin typeface="+mn-lt"/>
+          <a:ea typeface="+mn-ea"/>
+          <a:cs typeface="+mn-cs"/>
+        </a:defRPr>
+      </a:lvl1pPr>
+      <a:lvl2pPr marL="685800" indent="-228600" algn="l" defTabSz="914400" rtl="0" eaLnBrk="1" latinLnBrk="0" hangingPunct="1">
+        <a:lnSpc>
+          <a:spcPct val="90000"/>
+        </a:lnSpc>
+        <a:spcBef>
+          <a:spcPts val="500"/>
+        </a:spcBef>
+        <a:buFont typeface="Arial" panose="020B0604020202020204" pitchFamily="34" charset="0"/>
+        <a:buChar char="•"/>
+        <a:defRPr sz="2400" kern="1200">
+          <a:solidFill>
+            <a:schemeClr val="tx1"/>
+          </a:solidFill>
+          <a:latin typeface="+mn-lt"/>
+          <a:ea typeface="+mn-ea"/>
+          <a:cs typeface="+mn-cs"/>
+        </a:defRPr>
+      </a:lvl2pPr>
+      <a:lvl3pPr marL="1143000" indent="-228600" algn="l" defTabSz="914400" rtl="0" eaLnBrk="1" latinLnBrk="0" hangingPunct="1">
+        <a:lnSpc>
+          <a:spcPct val="90000"/>
+        </a:lnSpc>
+        <a:spcBef>
+          <a:spcPts val="500"/>
+        </a:spcBef>
+        <a:buFont typeface="Arial" panose="020B0604020202020204" pitchFamily="34" charset="0"/>
+        <a:buChar char="•"/>
+        <a:defRPr sz="2000" kern="1200">
+          <a:solidFill>
+            <a:schemeClr val="tx1"/>
+          </a:solidFill>
+          <a:latin typeface="+mn-lt"/>
+          <a:ea typeface="+mn-ea"/>
+          <a:cs typeface="+mn-cs"/>
+        </a:defRPr>
+      </a:lvl3pPr>
+      <a:lvl4pPr marL="1600200" indent="-228600" algn="l" defTabSz="914400" rtl="0" eaLnBrk="1" latinLnBrk="0" hangingPunct="1">
+        <a:lnSpc>
+          <a:spcPct val="90000"/>
+        </a:lnSpc>
+        <a:spcBef>
+          <a:spcPts val="500"/>
+        </a:spcBef>
+        <a:buFont typeface="Arial" panose="020B0604020202020204" pitchFamily="34" charset="0"/>
+        <a:buChar char="•"/>
+        <a:defRPr sz="1800" kern="1200">
+          <a:solidFill>
+            <a:schemeClr val="tx1"/>
+          </a:solidFill>
+          <a:latin typeface="+mn-lt"/>
+          <a:ea typeface="+mn-ea"/>
+          <a:cs typeface="+mn-cs"/>
+        </a:defRPr>
+      </a:lvl4pPr>
+      <a:lvl5pPr marL="2057400" indent="-228600" algn="l" defTabSz="914400" rtl="0" eaLnBrk="1" latinLnBrk="0" hangingPunct="1">
+        <a:lnSpc>
+          <a:spcPct val="90000"/>
+        </a:lnSpc>
+        <a:spcBef>
+          <a:spcPts val="500"/>
+        </a:spcBef>
+        <a:buFont typeface="Arial" panose="020B0604020202020204" pitchFamily="34" charset="0"/>
+        <a:buChar char="•"/>
+        <a:defRPr sz="1800" kern="1200">
+          <a:solidFill>
+            <a:schemeClr val="tx1"/>
+          </a:solidFill>
+          <a:latin typeface="+mn-lt"/>
+          <a:ea typeface="+mn-ea"/>
+          <a:cs typeface="+mn-cs"/>
+        </a:defRPr>
+      </a:lvl5pPr>
+      <a:lvl6pPr marL="2514600" indent="-228600" algn="l" defTabSz="914400" rtl="0" eaLnBrk="1" latinLnBrk="0" hangingPunct="1">
+        <a:lnSpc>
+          <a:spcPct val="90000"/>
+        </a:lnSpc>
+        <a:spcBef>
+          <a:spcPts val="500"/>
+        </a:spcBef>
+        <a:buFont typeface="Arial" panose="020B0604020202020204" pitchFamily="34" charset="0"/>
+        <a:buChar char="•"/>
+        <a:defRPr sz="1800" kern="1200">
+          <a:solidFill>
+            <a:schemeClr val="tx1"/>
+          </a:solidFill>
+          <a:latin typeface="+mn-lt"/>
+          <a:ea typeface="+mn-ea"/>
+          <a:cs typeface="+mn-cs"/>
+        </a:defRPr>
+      </a:lvl6pPr>
+      <a:lvl7pPr marL="2971800" indent="-228600" algn="l" defTabSz="914400" rtl="0" eaLnBrk="1" latinLnBrk="0" hangingPunct="1">
+        <a:lnSpc>
+          <a:spcPct val="90000"/>
+        </a:lnSpc>
+        <a:spcBef>
+          <a:spcPts val="500"/>
+        </a:spcBef>
+        <a:buFont typeface="Arial" panose="020B0604020202020204" pitchFamily="34" charset="0"/>
+        <a:buChar char="•"/>
+        <a:defRPr sz="1800" kern="1200">
+          <a:solidFill>
+            <a:schemeClr val="tx1"/>
+          </a:solidFill>
+          <a:latin typeface="+mn-lt"/>
+          <a:ea typeface="+mn-ea"/>
+          <a:cs typeface="+mn-cs"/>
+        </a:defRPr>
+      </a:lvl7pPr>
+      <a:lvl8pPr marL="3429000" indent="-228600" algn="l" defTabSz="914400" rtl="0" eaLnBrk="1" latinLnBrk="0" hangingPunct="1">
+        <a:lnSpc>
+          <a:spcPct val="90000"/>
+        </a:lnSpc>
+        <a:spcBef>
+          <a:spcPts val="500"/>
+        </a:spcBef>
+        <a:buFont typeface="Arial" panose="020B0604020202020204" pitchFamily="34" charset="0"/>
+        <a:buChar char="•"/>
+        <a:defRPr sz="1800" kern="1200">
+          <a:solidFill>
+            <a:schemeClr val="tx1"/>
+          </a:solidFill>
+          <a:latin typeface="+mn-lt"/>
+          <a:ea typeface="+mn-ea"/>
+          <a:cs typeface="+mn-cs"/>
+        </a:defRPr>
+      </a:lvl8pPr>
+      <a:lvl9pPr marL="3886200" indent="-228600" algn="l" defTabSz="914400" rtl="0" eaLnBrk="1" latinLnBrk="0" hangingPunct="1">
+        <a:lnSpc>
+          <a:spcPct val="90000"/>
+        </a:lnSpc>
+        <a:spcBef>
+          <a:spcPts val="500"/>
+        </a:spcBef>
+        <a:buFont typeface="Arial" panose="020B0604020202020204" pitchFamily="34" charset="0"/>
+        <a:buChar char="•"/>
+        <a:defRPr sz="1800" kern="1200">
+          <a:solidFill>
+            <a:schemeClr val="tx1"/>
+          </a:solidFill>
+          <a:latin typeface="+mn-lt"/>
+          <a:ea typeface="+mn-ea"/>
+          <a:cs typeface="+mn-cs"/>
+        </a:defRPr>
+      </a:lvl9pPr>
+    </p:bodyStyle>
+    <p:otherStyle>
+      <a:defPPr>
+        <a:defRPr lang="en-US"/>
+      </a:defPPr>
+      <a:lvl1pPr marL="0" algn="l" defTabSz="914400" rtl="0" eaLnBrk="1" latinLnBrk="0" hangingPunct="1">
+        <a:defRPr sz="1800" kern="1200">
+          <a:solidFill>
+            <a:schemeClr val="tx1"/>
+          </a:solidFill>
+          <a:latin typeface="+mn-lt"/>
+          <a:ea typeface="+mn-ea"/>
+          <a:cs typeface="+mn-cs"/>
+        </a:defRPr>
+      </a:lvl1pPr>
+      <a:lvl2pPr marL="457200" algn="l" defTabSz="914400" rtl="0" eaLnBrk="1" latinLnBrk="0" hangingPunct="1">
+        <a:defRPr sz="1800" kern="1200">
+          <a:solidFill>
+            <a:schemeClr val="tx1"/>
+          </a:solidFill>
+          <a:latin typeface="+mn-lt"/>
+          <a:ea typeface="+mn-ea"/>
+          <a:cs typeface="+mn-cs"/>
+        </a:defRPr>
+      </a:lvl2pPr>
+      <a:lvl3pPr marL="914400" algn="l" defTabSz="914400" rtl="0" eaLnBrk="1" latinLnBrk="0" hangingPunct="1">
+        <a:defRPr sz="1800" kern="1200">
+          <a:solidFill>
+            <a:schemeClr val="tx1"/>
+          </a:solidFill>
+          <a:latin typeface="+mn-lt"/>
+          <a:ea typeface="+mn-ea"/>
+          <a:cs typeface="+mn-cs"/>
+        </a:defRPr>
+      </a:lvl3pPr>
+      <a:lvl4pPr marL="1371600" algn="l" defTabSz="914400" rtl="0" eaLnBrk="1" latinLnBrk="0" hangingPunct="1">
+        <a:defRPr sz="1800" kern="1200">
+          <a:solidFill>
+            <a:schemeClr val="tx1"/>
+          </a:solidFill>
+          <a:latin typeface="+mn-lt"/>
+          <a:ea typeface="+mn-ea"/>
+          <a:cs typeface="+mn-cs"/>
+        </a:defRPr>
+      </a:lvl4pPr>
+      <a:lvl5pPr marL="1828800" algn="l" defTabSz="914400" rtl="0" eaLnBrk="1" latinLnBrk="0" hangingPunct="1">
+        <a:defRPr sz="1800" kern="1200">
+          <a:solidFill>
+            <a:schemeClr val="tx1"/>
+          </a:solidFill>
+          <a:latin typeface="+mn-lt"/>
+          <a:ea typeface="+mn-ea"/>
+          <a:cs typeface="+mn-cs"/>
+        </a:defRPr>
+      </a:lvl5pPr>
+      <a:lvl6pPr marL="2286000" algn="l" defTabSz="914400" rtl="0" eaLnBrk="1" latinLnBrk="0" hangingPunct="1">
+        <a:defRPr sz="1800" kern="1200">
+          <a:solidFill>
+            <a:schemeClr val="tx1"/>
+          </a:solidFill>
+          <a:latin typeface="+mn-lt"/>
+          <a:ea typeface="+mn-ea"/>
+          <a:cs typeface="+mn-cs"/>
+        </a:defRPr>
+      </a:lvl6pPr>
+      <a:lvl7pPr marL="2743200" algn="l" defTabSz="914400" rtl="0" eaLnBrk="1" latinLnBrk="0" hangingPunct="1">
+        <a:defRPr sz="1800" kern="1200">
+          <a:solidFill>
+            <a:schemeClr val="tx1"/>
+          </a:solidFill>
+          <a:latin typeface="+mn-lt"/>
+          <a:ea typeface="+mn-ea"/>
+          <a:cs typeface="+mn-cs"/>
+        </a:defRPr>
+      </a:lvl7pPr>
+      <a:lvl8pPr marL="3200400" algn="l" defTabSz="914400" rtl="0" eaLnBrk="1" latinLnBrk="0" hangingPunct="1">
+        <a:defRPr sz="1800" kern="1200">
+          <a:solidFill>
+            <a:schemeClr val="tx1"/>
+          </a:solidFill>
+          <a:latin typeface="+mn-lt"/>
+          <a:ea typeface="+mn-ea"/>
+          <a:cs typeface="+mn-cs"/>
+        </a:defRPr>
+      </a:lvl8pPr>
+      <a:lvl9pPr marL="3657600" algn="l" defTabSz="914400" rtl="0" eaLnBrk="1" latinLnBrk="0" hangingPunct="1">
+        <a:defRPr sz="1800" kern="1200">
+          <a:solidFill>
+            <a:schemeClr val="tx1"/>
+          </a:solidFill>
+          <a:latin typeface="+mn-lt"/>
+          <a:ea typeface="+mn-ea"/>
+          <a:cs typeface="+mn-cs"/>
+        </a:defRPr>
+      </a:lvl9pPr>
+    </p:otherStyle>
+  </p:txStyles>
 </p:sldMaster>
 </file>
 
 <file path=ppt/slideMasters/slideMaster2.xml><?xml version="1.0" encoding="utf-8"?>
-<p:sldMaster xmlns:a="http://schemas.openxmlformats.org/drawingml/2006/main" xmlns:p="http://schemas.openxmlformats.org/presentationml/2006/main" xmlns:r="http://schemas.openxmlformats.org/officeDocument/2006/relationships" xmlns:p14="http://schemas.microsoft.com/office/powerpoint/2010/main" xmlns:p15="http://schemas.microsoft.com/office/powerpoint/2012/main" xmlns:mc="http://schemas.openxmlformats.org/markup-compatibility/2006">
+<p:sldMaster xmlns:a="http://schemas.openxmlformats.org/drawingml/2006/main" xmlns:r="http://schemas.openxmlformats.org/officeDocument/2006/relationships" xmlns:p="http://schemas.openxmlformats.org/presentationml/2006/main">
   <p:cSld>
     <p:bg>
       <p:bgPr>
         <a:solidFill>
-          <a:srgbClr val="ffffff"/>
+          <a:srgbClr val="FFFFFF"/>
         </a:solidFill>
+        <a:effectLst/>
       </p:bgPr>
     </p:bg>
     <p:spTree>
@@ -3928,7 +4496,7 @@
             <a:noFill/>
           </a:ln>
           <a:effectLst>
-            <a:outerShdw blurRad="38100" dir="5400000" dist="25400" rotWithShape="0">
+            <a:outerShdw blurRad="38100" dist="25400" dir="5400000" rotWithShape="0">
               <a:srgbClr val="000000">
                 <a:alpha val="55000"/>
               </a:srgbClr>
@@ -3969,7 +4537,7 @@
             <a:noFill/>
           </a:ln>
           <a:effectLst>
-            <a:outerShdw blurRad="38100" dir="5400000" dist="25400" rotWithShape="0">
+            <a:outerShdw blurRad="38100" dist="25400" dir="5400000" rotWithShape="0">
               <a:srgbClr val="000000">
                 <a:alpha val="55000"/>
               </a:srgbClr>
@@ -4010,7 +4578,7 @@
             <a:noFill/>
           </a:ln>
           <a:effectLst>
-            <a:outerShdw blurRad="38100" dir="5400000" dist="25400" rotWithShape="0">
+            <a:outerShdw blurRad="38100" dist="25400" dir="5400000" rotWithShape="0">
               <a:srgbClr val="000000">
                 <a:alpha val="55000"/>
               </a:srgbClr>
@@ -4051,7 +4619,7 @@
             <a:noFill/>
           </a:ln>
           <a:effectLst>
-            <a:outerShdw blurRad="38100" dir="5400000" dist="25400" rotWithShape="0">
+            <a:outerShdw blurRad="38100" dist="25400" dir="5400000" rotWithShape="0">
               <a:srgbClr val="000000">
                 <a:alpha val="55000"/>
               </a:srgbClr>
@@ -4092,6 +4660,7 @@
         </p:spPr>
         <p:txBody>
           <a:bodyPr anchor="b"/>
+          <a:lstStyle/>
           <a:p>
             <a:pPr>
               <a:lnSpc>
@@ -4099,15 +4668,15 @@
               </a:lnSpc>
             </a:pPr>
             <a:r>
-              <a:rPr b="0" lang="en-US" sz="2800" spc="-1" strike="noStrike" cap="all">
-                <a:solidFill>
-                  <a:srgbClr val="ffffff"/>
+              <a:rPr lang="en-US" sz="2800" b="0" strike="noStrike" cap="all" spc="-1">
+                <a:solidFill>
+                  <a:srgbClr val="FFFFFF"/>
                 </a:solidFill>
                 <a:latin typeface="Gill Sans MT"/>
               </a:rPr>
               <a:t>Click to edit Master title style</a:t>
             </a:r>
-            <a:endParaRPr b="0" lang="en-US" sz="2800" spc="-1" strike="noStrike">
+            <a:endParaRPr lang="en-US" sz="2800" b="0" strike="noStrike" spc="-1">
               <a:solidFill>
                 <a:srgbClr val="000000"/>
               </a:solidFill>
@@ -4137,6 +4706,7 @@
         </p:spPr>
         <p:txBody>
           <a:bodyPr/>
+          <a:lstStyle/>
           <a:p>
             <a:pPr marL="306000" indent="-305640">
               <a:lnSpc>
@@ -4149,30 +4719,24 @@
                 <a:spcPts val="601"/>
               </a:spcAft>
               <a:buClr>
-                <a:srgbClr val="4590b8"/>
+                <a:srgbClr val="4590B8"/>
               </a:buClr>
               <a:buSzPct val="92000"/>
               <a:buFont typeface="Wingdings 2" charset="2"/>
               <a:buChar char=""/>
             </a:pPr>
             <a:r>
-              <a:rPr b="0" lang="en-US" sz="3600" spc="-1" strike="noStrike">
-                <a:solidFill>
-                  <a:srgbClr val="3d3d3d"/>
+              <a:rPr lang="en-US" sz="3600" b="0" strike="noStrike" spc="-1">
+                <a:solidFill>
+                  <a:srgbClr val="3D3D3D"/>
                 </a:solidFill>
                 <a:latin typeface="Gill Sans MT"/>
               </a:rPr>
               <a:t>Edit Master text styles</a:t>
             </a:r>
-            <a:endParaRPr b="0" lang="en-US" sz="3600" spc="-1" strike="noStrike">
-              <a:solidFill>
-                <a:srgbClr val="3d3d3d"/>
-              </a:solidFill>
-              <a:latin typeface="Gill Sans MT"/>
-            </a:endParaRPr>
-          </a:p>
-          <a:p>
-            <a:pPr lvl="1" marL="630000" indent="-305640">
+          </a:p>
+          <a:p>
+            <a:pPr marL="630000" lvl="1" indent="-305640">
               <a:lnSpc>
                 <a:spcPct val="100000"/>
               </a:lnSpc>
@@ -4183,30 +4747,24 @@
                 <a:spcPts val="601"/>
               </a:spcAft>
               <a:buClr>
-                <a:srgbClr val="4590b8"/>
+                <a:srgbClr val="4590B8"/>
               </a:buClr>
               <a:buSzPct val="92000"/>
               <a:buFont typeface="Wingdings 2" charset="2"/>
               <a:buChar char=""/>
             </a:pPr>
             <a:r>
-              <a:rPr b="0" lang="en-US" sz="3200" spc="-1" strike="noStrike">
-                <a:solidFill>
-                  <a:srgbClr val="3d3d3d"/>
+              <a:rPr lang="en-US" sz="3200" b="0" strike="noStrike" spc="-1">
+                <a:solidFill>
+                  <a:srgbClr val="3D3D3D"/>
                 </a:solidFill>
                 <a:latin typeface="Gill Sans MT"/>
               </a:rPr>
               <a:t>Second level</a:t>
             </a:r>
-            <a:endParaRPr b="0" lang="en-US" sz="3200" spc="-1" strike="noStrike">
-              <a:solidFill>
-                <a:srgbClr val="3d3d3d"/>
-              </a:solidFill>
-              <a:latin typeface="Gill Sans MT"/>
-            </a:endParaRPr>
-          </a:p>
-          <a:p>
-            <a:pPr lvl="2" marL="900000" indent="-269640">
+          </a:p>
+          <a:p>
+            <a:pPr marL="900000" lvl="2" indent="-269640">
               <a:lnSpc>
                 <a:spcPct val="100000"/>
               </a:lnSpc>
@@ -4217,30 +4775,24 @@
                 <a:spcPts val="601"/>
               </a:spcAft>
               <a:buClr>
-                <a:srgbClr val="4590b8"/>
+                <a:srgbClr val="4590B8"/>
               </a:buClr>
               <a:buSzPct val="92000"/>
               <a:buFont typeface="Wingdings 2" charset="2"/>
               <a:buChar char=""/>
             </a:pPr>
             <a:r>
-              <a:rPr b="0" lang="en-US" sz="2800" spc="-1" strike="noStrike">
-                <a:solidFill>
-                  <a:srgbClr val="3d3d3d"/>
+              <a:rPr lang="en-US" sz="2800" b="0" strike="noStrike" spc="-1">
+                <a:solidFill>
+                  <a:srgbClr val="3D3D3D"/>
                 </a:solidFill>
                 <a:latin typeface="Gill Sans MT"/>
               </a:rPr>
               <a:t>Third level</a:t>
             </a:r>
-            <a:endParaRPr b="0" lang="en-US" sz="2800" spc="-1" strike="noStrike">
-              <a:solidFill>
-                <a:srgbClr val="3d3d3d"/>
-              </a:solidFill>
-              <a:latin typeface="Gill Sans MT"/>
-            </a:endParaRPr>
-          </a:p>
-          <a:p>
-            <a:pPr lvl="3" marL="1242000" indent="-233640">
+          </a:p>
+          <a:p>
+            <a:pPr marL="1242000" lvl="3" indent="-233640">
               <a:lnSpc>
                 <a:spcPct val="100000"/>
               </a:lnSpc>
@@ -4251,30 +4803,24 @@
                 <a:spcPts val="601"/>
               </a:spcAft>
               <a:buClr>
-                <a:srgbClr val="4590b8"/>
+                <a:srgbClr val="4590B8"/>
               </a:buClr>
               <a:buSzPct val="92000"/>
               <a:buFont typeface="Wingdings 2" charset="2"/>
               <a:buChar char=""/>
             </a:pPr>
             <a:r>
-              <a:rPr b="0" lang="en-US" sz="2400" spc="-1" strike="noStrike">
-                <a:solidFill>
-                  <a:srgbClr val="3d3d3d"/>
+              <a:rPr lang="en-US" sz="2400" b="0" strike="noStrike" spc="-1">
+                <a:solidFill>
+                  <a:srgbClr val="3D3D3D"/>
                 </a:solidFill>
                 <a:latin typeface="Gill Sans MT"/>
               </a:rPr>
               <a:t>Fourth level</a:t>
             </a:r>
-            <a:endParaRPr b="0" lang="en-US" sz="2400" spc="-1" strike="noStrike">
-              <a:solidFill>
-                <a:srgbClr val="3d3d3d"/>
-              </a:solidFill>
-              <a:latin typeface="Gill Sans MT"/>
-            </a:endParaRPr>
-          </a:p>
-          <a:p>
-            <a:pPr lvl="4" marL="1602000" indent="-233640">
+          </a:p>
+          <a:p>
+            <a:pPr marL="1602000" lvl="4" indent="-233640">
               <a:lnSpc>
                 <a:spcPct val="100000"/>
               </a:lnSpc>
@@ -4285,27 +4831,21 @@
                 <a:spcPts val="601"/>
               </a:spcAft>
               <a:buClr>
-                <a:srgbClr val="4590b8"/>
+                <a:srgbClr val="4590B8"/>
               </a:buClr>
               <a:buSzPct val="92000"/>
               <a:buFont typeface="Wingdings 2" charset="2"/>
               <a:buChar char=""/>
             </a:pPr>
             <a:r>
-              <a:rPr b="0" lang="en-US" sz="2400" spc="-1" strike="noStrike">
-                <a:solidFill>
-                  <a:srgbClr val="3d3d3d"/>
+              <a:rPr lang="en-US" sz="2400" b="0" strike="noStrike" spc="-1">
+                <a:solidFill>
+                  <a:srgbClr val="3D3D3D"/>
                 </a:solidFill>
                 <a:latin typeface="Gill Sans MT"/>
               </a:rPr>
               <a:t>Fifth level</a:t>
             </a:r>
-            <a:endParaRPr b="0" lang="en-US" sz="2400" spc="-1" strike="noStrike">
-              <a:solidFill>
-                <a:srgbClr val="3d3d3d"/>
-              </a:solidFill>
-              <a:latin typeface="Gill Sans MT"/>
-            </a:endParaRPr>
           </a:p>
         </p:txBody>
       </p:sp>
@@ -4329,7 +4869,8 @@
           </a:prstGeom>
         </p:spPr>
         <p:txBody>
-          <a:bodyPr lIns="90000" rIns="90000" tIns="45000" bIns="45000"/>
+          <a:bodyPr lIns="90000" tIns="45000" rIns="90000" bIns="45000"/>
+          <a:lstStyle/>
           <a:p>
             <a:pPr>
               <a:lnSpc>
@@ -4337,24 +4878,24 @@
               </a:lnSpc>
             </a:pPr>
             <a:r>
-              <a:rPr b="0" lang="pt-BR" sz="1800" spc="-1" strike="noStrike">
-                <a:solidFill>
-                  <a:srgbClr val="537ed0"/>
+              <a:rPr lang="pt-BR" sz="1800" b="0" strike="noStrike" spc="-1">
+                <a:solidFill>
+                  <a:srgbClr val="537ED0"/>
                 </a:solidFill>
                 <a:latin typeface="Gill Sans MT"/>
               </a:rPr>
               <a:t>Last Edit: </a:t>
             </a:r>
             <a:fld id="{431FA8BC-6315-4386-BD16-0EFEF10FF59D}" type="datetime1">
-              <a:rPr b="0" lang="pt-BR" sz="1800" spc="-1" strike="noStrike">
-                <a:solidFill>
-                  <a:srgbClr val="537ed0"/>
-                </a:solidFill>
-                <a:latin typeface="Gill Sans MT"/>
-              </a:rPr>
-              <a:t>31/08/2018</a:t>
+              <a:rPr lang="pt-BR" sz="1800" b="0" strike="noStrike" spc="-1">
+                <a:solidFill>
+                  <a:srgbClr val="537ED0"/>
+                </a:solidFill>
+                <a:latin typeface="Gill Sans MT"/>
+              </a:rPr>
+              <a:t>01/10/2018</a:t>
             </a:fld>
-            <a:endParaRPr b="0" lang="pt-BR" sz="1800" spc="-1" strike="noStrike">
+            <a:endParaRPr lang="pt-BR" sz="1800" b="0" strike="noStrike" spc="-1">
               <a:latin typeface="Times New Roman"/>
             </a:endParaRPr>
           </a:p>
@@ -4380,7 +4921,8 @@
           </a:prstGeom>
         </p:spPr>
         <p:txBody>
-          <a:bodyPr lIns="90000" rIns="90000" tIns="45000" bIns="45000"/>
+          <a:bodyPr lIns="90000" tIns="45000" rIns="90000" bIns="45000"/>
+          <a:lstStyle/>
           <a:p>
             <a:pPr>
               <a:lnSpc>
@@ -4388,15 +4930,15 @@
               </a:lnSpc>
             </a:pPr>
             <a:r>
-              <a:rPr b="0" lang="pt-BR" sz="1800" spc="-1" strike="noStrike">
-                <a:solidFill>
-                  <a:srgbClr val="537ed0"/>
+              <a:rPr lang="pt-BR" sz="1800" b="0" strike="noStrike" spc="-1">
+                <a:solidFill>
+                  <a:srgbClr val="537ED0"/>
                 </a:solidFill>
                 <a:latin typeface="Gill Sans MT"/>
               </a:rPr>
               <a:t>Copyright 2018, FLL TUTORIALS</a:t>
             </a:r>
-            <a:endParaRPr b="0" lang="pt-BR" sz="1800" spc="-1" strike="noStrike">
+            <a:endParaRPr lang="pt-BR" sz="1800" b="0" strike="noStrike" spc="-1">
               <a:latin typeface="Times New Roman"/>
             </a:endParaRPr>
           </a:p>
@@ -4422,7 +4964,8 @@
           </a:prstGeom>
         </p:spPr>
         <p:txBody>
-          <a:bodyPr lIns="90000" rIns="90000" tIns="45000" bIns="45000"/>
+          <a:bodyPr lIns="90000" tIns="45000" rIns="90000" bIns="45000"/>
+          <a:lstStyle/>
           <a:p>
             <a:pPr>
               <a:lnSpc>
@@ -4430,15 +4973,15 @@
               </a:lnSpc>
             </a:pPr>
             <a:fld id="{9FA738D9-2DB6-4397-8E22-6509281EA5C9}" type="slidenum">
-              <a:rPr b="0" lang="pt-BR" sz="1800" spc="-1" strike="noStrike">
-                <a:solidFill>
-                  <a:srgbClr val="537ed0"/>
-                </a:solidFill>
-                <a:latin typeface="Gill Sans MT"/>
-              </a:rPr>
-              <a:t>1</a:t>
+              <a:rPr lang="pt-BR" sz="1800" b="0" strike="noStrike" spc="-1">
+                <a:solidFill>
+                  <a:srgbClr val="537ED0"/>
+                </a:solidFill>
+                <a:latin typeface="Gill Sans MT"/>
+              </a:rPr>
+              <a:t>‹#›</a:t>
             </a:fld>
-            <a:endParaRPr b="0" lang="pt-BR" sz="1800" spc="-1" strike="noStrike">
+            <a:endParaRPr lang="pt-BR" sz="1800" b="0" strike="noStrike" spc="-1">
               <a:latin typeface="Times New Roman"/>
             </a:endParaRPr>
           </a:p>
@@ -4446,26 +4989,306 @@
       </p:sp>
     </p:spTree>
   </p:cSld>
-  <p:clrMap bg1="lt1" bg2="lt2" tx1="dk1" tx2="dk2" accent1="accent1" accent2="accent2" accent3="accent3" accent4="accent4" accent5="accent5" accent6="accent6" hlink="hlink" folHlink="folHlink"/>
+  <p:clrMap bg1="lt1" tx1="dk1" bg2="lt2" tx2="dk2" accent1="accent1" accent2="accent2" accent3="accent3" accent4="accent4" accent5="accent5" accent6="accent6" hlink="hlink" folHlink="folHlink"/>
   <p:sldLayoutIdLst>
-    <p:sldLayoutId id="2147483662" r:id="rId2"/>
-    <p:sldLayoutId id="2147483663" r:id="rId3"/>
-    <p:sldLayoutId id="2147483664" r:id="rId4"/>
-    <p:sldLayoutId id="2147483665" r:id="rId5"/>
-    <p:sldLayoutId id="2147483666" r:id="rId6"/>
-    <p:sldLayoutId id="2147483667" r:id="rId7"/>
-    <p:sldLayoutId id="2147483668" r:id="rId8"/>
-    <p:sldLayoutId id="2147483669" r:id="rId9"/>
-    <p:sldLayoutId id="2147483670" r:id="rId10"/>
-    <p:sldLayoutId id="2147483671" r:id="rId11"/>
-    <p:sldLayoutId id="2147483672" r:id="rId12"/>
-    <p:sldLayoutId id="2147483673" r:id="rId13"/>
+    <p:sldLayoutId id="2147483662" r:id="rId1"/>
+    <p:sldLayoutId id="2147483663" r:id="rId2"/>
+    <p:sldLayoutId id="2147483664" r:id="rId3"/>
+    <p:sldLayoutId id="2147483665" r:id="rId4"/>
+    <p:sldLayoutId id="2147483666" r:id="rId5"/>
+    <p:sldLayoutId id="2147483667" r:id="rId6"/>
+    <p:sldLayoutId id="2147483668" r:id="rId7"/>
+    <p:sldLayoutId id="2147483669" r:id="rId8"/>
+    <p:sldLayoutId id="2147483670" r:id="rId9"/>
+    <p:sldLayoutId id="2147483671" r:id="rId10"/>
+    <p:sldLayoutId id="2147483672" r:id="rId11"/>
+    <p:sldLayoutId id="2147483673" r:id="rId12"/>
   </p:sldLayoutIdLst>
+  <p:txStyles>
+    <p:titleStyle>
+      <a:lvl1pPr algn="l" defTabSz="914400" rtl="0" eaLnBrk="1" latinLnBrk="0" hangingPunct="1">
+        <a:lnSpc>
+          <a:spcPct val="90000"/>
+        </a:lnSpc>
+        <a:spcBef>
+          <a:spcPct val="0"/>
+        </a:spcBef>
+        <a:buNone/>
+        <a:defRPr sz="4400" kern="1200">
+          <a:solidFill>
+            <a:schemeClr val="tx1"/>
+          </a:solidFill>
+          <a:latin typeface="+mj-lt"/>
+          <a:ea typeface="+mj-ea"/>
+          <a:cs typeface="+mj-cs"/>
+        </a:defRPr>
+      </a:lvl1pPr>
+    </p:titleStyle>
+    <p:bodyStyle>
+      <a:lvl1pPr marL="228600" indent="-228600" algn="l" defTabSz="914400" rtl="0" eaLnBrk="1" latinLnBrk="0" hangingPunct="1">
+        <a:lnSpc>
+          <a:spcPct val="90000"/>
+        </a:lnSpc>
+        <a:spcBef>
+          <a:spcPts val="1000"/>
+        </a:spcBef>
+        <a:buFont typeface="Arial" panose="020B0604020202020204" pitchFamily="34" charset="0"/>
+        <a:buChar char="•"/>
+        <a:defRPr sz="2800" kern="1200">
+          <a:solidFill>
+            <a:schemeClr val="tx1"/>
+          </a:solidFill>
+          <a:latin typeface="+mn-lt"/>
+          <a:ea typeface="+mn-ea"/>
+          <a:cs typeface="+mn-cs"/>
+        </a:defRPr>
+      </a:lvl1pPr>
+      <a:lvl2pPr marL="685800" indent="-228600" algn="l" defTabSz="914400" rtl="0" eaLnBrk="1" latinLnBrk="0" hangingPunct="1">
+        <a:lnSpc>
+          <a:spcPct val="90000"/>
+        </a:lnSpc>
+        <a:spcBef>
+          <a:spcPts val="500"/>
+        </a:spcBef>
+        <a:buFont typeface="Arial" panose="020B0604020202020204" pitchFamily="34" charset="0"/>
+        <a:buChar char="•"/>
+        <a:defRPr sz="2400" kern="1200">
+          <a:solidFill>
+            <a:schemeClr val="tx1"/>
+          </a:solidFill>
+          <a:latin typeface="+mn-lt"/>
+          <a:ea typeface="+mn-ea"/>
+          <a:cs typeface="+mn-cs"/>
+        </a:defRPr>
+      </a:lvl2pPr>
+      <a:lvl3pPr marL="1143000" indent="-228600" algn="l" defTabSz="914400" rtl="0" eaLnBrk="1" latinLnBrk="0" hangingPunct="1">
+        <a:lnSpc>
+          <a:spcPct val="90000"/>
+        </a:lnSpc>
+        <a:spcBef>
+          <a:spcPts val="500"/>
+        </a:spcBef>
+        <a:buFont typeface="Arial" panose="020B0604020202020204" pitchFamily="34" charset="0"/>
+        <a:buChar char="•"/>
+        <a:defRPr sz="2000" kern="1200">
+          <a:solidFill>
+            <a:schemeClr val="tx1"/>
+          </a:solidFill>
+          <a:latin typeface="+mn-lt"/>
+          <a:ea typeface="+mn-ea"/>
+          <a:cs typeface="+mn-cs"/>
+        </a:defRPr>
+      </a:lvl3pPr>
+      <a:lvl4pPr marL="1600200" indent="-228600" algn="l" defTabSz="914400" rtl="0" eaLnBrk="1" latinLnBrk="0" hangingPunct="1">
+        <a:lnSpc>
+          <a:spcPct val="90000"/>
+        </a:lnSpc>
+        <a:spcBef>
+          <a:spcPts val="500"/>
+        </a:spcBef>
+        <a:buFont typeface="Arial" panose="020B0604020202020204" pitchFamily="34" charset="0"/>
+        <a:buChar char="•"/>
+        <a:defRPr sz="1800" kern="1200">
+          <a:solidFill>
+            <a:schemeClr val="tx1"/>
+          </a:solidFill>
+          <a:latin typeface="+mn-lt"/>
+          <a:ea typeface="+mn-ea"/>
+          <a:cs typeface="+mn-cs"/>
+        </a:defRPr>
+      </a:lvl4pPr>
+      <a:lvl5pPr marL="2057400" indent="-228600" algn="l" defTabSz="914400" rtl="0" eaLnBrk="1" latinLnBrk="0" hangingPunct="1">
+        <a:lnSpc>
+          <a:spcPct val="90000"/>
+        </a:lnSpc>
+        <a:spcBef>
+          <a:spcPts val="500"/>
+        </a:spcBef>
+        <a:buFont typeface="Arial" panose="020B0604020202020204" pitchFamily="34" charset="0"/>
+        <a:buChar char="•"/>
+        <a:defRPr sz="1800" kern="1200">
+          <a:solidFill>
+            <a:schemeClr val="tx1"/>
+          </a:solidFill>
+          <a:latin typeface="+mn-lt"/>
+          <a:ea typeface="+mn-ea"/>
+          <a:cs typeface="+mn-cs"/>
+        </a:defRPr>
+      </a:lvl5pPr>
+      <a:lvl6pPr marL="2514600" indent="-228600" algn="l" defTabSz="914400" rtl="0" eaLnBrk="1" latinLnBrk="0" hangingPunct="1">
+        <a:lnSpc>
+          <a:spcPct val="90000"/>
+        </a:lnSpc>
+        <a:spcBef>
+          <a:spcPts val="500"/>
+        </a:spcBef>
+        <a:buFont typeface="Arial" panose="020B0604020202020204" pitchFamily="34" charset="0"/>
+        <a:buChar char="•"/>
+        <a:defRPr sz="1800" kern="1200">
+          <a:solidFill>
+            <a:schemeClr val="tx1"/>
+          </a:solidFill>
+          <a:latin typeface="+mn-lt"/>
+          <a:ea typeface="+mn-ea"/>
+          <a:cs typeface="+mn-cs"/>
+        </a:defRPr>
+      </a:lvl6pPr>
+      <a:lvl7pPr marL="2971800" indent="-228600" algn="l" defTabSz="914400" rtl="0" eaLnBrk="1" latinLnBrk="0" hangingPunct="1">
+        <a:lnSpc>
+          <a:spcPct val="90000"/>
+        </a:lnSpc>
+        <a:spcBef>
+          <a:spcPts val="500"/>
+        </a:spcBef>
+        <a:buFont typeface="Arial" panose="020B0604020202020204" pitchFamily="34" charset="0"/>
+        <a:buChar char="•"/>
+        <a:defRPr sz="1800" kern="1200">
+          <a:solidFill>
+            <a:schemeClr val="tx1"/>
+          </a:solidFill>
+          <a:latin typeface="+mn-lt"/>
+          <a:ea typeface="+mn-ea"/>
+          <a:cs typeface="+mn-cs"/>
+        </a:defRPr>
+      </a:lvl7pPr>
+      <a:lvl8pPr marL="3429000" indent="-228600" algn="l" defTabSz="914400" rtl="0" eaLnBrk="1" latinLnBrk="0" hangingPunct="1">
+        <a:lnSpc>
+          <a:spcPct val="90000"/>
+        </a:lnSpc>
+        <a:spcBef>
+          <a:spcPts val="500"/>
+        </a:spcBef>
+        <a:buFont typeface="Arial" panose="020B0604020202020204" pitchFamily="34" charset="0"/>
+        <a:buChar char="•"/>
+        <a:defRPr sz="1800" kern="1200">
+          <a:solidFill>
+            <a:schemeClr val="tx1"/>
+          </a:solidFill>
+          <a:latin typeface="+mn-lt"/>
+          <a:ea typeface="+mn-ea"/>
+          <a:cs typeface="+mn-cs"/>
+        </a:defRPr>
+      </a:lvl8pPr>
+      <a:lvl9pPr marL="3886200" indent="-228600" algn="l" defTabSz="914400" rtl="0" eaLnBrk="1" latinLnBrk="0" hangingPunct="1">
+        <a:lnSpc>
+          <a:spcPct val="90000"/>
+        </a:lnSpc>
+        <a:spcBef>
+          <a:spcPts val="500"/>
+        </a:spcBef>
+        <a:buFont typeface="Arial" panose="020B0604020202020204" pitchFamily="34" charset="0"/>
+        <a:buChar char="•"/>
+        <a:defRPr sz="1800" kern="1200">
+          <a:solidFill>
+            <a:schemeClr val="tx1"/>
+          </a:solidFill>
+          <a:latin typeface="+mn-lt"/>
+          <a:ea typeface="+mn-ea"/>
+          <a:cs typeface="+mn-cs"/>
+        </a:defRPr>
+      </a:lvl9pPr>
+    </p:bodyStyle>
+    <p:otherStyle>
+      <a:defPPr>
+        <a:defRPr lang="en-US"/>
+      </a:defPPr>
+      <a:lvl1pPr marL="0" algn="l" defTabSz="914400" rtl="0" eaLnBrk="1" latinLnBrk="0" hangingPunct="1">
+        <a:defRPr sz="1800" kern="1200">
+          <a:solidFill>
+            <a:schemeClr val="tx1"/>
+          </a:solidFill>
+          <a:latin typeface="+mn-lt"/>
+          <a:ea typeface="+mn-ea"/>
+          <a:cs typeface="+mn-cs"/>
+        </a:defRPr>
+      </a:lvl1pPr>
+      <a:lvl2pPr marL="457200" algn="l" defTabSz="914400" rtl="0" eaLnBrk="1" latinLnBrk="0" hangingPunct="1">
+        <a:defRPr sz="1800" kern="1200">
+          <a:solidFill>
+            <a:schemeClr val="tx1"/>
+          </a:solidFill>
+          <a:latin typeface="+mn-lt"/>
+          <a:ea typeface="+mn-ea"/>
+          <a:cs typeface="+mn-cs"/>
+        </a:defRPr>
+      </a:lvl2pPr>
+      <a:lvl3pPr marL="914400" algn="l" defTabSz="914400" rtl="0" eaLnBrk="1" latinLnBrk="0" hangingPunct="1">
+        <a:defRPr sz="1800" kern="1200">
+          <a:solidFill>
+            <a:schemeClr val="tx1"/>
+          </a:solidFill>
+          <a:latin typeface="+mn-lt"/>
+          <a:ea typeface="+mn-ea"/>
+          <a:cs typeface="+mn-cs"/>
+        </a:defRPr>
+      </a:lvl3pPr>
+      <a:lvl4pPr marL="1371600" algn="l" defTabSz="914400" rtl="0" eaLnBrk="1" latinLnBrk="0" hangingPunct="1">
+        <a:defRPr sz="1800" kern="1200">
+          <a:solidFill>
+            <a:schemeClr val="tx1"/>
+          </a:solidFill>
+          <a:latin typeface="+mn-lt"/>
+          <a:ea typeface="+mn-ea"/>
+          <a:cs typeface="+mn-cs"/>
+        </a:defRPr>
+      </a:lvl4pPr>
+      <a:lvl5pPr marL="1828800" algn="l" defTabSz="914400" rtl="0" eaLnBrk="1" latinLnBrk="0" hangingPunct="1">
+        <a:defRPr sz="1800" kern="1200">
+          <a:solidFill>
+            <a:schemeClr val="tx1"/>
+          </a:solidFill>
+          <a:latin typeface="+mn-lt"/>
+          <a:ea typeface="+mn-ea"/>
+          <a:cs typeface="+mn-cs"/>
+        </a:defRPr>
+      </a:lvl5pPr>
+      <a:lvl6pPr marL="2286000" algn="l" defTabSz="914400" rtl="0" eaLnBrk="1" latinLnBrk="0" hangingPunct="1">
+        <a:defRPr sz="1800" kern="1200">
+          <a:solidFill>
+            <a:schemeClr val="tx1"/>
+          </a:solidFill>
+          <a:latin typeface="+mn-lt"/>
+          <a:ea typeface="+mn-ea"/>
+          <a:cs typeface="+mn-cs"/>
+        </a:defRPr>
+      </a:lvl6pPr>
+      <a:lvl7pPr marL="2743200" algn="l" defTabSz="914400" rtl="0" eaLnBrk="1" latinLnBrk="0" hangingPunct="1">
+        <a:defRPr sz="1800" kern="1200">
+          <a:solidFill>
+            <a:schemeClr val="tx1"/>
+          </a:solidFill>
+          <a:latin typeface="+mn-lt"/>
+          <a:ea typeface="+mn-ea"/>
+          <a:cs typeface="+mn-cs"/>
+        </a:defRPr>
+      </a:lvl7pPr>
+      <a:lvl8pPr marL="3200400" algn="l" defTabSz="914400" rtl="0" eaLnBrk="1" latinLnBrk="0" hangingPunct="1">
+        <a:defRPr sz="1800" kern="1200">
+          <a:solidFill>
+            <a:schemeClr val="tx1"/>
+          </a:solidFill>
+          <a:latin typeface="+mn-lt"/>
+          <a:ea typeface="+mn-ea"/>
+          <a:cs typeface="+mn-cs"/>
+        </a:defRPr>
+      </a:lvl8pPr>
+      <a:lvl9pPr marL="3657600" algn="l" defTabSz="914400" rtl="0" eaLnBrk="1" latinLnBrk="0" hangingPunct="1">
+        <a:defRPr sz="1800" kern="1200">
+          <a:solidFill>
+            <a:schemeClr val="tx1"/>
+          </a:solidFill>
+          <a:latin typeface="+mn-lt"/>
+          <a:ea typeface="+mn-ea"/>
+          <a:cs typeface="+mn-cs"/>
+        </a:defRPr>
+      </a:lvl9pPr>
+    </p:otherStyle>
+  </p:txStyles>
 </p:sldMaster>
 </file>
 
 <file path=ppt/slides/slide1.xml><?xml version="1.0" encoding="utf-8"?>
-<p:sld xmlns:a="http://schemas.openxmlformats.org/drawingml/2006/main" xmlns:p="http://schemas.openxmlformats.org/presentationml/2006/main" xmlns:r="http://schemas.openxmlformats.org/officeDocument/2006/relationships" xmlns:p14="http://schemas.microsoft.com/office/powerpoint/2010/main" xmlns:p15="http://schemas.microsoft.com/office/powerpoint/2012/main" xmlns:mc="http://schemas.openxmlformats.org/markup-compatibility/2006">
+<p:sld xmlns:a="http://schemas.openxmlformats.org/drawingml/2006/main" xmlns:r="http://schemas.openxmlformats.org/officeDocument/2006/relationships" xmlns:p="http://schemas.openxmlformats.org/presentationml/2006/main">
   <p:cSld>
     <p:spTree>
       <p:nvGrpSpPr>
@@ -4502,6 +5325,7 @@
         </p:spPr>
         <p:txBody>
           <a:bodyPr anchor="b"/>
+          <a:lstStyle/>
           <a:p>
             <a:pPr algn="ctr">
               <a:lnSpc>
@@ -4509,24 +5333,24 @@
               </a:lnSpc>
             </a:pPr>
             <a:r>
-              <a:rPr b="0" lang="en-US" sz="3600" spc="-1" strike="noStrike" cap="all">
-                <a:solidFill>
-                  <a:srgbClr val="ffffff"/>
+              <a:rPr lang="en-US" sz="3600" b="0" strike="noStrike" cap="all" spc="-1">
+                <a:solidFill>
+                  <a:srgbClr val="FFFFFF"/>
                 </a:solidFill>
                 <a:latin typeface="Gill Sans MT"/>
               </a:rPr>
               <a:t>Introdução aos </a:t>
             </a:r>
             <a:r>
-              <a:rPr b="0" i="1" lang="en-US" sz="3600" spc="-1" strike="noStrike" cap="all">
-                <a:solidFill>
-                  <a:srgbClr val="ffffff"/>
+              <a:rPr lang="en-US" sz="3600" b="0" i="1" strike="noStrike" cap="all" spc="-1">
+                <a:solidFill>
+                  <a:srgbClr val="FFFFFF"/>
                 </a:solidFill>
                 <a:latin typeface="Gill Sans MT"/>
               </a:rPr>
               <a:t>core values</a:t>
             </a:r>
-            <a:endParaRPr b="0" lang="en-US" sz="3600" spc="-1" strike="noStrike">
+            <a:endParaRPr lang="en-US" sz="3600" b="0" strike="noStrike" spc="-1">
               <a:solidFill>
                 <a:srgbClr val="000000"/>
               </a:solidFill>
@@ -4556,6 +5380,7 @@
         </p:spPr>
         <p:txBody>
           <a:bodyPr/>
+          <a:lstStyle/>
           <a:p>
             <a:pPr algn="ctr">
               <a:lnSpc>
@@ -4569,15 +5394,15 @@
               </a:spcAft>
             </a:pPr>
             <a:r>
-              <a:rPr b="0" lang="pt-BR" sz="1600" spc="-1" strike="noStrike" cap="all">
-                <a:solidFill>
-                  <a:srgbClr val="ffffff"/>
+              <a:rPr lang="pt-BR" sz="1600" b="0" strike="noStrike" cap="all" spc="-1">
+                <a:solidFill>
+                  <a:srgbClr val="FFFFFF"/>
                 </a:solidFill>
                 <a:latin typeface="Gill Sans MT"/>
               </a:rPr>
               <a:t>Vicky Zhai, FTC 9873</a:t>
             </a:r>
-            <a:endParaRPr b="0" lang="pt-BR" sz="1600" spc="-1" strike="noStrike">
+            <a:endParaRPr lang="pt-BR" sz="1600" b="0" strike="noStrike" spc="-1">
               <a:latin typeface="Arial"/>
             </a:endParaRPr>
           </a:p>
@@ -4594,15 +5419,15 @@
               </a:spcAft>
             </a:pPr>
             <a:r>
-              <a:rPr b="0" lang="pt-BR" sz="1600" spc="-1" strike="noStrike" cap="all">
-                <a:solidFill>
-                  <a:srgbClr val="ffffff"/>
+              <a:rPr lang="pt-BR" sz="1600" b="0" strike="noStrike" cap="all" spc="-1">
+                <a:solidFill>
+                  <a:srgbClr val="FFFFFF"/>
                 </a:solidFill>
                 <a:latin typeface="Gill Sans MT"/>
               </a:rPr>
               <a:t>Traduzido por equipe</a:t>
             </a:r>
-            <a:endParaRPr b="0" lang="pt-BR" sz="1600" spc="-1" strike="noStrike">
+            <a:endParaRPr lang="pt-BR" sz="1600" b="0" strike="noStrike" spc="-1">
               <a:latin typeface="Arial"/>
             </a:endParaRPr>
           </a:p>
@@ -4610,6 +5435,9 @@
       </p:sp>
     </p:spTree>
   </p:cSld>
+  <p:clrMapOvr>
+    <a:masterClrMapping/>
+  </p:clrMapOvr>
   <p:timing>
     <p:tnLst>
       <p:par>
@@ -4618,14 +5446,14 @@
             <p:seq>
               <p:cTn id="2" dur="indefinite" nodeType="mainSeq"/>
               <p:prevCondLst>
-                <p:cond delay="0" evt="onPrev">
+                <p:cond evt="onPrev" delay="0">
                   <p:tgtEl>
                     <p:sldTgt/>
                   </p:tgtEl>
                 </p:cond>
               </p:prevCondLst>
               <p:nextCondLst>
-                <p:cond delay="0" evt="onNext">
+                <p:cond evt="onNext" delay="0">
                   <p:tgtEl>
                     <p:sldTgt/>
                   </p:tgtEl>
@@ -4641,7 +5469,7 @@
 </file>
 
 <file path=ppt/slides/slide10.xml><?xml version="1.0" encoding="utf-8"?>
-<p:sld xmlns:a="http://schemas.openxmlformats.org/drawingml/2006/main" xmlns:p="http://schemas.openxmlformats.org/presentationml/2006/main" xmlns:r="http://schemas.openxmlformats.org/officeDocument/2006/relationships" xmlns:p14="http://schemas.microsoft.com/office/powerpoint/2010/main" xmlns:p15="http://schemas.microsoft.com/office/powerpoint/2012/main" xmlns:mc="http://schemas.openxmlformats.org/markup-compatibility/2006">
+<p:sld xmlns:a="http://schemas.openxmlformats.org/drawingml/2006/main" xmlns:r="http://schemas.openxmlformats.org/officeDocument/2006/relationships" xmlns:p="http://schemas.openxmlformats.org/presentationml/2006/main">
   <p:cSld>
     <p:spTree>
       <p:nvGrpSpPr>
@@ -4678,6 +5506,7 @@
         </p:spPr>
         <p:txBody>
           <a:bodyPr anchor="b"/>
+          <a:lstStyle/>
           <a:p>
             <a:pPr>
               <a:lnSpc>
@@ -4685,15 +5514,15 @@
               </a:lnSpc>
             </a:pPr>
             <a:r>
-              <a:rPr b="0" lang="en-US" sz="2800" spc="-1" strike="noStrike" cap="all">
-                <a:solidFill>
-                  <a:srgbClr val="ffffff"/>
+              <a:rPr lang="en-US" sz="2800" b="0" strike="noStrike" cap="all" spc="-1">
+                <a:solidFill>
+                  <a:srgbClr val="FFFFFF"/>
                 </a:solidFill>
                 <a:latin typeface="Gill Sans MT"/>
               </a:rPr>
               <a:t>Mais importante: embrace os core values</a:t>
             </a:r>
-            <a:endParaRPr b="0" lang="en-US" sz="2800" spc="-1" strike="noStrike">
+            <a:endParaRPr lang="en-US" sz="2800" b="0" strike="noStrike" spc="-1">
               <a:solidFill>
                 <a:srgbClr val="000000"/>
               </a:solidFill>
@@ -4725,6 +5554,7 @@
           <a:bodyPr>
             <a:normAutofit/>
           </a:bodyPr>
+          <a:lstStyle/>
           <a:p>
             <a:pPr marL="306000" indent="-305640">
               <a:lnSpc>
@@ -4737,27 +5567,21 @@
                 <a:spcPts val="601"/>
               </a:spcAft>
               <a:buClr>
-                <a:srgbClr val="4590b8"/>
+                <a:srgbClr val="4590B8"/>
               </a:buClr>
               <a:buSzPct val="92000"/>
               <a:buFont typeface="Wingdings" charset="2"/>
               <a:buChar char=""/>
             </a:pPr>
             <a:r>
-              <a:rPr b="0" lang="en-US" sz="2800" spc="-1" strike="noStrike">
-                <a:solidFill>
-                  <a:srgbClr val="3d3d3d"/>
+              <a:rPr lang="en-US" sz="2800" b="0" strike="noStrike" spc="-1">
+                <a:solidFill>
+                  <a:srgbClr val="3D3D3D"/>
                 </a:solidFill>
                 <a:latin typeface="Gill Sans MT"/>
               </a:rPr>
               <a:t>Core Values não é somente algo que você faz </a:t>
             </a:r>
-            <a:endParaRPr b="0" lang="en-US" sz="2800" spc="-1" strike="noStrike">
-              <a:solidFill>
-                <a:srgbClr val="3d3d3d"/>
-              </a:solidFill>
-              <a:latin typeface="Gill Sans MT"/>
-            </a:endParaRPr>
           </a:p>
           <a:p>
             <a:pPr marL="306000" indent="-305640">
@@ -4771,45 +5595,39 @@
                 <a:spcPts val="601"/>
               </a:spcAft>
               <a:buClr>
-                <a:srgbClr val="4590b8"/>
+                <a:srgbClr val="4590B8"/>
               </a:buClr>
               <a:buSzPct val="92000"/>
               <a:buFont typeface="Wingdings" charset="2"/>
               <a:buChar char=""/>
             </a:pPr>
             <a:r>
-              <a:rPr b="0" lang="en-US" sz="2800" spc="-1" strike="noStrike">
-                <a:solidFill>
-                  <a:srgbClr val="3d3d3d"/>
+              <a:rPr lang="en-US" sz="2800" b="0" strike="noStrike" spc="-1">
+                <a:solidFill>
+                  <a:srgbClr val="3D3D3D"/>
                 </a:solidFill>
                 <a:latin typeface="Gill Sans MT"/>
               </a:rPr>
               <a:t>É uma forma, um </a:t>
             </a:r>
             <a:r>
-              <a:rPr b="0" i="1" lang="en-US" sz="2800" spc="-1" strike="noStrike">
-                <a:solidFill>
-                  <a:srgbClr val="3d3d3d"/>
+              <a:rPr lang="en-US" sz="2800" b="0" i="1" strike="noStrike" spc="-1">
+                <a:solidFill>
+                  <a:srgbClr val="3D3D3D"/>
                 </a:solidFill>
                 <a:latin typeface="Gill Sans MT"/>
               </a:rPr>
               <a:t>método </a:t>
             </a:r>
             <a:r>
-              <a:rPr b="0" lang="en-US" sz="2800" spc="-1" strike="noStrike">
-                <a:solidFill>
-                  <a:srgbClr val="3d3d3d"/>
+              <a:rPr lang="en-US" sz="2800" b="0" strike="noStrike" spc="-1">
+                <a:solidFill>
+                  <a:srgbClr val="3D3D3D"/>
                 </a:solidFill>
                 <a:latin typeface="Gill Sans MT"/>
               </a:rPr>
               <a:t>de fazer coisas que construam caráter e nos guia por toda a experiência!</a:t>
             </a:r>
-            <a:endParaRPr b="0" lang="en-US" sz="2800" spc="-1" strike="noStrike">
-              <a:solidFill>
-                <a:srgbClr val="3d3d3d"/>
-              </a:solidFill>
-              <a:latin typeface="Gill Sans MT"/>
-            </a:endParaRPr>
           </a:p>
         </p:txBody>
       </p:sp>
@@ -4833,7 +5651,8 @@
           </a:ln>
         </p:spPr>
         <p:txBody>
-          <a:bodyPr lIns="90000" rIns="90000" tIns="45000" bIns="45000"/>
+          <a:bodyPr lIns="90000" tIns="45000" rIns="90000" bIns="45000"/>
+          <a:lstStyle/>
           <a:p>
             <a:pPr>
               <a:lnSpc>
@@ -4841,24 +5660,24 @@
               </a:lnSpc>
             </a:pPr>
             <a:r>
-              <a:rPr b="0" lang="pt-BR" sz="1800" spc="-1" strike="noStrike">
-                <a:solidFill>
-                  <a:srgbClr val="537ed0"/>
+              <a:rPr lang="pt-BR" sz="1800" b="0" strike="noStrike" spc="-1">
+                <a:solidFill>
+                  <a:srgbClr val="537ED0"/>
                 </a:solidFill>
                 <a:latin typeface="Gill Sans MT"/>
               </a:rPr>
               <a:t>Última edição: </a:t>
             </a:r>
             <a:fld id="{2B6188DE-42C6-433B-95A0-1AA7B3425B0C}" type="datetime1">
-              <a:rPr b="0" lang="pt-BR" sz="1800" spc="-1" strike="noStrike">
-                <a:solidFill>
-                  <a:srgbClr val="537ed0"/>
-                </a:solidFill>
-                <a:latin typeface="Gill Sans MT"/>
-              </a:rPr>
-              <a:t>31/08/2018</a:t>
+              <a:rPr lang="pt-BR" sz="1800" b="0" strike="noStrike" spc="-1">
+                <a:solidFill>
+                  <a:srgbClr val="537ED0"/>
+                </a:solidFill>
+                <a:latin typeface="Gill Sans MT"/>
+              </a:rPr>
+              <a:t>01/10/2018</a:t>
             </a:fld>
-            <a:endParaRPr b="0" lang="pt-BR" sz="1800" spc="-1" strike="noStrike">
+            <a:endParaRPr lang="pt-BR" sz="1800" b="0" strike="noStrike" spc="-1">
               <a:latin typeface="Times New Roman"/>
             </a:endParaRPr>
           </a:p>
@@ -4884,7 +5703,8 @@
           </a:ln>
         </p:spPr>
         <p:txBody>
-          <a:bodyPr lIns="90000" rIns="90000" tIns="45000" bIns="45000"/>
+          <a:bodyPr lIns="90000" tIns="45000" rIns="90000" bIns="45000"/>
+          <a:lstStyle/>
           <a:p>
             <a:pPr>
               <a:lnSpc>
@@ -4892,15 +5712,15 @@
               </a:lnSpc>
             </a:pPr>
             <a:r>
-              <a:rPr b="0" lang="pt-BR" sz="1800" spc="-1" strike="noStrike">
-                <a:solidFill>
-                  <a:srgbClr val="537ed0"/>
+              <a:rPr lang="pt-BR" sz="1800" b="0" strike="noStrike" spc="-1">
+                <a:solidFill>
+                  <a:srgbClr val="537ED0"/>
                 </a:solidFill>
                 <a:latin typeface="Gill Sans MT"/>
               </a:rPr>
               <a:t>Copyright 2018, FLL TUTORIALS</a:t>
             </a:r>
-            <a:endParaRPr b="0" lang="pt-BR" sz="1800" spc="-1" strike="noStrike">
+            <a:endParaRPr lang="pt-BR" sz="1800" b="0" strike="noStrike" spc="-1">
               <a:latin typeface="Times New Roman"/>
             </a:endParaRPr>
           </a:p>
@@ -4926,13 +5746,20 @@
           </a:ln>
         </p:spPr>
         <p:style>
-          <a:lnRef idx="0"/>
-          <a:fillRef idx="0"/>
-          <a:effectRef idx="0"/>
+          <a:lnRef idx="0">
+            <a:scrgbClr r="0" g="0" b="0"/>
+          </a:lnRef>
+          <a:fillRef idx="0">
+            <a:scrgbClr r="0" g="0" b="0"/>
+          </a:fillRef>
+          <a:effectRef idx="0">
+            <a:scrgbClr r="0" g="0" b="0"/>
+          </a:effectRef>
           <a:fontRef idx="minor"/>
         </p:style>
         <p:txBody>
-          <a:bodyPr lIns="90000" rIns="90000" tIns="45000" bIns="45000"/>
+          <a:bodyPr lIns="90000" tIns="45000" rIns="90000" bIns="45000"/>
+          <a:lstStyle/>
           <a:p>
             <a:pPr>
               <a:lnSpc>
@@ -4940,15 +5767,15 @@
               </a:lnSpc>
             </a:pPr>
             <a:fld id="{35BDD2AF-BD90-4A09-8D40-037303D43373}" type="slidenum">
-              <a:rPr b="0" lang="pt-BR" sz="1800" spc="-1" strike="noStrike">
-                <a:solidFill>
-                  <a:srgbClr val="2f5aac"/>
-                </a:solidFill>
-                <a:latin typeface="Gill Sans MT"/>
-              </a:rPr>
-              <a:t>1</a:t>
+              <a:rPr lang="pt-BR" sz="1800" b="0" strike="noStrike" spc="-1">
+                <a:solidFill>
+                  <a:srgbClr val="2F5AAC"/>
+                </a:solidFill>
+                <a:latin typeface="Gill Sans MT"/>
+              </a:rPr>
+              <a:t>10</a:t>
             </a:fld>
-            <a:endParaRPr b="0" lang="pt-BR" sz="1800" spc="-1" strike="noStrike">
+            <a:endParaRPr lang="pt-BR" sz="1800" b="0" strike="noStrike" spc="-1">
               <a:latin typeface="Arial"/>
             </a:endParaRPr>
           </a:p>
@@ -4956,12 +5783,12 @@
       </p:sp>
       <p:pic>
         <p:nvPicPr>
-          <p:cNvPr id="153" name="Picture 5" descr=""/>
+          <p:cNvPr id="153" name="Picture 5"/>
           <p:cNvPicPr/>
           <p:nvPr/>
         </p:nvPicPr>
         <p:blipFill>
-          <a:blip r:embed="rId1"/>
+          <a:blip r:embed="rId2"/>
           <a:stretch/>
         </p:blipFill>
         <p:spPr>
@@ -4979,22 +5806,25 @@
       </p:pic>
     </p:spTree>
   </p:cSld>
+  <p:clrMapOvr>
+    <a:masterClrMapping/>
+  </p:clrMapOvr>
   <p:timing>
     <p:tnLst>
       <p:par>
-        <p:cTn id="19" dur="indefinite" restart="never" nodeType="tmRoot">
+        <p:cTn id="1" dur="indefinite" restart="never" nodeType="tmRoot">
           <p:childTnLst>
             <p:seq>
-              <p:cTn id="20" dur="indefinite" nodeType="mainSeq"/>
+              <p:cTn id="2" dur="indefinite" nodeType="mainSeq"/>
               <p:prevCondLst>
-                <p:cond delay="0" evt="onPrev">
+                <p:cond evt="onPrev" delay="0">
                   <p:tgtEl>
                     <p:sldTgt/>
                   </p:tgtEl>
                 </p:cond>
               </p:prevCondLst>
               <p:nextCondLst>
-                <p:cond delay="0" evt="onNext">
+                <p:cond evt="onNext" delay="0">
                   <p:tgtEl>
                     <p:sldTgt/>
                   </p:tgtEl>
@@ -5010,7 +5840,7 @@
 </file>
 
 <file path=ppt/slides/slide11.xml><?xml version="1.0" encoding="utf-8"?>
-<p:sld xmlns:a="http://schemas.openxmlformats.org/drawingml/2006/main" xmlns:p="http://schemas.openxmlformats.org/presentationml/2006/main" xmlns:r="http://schemas.openxmlformats.org/officeDocument/2006/relationships" xmlns:p14="http://schemas.microsoft.com/office/powerpoint/2010/main" xmlns:p15="http://schemas.microsoft.com/office/powerpoint/2012/main" xmlns:mc="http://schemas.openxmlformats.org/markup-compatibility/2006">
+<p:sld xmlns:a="http://schemas.openxmlformats.org/drawingml/2006/main" xmlns:r="http://schemas.openxmlformats.org/officeDocument/2006/relationships" xmlns:p="http://schemas.openxmlformats.org/presentationml/2006/main">
   <p:cSld>
     <p:spTree>
       <p:nvGrpSpPr>
@@ -5047,6 +5877,7 @@
         </p:spPr>
         <p:txBody>
           <a:bodyPr anchor="b"/>
+          <a:lstStyle/>
           <a:p>
             <a:pPr>
               <a:lnSpc>
@@ -5054,15 +5885,15 @@
               </a:lnSpc>
             </a:pPr>
             <a:r>
-              <a:rPr b="0" lang="en-US" sz="2800" spc="-1" strike="noStrike" cap="all">
-                <a:solidFill>
-                  <a:srgbClr val="ffffff"/>
+              <a:rPr lang="en-US" sz="2800" b="0" strike="noStrike" cap="all" spc="-1">
+                <a:solidFill>
+                  <a:srgbClr val="FFFFFF"/>
                 </a:solidFill>
                 <a:latin typeface="Gill Sans MT"/>
               </a:rPr>
               <a:t>CRéDIToS</a:t>
             </a:r>
-            <a:endParaRPr b="0" lang="en-US" sz="2800" spc="-1" strike="noStrike">
+            <a:endParaRPr lang="en-US" sz="2800" b="0" strike="noStrike" spc="-1">
               <a:solidFill>
                 <a:srgbClr val="000000"/>
               </a:solidFill>
@@ -5094,6 +5925,7 @@
           <a:bodyPr>
             <a:normAutofit/>
           </a:bodyPr>
+          <a:lstStyle/>
           <a:p>
             <a:pPr marL="306000" indent="-305640">
               <a:lnSpc>
@@ -5106,27 +5938,21 @@
                 <a:spcPts val="601"/>
               </a:spcAft>
               <a:buClr>
-                <a:srgbClr val="4590b8"/>
+                <a:srgbClr val="4590B8"/>
               </a:buClr>
               <a:buSzPct val="92000"/>
               <a:buFont typeface="Wingdings 2" charset="2"/>
               <a:buChar char=""/>
             </a:pPr>
             <a:r>
-              <a:rPr b="0" lang="en-US" sz="2400" spc="-1" strike="noStrike">
-                <a:solidFill>
-                  <a:srgbClr val="3d3d3d"/>
+              <a:rPr lang="en-US" sz="2400" b="0" strike="noStrike" spc="-1">
+                <a:solidFill>
+                  <a:srgbClr val="3D3D3D"/>
                 </a:solidFill>
                 <a:latin typeface="Gill Sans MT"/>
               </a:rPr>
               <a:t>O autor primário dessa lição é Vicky Zhai da FTC 9873. Informação adicional de Christopher Haines e Chris Baker foi incorporada a esta lição</a:t>
             </a:r>
-            <a:endParaRPr b="0" lang="en-US" sz="2400" spc="-1" strike="noStrike">
-              <a:solidFill>
-                <a:srgbClr val="3d3d3d"/>
-              </a:solidFill>
-              <a:latin typeface="Gill Sans MT"/>
-            </a:endParaRPr>
           </a:p>
           <a:p>
             <a:pPr marL="306000" indent="-305640">
@@ -5140,35 +5966,35 @@
                 <a:spcPts val="601"/>
               </a:spcAft>
               <a:buClr>
-                <a:srgbClr val="4590b8"/>
+                <a:srgbClr val="4590B8"/>
               </a:buClr>
               <a:buSzPct val="92000"/>
               <a:buFont typeface="Wingdings 2" charset="2"/>
               <a:buChar char=""/>
             </a:pPr>
             <a:r>
-              <a:rPr b="0" lang="en-US" sz="2400" spc="-1" strike="noStrike">
-                <a:solidFill>
-                  <a:srgbClr val="3d3d3d"/>
+              <a:rPr lang="en-US" sz="2400" b="0" strike="noStrike" spc="-1">
+                <a:solidFill>
+                  <a:srgbClr val="3D3D3D"/>
                 </a:solidFill>
                 <a:latin typeface="Gill Sans MT"/>
               </a:rPr>
               <a:t>Mais lições de FIRST LEGO League disponíveis em </a:t>
             </a:r>
             <a:r>
-              <a:rPr b="0" lang="en-US" sz="2400" spc="-1" strike="noStrike" u="sng">
+              <a:rPr lang="en-US" sz="2400" b="0" u="sng" strike="noStrike" spc="-1">
                 <a:solidFill>
                   <a:srgbClr val="828282"/>
                 </a:solidFill>
                 <a:uFillTx/>
                 <a:latin typeface="Gill Sans MT"/>
-                <a:hlinkClick r:id="rId1"/>
+                <a:hlinkClick r:id="rId2"/>
               </a:rPr>
               <a:t>www.flltutorials.com</a:t>
             </a:r>
-            <a:endParaRPr b="0" lang="en-US" sz="2400" spc="-1" strike="noStrike">
+            <a:endParaRPr lang="en-US" sz="2400" b="0" strike="noStrike" spc="-1">
               <a:solidFill>
-                <a:srgbClr val="3d3d3d"/>
+                <a:srgbClr val="3D3D3D"/>
               </a:solidFill>
               <a:latin typeface="Gill Sans MT"/>
             </a:endParaRPr>
@@ -5185,14 +6011,14 @@
                 <a:spcPts val="601"/>
               </a:spcAft>
               <a:buClr>
-                <a:srgbClr val="4590b8"/>
+                <a:srgbClr val="4590B8"/>
               </a:buClr>
               <a:buSzPct val="92000"/>
               <a:buFont typeface="Wingdings 2" charset="2"/>
               <a:buChar char=""/>
             </a:pPr>
             <a:r>
-              <a:rPr b="0" lang="en-US" sz="2400" spc="-1" strike="noStrike">
+              <a:rPr lang="en-US" sz="2400" b="0" strike="noStrike" spc="-1">
                 <a:solidFill>
                   <a:srgbClr val="000000"/>
                 </a:solidFill>
@@ -5200,9 +6026,9 @@
               </a:rPr>
               <a:t>Traduzido por Equipe Sunrise, de Santa Catarina, Brasil</a:t>
             </a:r>
-            <a:endParaRPr b="0" lang="en-US" sz="2400" spc="-1" strike="noStrike">
+            <a:endParaRPr lang="en-US" sz="2400" b="0" strike="noStrike" spc="-1">
               <a:solidFill>
-                <a:srgbClr val="3d3d3d"/>
+                <a:srgbClr val="3D3D3D"/>
               </a:solidFill>
               <a:latin typeface="Gill Sans MT"/>
             </a:endParaRPr>
@@ -5219,9 +6045,9 @@
                 <a:spcPts val="601"/>
               </a:spcAft>
             </a:pPr>
-            <a:endParaRPr b="0" lang="en-US" sz="2400" spc="-1" strike="noStrike">
+            <a:endParaRPr lang="en-US" sz="2400" b="0" strike="noStrike" spc="-1">
               <a:solidFill>
-                <a:srgbClr val="3d3d3d"/>
+                <a:srgbClr val="3D3D3D"/>
               </a:solidFill>
               <a:latin typeface="Gill Sans MT"/>
             </a:endParaRPr>
@@ -5238,9 +6064,9 @@
                 <a:spcPts val="601"/>
               </a:spcAft>
             </a:pPr>
-            <a:endParaRPr b="0" lang="en-US" sz="2400" spc="-1" strike="noStrike">
+            <a:endParaRPr lang="en-US" sz="2400" b="0" strike="noStrike" spc="-1">
               <a:solidFill>
-                <a:srgbClr val="3d3d3d"/>
+                <a:srgbClr val="3D3D3D"/>
               </a:solidFill>
               <a:latin typeface="Gill Sans MT"/>
             </a:endParaRPr>
@@ -5267,7 +6093,8 @@
           </a:ln>
         </p:spPr>
         <p:txBody>
-          <a:bodyPr lIns="90000" rIns="90000" tIns="45000" bIns="45000"/>
+          <a:bodyPr lIns="90000" tIns="45000" rIns="90000" bIns="45000"/>
+          <a:lstStyle/>
           <a:p>
             <a:pPr>
               <a:lnSpc>
@@ -5275,24 +6102,24 @@
               </a:lnSpc>
             </a:pPr>
             <a:r>
-              <a:rPr b="0" lang="pt-BR" sz="1800" spc="-1" strike="noStrike">
-                <a:solidFill>
-                  <a:srgbClr val="537ed0"/>
+              <a:rPr lang="pt-BR" sz="1800" b="0" strike="noStrike" spc="-1">
+                <a:solidFill>
+                  <a:srgbClr val="537ED0"/>
                 </a:solidFill>
                 <a:latin typeface="Gill Sans MT"/>
               </a:rPr>
               <a:t>Última edição: </a:t>
             </a:r>
             <a:fld id="{BA758170-65FE-467A-A5BA-11986072712D}" type="datetime1">
-              <a:rPr b="0" lang="pt-BR" sz="1800" spc="-1" strike="noStrike">
-                <a:solidFill>
-                  <a:srgbClr val="537ed0"/>
-                </a:solidFill>
-                <a:latin typeface="Gill Sans MT"/>
-              </a:rPr>
-              <a:t>31/08/2018</a:t>
+              <a:rPr lang="pt-BR" sz="1800" b="0" strike="noStrike" spc="-1">
+                <a:solidFill>
+                  <a:srgbClr val="537ED0"/>
+                </a:solidFill>
+                <a:latin typeface="Gill Sans MT"/>
+              </a:rPr>
+              <a:t>01/10/2018</a:t>
             </a:fld>
-            <a:endParaRPr b="0" lang="pt-BR" sz="1800" spc="-1" strike="noStrike">
+            <a:endParaRPr lang="pt-BR" sz="1800" b="0" strike="noStrike" spc="-1">
               <a:latin typeface="Times New Roman"/>
             </a:endParaRPr>
           </a:p>
@@ -5318,7 +6145,8 @@
           </a:ln>
         </p:spPr>
         <p:txBody>
-          <a:bodyPr lIns="90000" rIns="90000" tIns="45000" bIns="45000"/>
+          <a:bodyPr lIns="90000" tIns="45000" rIns="90000" bIns="45000"/>
+          <a:lstStyle/>
           <a:p>
             <a:pPr>
               <a:lnSpc>
@@ -5326,15 +6154,15 @@
               </a:lnSpc>
             </a:pPr>
             <a:r>
-              <a:rPr b="0" lang="pt-BR" sz="1800" spc="-1" strike="noStrike">
-                <a:solidFill>
-                  <a:srgbClr val="537ed0"/>
+              <a:rPr lang="pt-BR" sz="1800" b="0" strike="noStrike" spc="-1">
+                <a:solidFill>
+                  <a:srgbClr val="537ED0"/>
                 </a:solidFill>
                 <a:latin typeface="Gill Sans MT"/>
               </a:rPr>
               <a:t>Copyright 2018, FLL TUTORIALS</a:t>
             </a:r>
-            <a:endParaRPr b="0" lang="pt-BR" sz="1800" spc="-1" strike="noStrike">
+            <a:endParaRPr lang="pt-BR" sz="1800" b="0" strike="noStrike" spc="-1">
               <a:latin typeface="Times New Roman"/>
             </a:endParaRPr>
           </a:p>
@@ -5360,7 +6188,8 @@
           </a:ln>
         </p:spPr>
         <p:txBody>
-          <a:bodyPr lIns="90000" rIns="90000" tIns="45000" bIns="45000"/>
+          <a:bodyPr lIns="90000" tIns="45000" rIns="90000" bIns="45000"/>
+          <a:lstStyle/>
           <a:p>
             <a:pPr>
               <a:lnSpc>
@@ -5368,15 +6197,15 @@
               </a:lnSpc>
             </a:pPr>
             <a:fld id="{538B431C-5432-4BB8-B0C0-7DFD8193227E}" type="slidenum">
-              <a:rPr b="0" lang="pt-BR" sz="1800" spc="-1" strike="noStrike">
-                <a:solidFill>
-                  <a:srgbClr val="537ed0"/>
-                </a:solidFill>
-                <a:latin typeface="Gill Sans MT"/>
-              </a:rPr>
-              <a:t>1</a:t>
+              <a:rPr lang="pt-BR" sz="1800" b="0" strike="noStrike" spc="-1">
+                <a:solidFill>
+                  <a:srgbClr val="537ED0"/>
+                </a:solidFill>
+                <a:latin typeface="Gill Sans MT"/>
+              </a:rPr>
+              <a:t>11</a:t>
             </a:fld>
-            <a:endParaRPr b="0" lang="pt-BR" sz="1800" spc="-1" strike="noStrike">
+            <a:endParaRPr lang="pt-BR" sz="1800" b="0" strike="noStrike" spc="-1">
               <a:latin typeface="Times New Roman"/>
             </a:endParaRPr>
           </a:p>
@@ -5402,13 +6231,20 @@
           </a:ln>
         </p:spPr>
         <p:style>
-          <a:lnRef idx="0"/>
-          <a:fillRef idx="0"/>
-          <a:effectRef idx="0"/>
+          <a:lnRef idx="0">
+            <a:scrgbClr r="0" g="0" b="0"/>
+          </a:lnRef>
+          <a:fillRef idx="0">
+            <a:scrgbClr r="0" g="0" b="0"/>
+          </a:fillRef>
+          <a:effectRef idx="0">
+            <a:scrgbClr r="0" g="0" b="0"/>
+          </a:effectRef>
           <a:fontRef idx="minor"/>
         </p:style>
         <p:txBody>
-          <a:bodyPr lIns="90000" rIns="90000" tIns="45000" bIns="45000"/>
+          <a:bodyPr lIns="90000" tIns="45000" rIns="90000" bIns="45000"/>
+          <a:lstStyle/>
           <a:p>
             <a:pPr algn="ctr">
               <a:lnSpc>
@@ -5416,17 +6252,17 @@
               </a:lnSpc>
             </a:pPr>
             <a:r>
-              <a:rPr b="0" lang="pt-BR" sz="2400" spc="-1" strike="noStrike" u="sng">
+              <a:rPr lang="pt-BR" sz="2400" b="0" u="sng" strike="noStrike" spc="-1">
                 <a:solidFill>
                   <a:srgbClr val="828282"/>
                 </a:solidFill>
                 <a:uFillTx/>
                 <a:latin typeface="Gill Sans MT"/>
-                <a:hlinkClick r:id="rId2"/>
+                <a:hlinkClick r:id="rId3"/>
               </a:rPr>
               <a:t>Creative Commons Attribution-NonCommercial-ShareAlike 4.0 International License</a:t>
             </a:r>
-            <a:endParaRPr b="0" lang="pt-BR" sz="2400" spc="-1" strike="noStrike">
+            <a:endParaRPr lang="pt-BR" sz="2400" b="0" strike="noStrike" spc="-1">
               <a:latin typeface="Arial"/>
             </a:endParaRPr>
           </a:p>
@@ -5434,12 +6270,12 @@
       </p:sp>
       <p:pic>
         <p:nvPicPr>
-          <p:cNvPr id="160" name="Picture 10" descr=""/>
+          <p:cNvPr id="160" name="Picture 10"/>
           <p:cNvPicPr/>
           <p:nvPr/>
         </p:nvPicPr>
         <p:blipFill>
-          <a:blip r:embed="rId3"/>
+          <a:blip r:embed="rId4"/>
           <a:stretch/>
         </p:blipFill>
         <p:spPr>
@@ -5457,22 +6293,25 @@
       </p:pic>
     </p:spTree>
   </p:cSld>
+  <p:clrMapOvr>
+    <a:masterClrMapping/>
+  </p:clrMapOvr>
   <p:timing>
     <p:tnLst>
       <p:par>
-        <p:cTn id="21" dur="indefinite" restart="never" nodeType="tmRoot">
+        <p:cTn id="1" dur="indefinite" restart="never" nodeType="tmRoot">
           <p:childTnLst>
             <p:seq>
-              <p:cTn id="22" dur="indefinite" nodeType="mainSeq"/>
+              <p:cTn id="2" dur="indefinite" nodeType="mainSeq"/>
               <p:prevCondLst>
-                <p:cond delay="0" evt="onPrev">
+                <p:cond evt="onPrev" delay="0">
                   <p:tgtEl>
                     <p:sldTgt/>
                   </p:tgtEl>
                 </p:cond>
               </p:prevCondLst>
               <p:nextCondLst>
-                <p:cond delay="0" evt="onNext">
+                <p:cond evt="onNext" delay="0">
                   <p:tgtEl>
                     <p:sldTgt/>
                   </p:tgtEl>
@@ -5488,7 +6327,7 @@
 </file>
 
 <file path=ppt/slides/slide2.xml><?xml version="1.0" encoding="utf-8"?>
-<p:sld xmlns:a="http://schemas.openxmlformats.org/drawingml/2006/main" xmlns:p="http://schemas.openxmlformats.org/presentationml/2006/main" xmlns:r="http://schemas.openxmlformats.org/officeDocument/2006/relationships" xmlns:p14="http://schemas.microsoft.com/office/powerpoint/2010/main" xmlns:p15="http://schemas.microsoft.com/office/powerpoint/2012/main" xmlns:mc="http://schemas.openxmlformats.org/markup-compatibility/2006">
+<p:sld xmlns:a="http://schemas.openxmlformats.org/drawingml/2006/main" xmlns:r="http://schemas.openxmlformats.org/officeDocument/2006/relationships" xmlns:p="http://schemas.openxmlformats.org/presentationml/2006/main">
   <p:cSld>
     <p:spTree>
       <p:nvGrpSpPr>
@@ -5525,6 +6364,7 @@
         </p:spPr>
         <p:txBody>
           <a:bodyPr anchor="b"/>
+          <a:lstStyle/>
           <a:p>
             <a:pPr>
               <a:lnSpc>
@@ -5532,15 +6372,15 @@
               </a:lnSpc>
             </a:pPr>
             <a:r>
-              <a:rPr b="0" lang="en-US" sz="2800" spc="-1" strike="noStrike" cap="all">
-                <a:solidFill>
-                  <a:srgbClr val="ffffff"/>
+              <a:rPr lang="en-US" sz="2800" b="0" strike="noStrike" cap="all" spc="-1">
+                <a:solidFill>
+                  <a:srgbClr val="FFFFFF"/>
                 </a:solidFill>
                 <a:latin typeface="Gill Sans MT"/>
               </a:rPr>
               <a:t>Core values</a:t>
             </a:r>
-            <a:endParaRPr b="0" lang="en-US" sz="2800" spc="-1" strike="noStrike">
+            <a:endParaRPr lang="en-US" sz="2800" b="0" strike="noStrike" spc="-1">
               <a:solidFill>
                 <a:srgbClr val="000000"/>
               </a:solidFill>
@@ -5570,8 +6410,9 @@
         </p:spPr>
         <p:txBody>
           <a:bodyPr>
-            <a:normAutofit/>
+            <a:normAutofit fontScale="92500"/>
           </a:bodyPr>
+          <a:lstStyle/>
           <a:p>
             <a:pPr algn="ctr">
               <a:lnSpc>
@@ -5585,20 +6426,14 @@
               </a:spcAft>
             </a:pPr>
             <a:r>
-              <a:rPr b="0" lang="en-US" sz="2800" spc="-1" strike="noStrike">
-                <a:solidFill>
-                  <a:srgbClr val="3d3d3d"/>
+              <a:rPr lang="en-US" sz="2800" b="0" strike="noStrike" spc="-1">
+                <a:solidFill>
+                  <a:srgbClr val="3D3D3D"/>
                 </a:solidFill>
                 <a:latin typeface="Gill Sans MT"/>
               </a:rPr>
               <a:t>O Desafio do Robô e Projeto são o que as equipes fazem</a:t>
             </a:r>
-            <a:endParaRPr b="0" lang="en-US" sz="2800" spc="-1" strike="noStrike">
-              <a:solidFill>
-                <a:srgbClr val="3d3d3d"/>
-              </a:solidFill>
-              <a:latin typeface="Gill Sans MT"/>
-            </a:endParaRPr>
           </a:p>
           <a:p>
             <a:pPr algn="ctr">
@@ -5613,7 +6448,7 @@
               </a:spcAft>
             </a:pPr>
             <a:r>
-              <a:rPr b="0" lang="en-US" sz="2800" spc="-1" strike="noStrike">
+              <a:rPr lang="en-US" sz="2800" b="0" strike="noStrike" spc="-1">
                 <a:solidFill>
                   <a:srgbClr val="000000"/>
                 </a:solidFill>
@@ -5622,47 +6457,32 @@
               <a:t>Os Core </a:t>
             </a:r>
             <a:r>
-              <a:rPr b="0" lang="en-US" sz="2800" spc="-1" strike="noStrike">
-                <a:solidFill>
-                  <a:srgbClr val="3d3d3d"/>
+              <a:rPr lang="en-US" sz="2800" b="0" strike="noStrike" spc="-1">
+                <a:solidFill>
+                  <a:srgbClr val="3D3D3D"/>
                 </a:solidFill>
                 <a:latin typeface="Gill Sans MT"/>
               </a:rPr>
               <a:t>Values são </a:t>
             </a:r>
             <a:r>
-              <a:rPr b="0" i="1" lang="en-US" sz="2800" spc="-1" strike="noStrike">
-                <a:solidFill>
-                  <a:srgbClr val="3d3d3d"/>
+              <a:rPr lang="en-US" sz="2800" b="0" i="1" strike="noStrike" spc="-1">
+                <a:solidFill>
+                  <a:srgbClr val="3D3D3D"/>
                 </a:solidFill>
                 <a:latin typeface="Gill Sans MT"/>
               </a:rPr>
               <a:t>como </a:t>
             </a:r>
             <a:r>
-              <a:rPr b="0" lang="en-US" sz="2800" spc="-1" strike="noStrike">
-                <a:solidFill>
-                  <a:srgbClr val="3d3d3d"/>
-                </a:solidFill>
-                <a:latin typeface="Gill Sans MT"/>
-              </a:rPr>
-              <a:t>elas fazem</a:t>
-            </a:r>
-            <a:r>
-              <a:rPr b="0" lang="en-US" sz="2800" spc="-1" strike="noStrike">
-                <a:solidFill>
-                  <a:srgbClr val="3d3d3d"/>
-                </a:solidFill>
-                <a:latin typeface="Gill Sans MT"/>
-              </a:rPr>
-              <a:t>.</a:t>
-            </a:r>
-            <a:endParaRPr b="0" lang="en-US" sz="2800" spc="-1" strike="noStrike">
-              <a:solidFill>
-                <a:srgbClr val="3d3d3d"/>
-              </a:solidFill>
-              <a:latin typeface="Gill Sans MT"/>
-            </a:endParaRPr>
+              <a:rPr lang="en-US" sz="2800" b="0" strike="noStrike" spc="-1">
+                <a:solidFill>
+                  <a:srgbClr val="3D3D3D"/>
+                </a:solidFill>
+                <a:latin typeface="Gill Sans MT"/>
+              </a:rPr>
+              <a:t>elas fazem.</a:t>
+            </a:r>
           </a:p>
         </p:txBody>
       </p:sp>
@@ -5686,7 +6506,8 @@
           </a:ln>
         </p:spPr>
         <p:txBody>
-          <a:bodyPr lIns="90000" rIns="90000" tIns="45000" bIns="45000"/>
+          <a:bodyPr lIns="90000" tIns="45000" rIns="90000" bIns="45000"/>
+          <a:lstStyle/>
           <a:p>
             <a:pPr>
               <a:lnSpc>
@@ -5694,24 +6515,24 @@
               </a:lnSpc>
             </a:pPr>
             <a:r>
-              <a:rPr b="0" lang="pt-BR" sz="1800" spc="-1" strike="noStrike">
-                <a:solidFill>
-                  <a:srgbClr val="537ed0"/>
+              <a:rPr lang="pt-BR" sz="1800" b="0" strike="noStrike" spc="-1">
+                <a:solidFill>
+                  <a:srgbClr val="537ED0"/>
                 </a:solidFill>
                 <a:latin typeface="Gill Sans MT"/>
               </a:rPr>
               <a:t>Última edição: </a:t>
             </a:r>
             <a:fld id="{38A694CF-4832-43FD-AFFF-5902179A2D26}" type="datetime1">
-              <a:rPr b="0" lang="pt-BR" sz="1800" spc="-1" strike="noStrike">
-                <a:solidFill>
-                  <a:srgbClr val="537ed0"/>
-                </a:solidFill>
-                <a:latin typeface="Gill Sans MT"/>
-              </a:rPr>
-              <a:t>31/08/2018</a:t>
+              <a:rPr lang="pt-BR" sz="1800" b="0" strike="noStrike" spc="-1">
+                <a:solidFill>
+                  <a:srgbClr val="537ED0"/>
+                </a:solidFill>
+                <a:latin typeface="Gill Sans MT"/>
+              </a:rPr>
+              <a:t>01/10/2018</a:t>
             </a:fld>
-            <a:endParaRPr b="0" lang="pt-BR" sz="1800" spc="-1" strike="noStrike">
+            <a:endParaRPr lang="pt-BR" sz="1800" b="0" strike="noStrike" spc="-1">
               <a:latin typeface="Times New Roman"/>
             </a:endParaRPr>
           </a:p>
@@ -5737,7 +6558,8 @@
           </a:ln>
         </p:spPr>
         <p:txBody>
-          <a:bodyPr lIns="90000" rIns="90000" tIns="45000" bIns="45000"/>
+          <a:bodyPr lIns="90000" tIns="45000" rIns="90000" bIns="45000"/>
+          <a:lstStyle/>
           <a:p>
             <a:pPr>
               <a:lnSpc>
@@ -5745,15 +6567,15 @@
               </a:lnSpc>
             </a:pPr>
             <a:r>
-              <a:rPr b="0" lang="pt-BR" sz="1800" spc="-1" strike="noStrike">
-                <a:solidFill>
-                  <a:srgbClr val="537ed0"/>
+              <a:rPr lang="pt-BR" sz="1800" b="0" strike="noStrike" spc="-1">
+                <a:solidFill>
+                  <a:srgbClr val="537ED0"/>
                 </a:solidFill>
                 <a:latin typeface="Gill Sans MT"/>
               </a:rPr>
               <a:t>Copyright 2018, FLL TUTORIALS</a:t>
             </a:r>
-            <a:endParaRPr b="0" lang="pt-BR" sz="1800" spc="-1" strike="noStrike">
+            <a:endParaRPr lang="pt-BR" sz="1800" b="0" strike="noStrike" spc="-1">
               <a:latin typeface="Times New Roman"/>
             </a:endParaRPr>
           </a:p>
@@ -5779,7 +6601,8 @@
           </a:ln>
         </p:spPr>
         <p:txBody>
-          <a:bodyPr lIns="90000" rIns="90000" tIns="45000" bIns="45000"/>
+          <a:bodyPr lIns="90000" tIns="45000" rIns="90000" bIns="45000"/>
+          <a:lstStyle/>
           <a:p>
             <a:pPr>
               <a:lnSpc>
@@ -5787,15 +6610,15 @@
               </a:lnSpc>
             </a:pPr>
             <a:fld id="{566A9465-F3A4-4488-AF81-A5C70545E81B}" type="slidenum">
-              <a:rPr b="0" lang="pt-BR" sz="1800" spc="-1" strike="noStrike">
-                <a:solidFill>
-                  <a:srgbClr val="537ed0"/>
-                </a:solidFill>
-                <a:latin typeface="Gill Sans MT"/>
-              </a:rPr>
-              <a:t>1</a:t>
+              <a:rPr lang="pt-BR" sz="1800" b="0" strike="noStrike" spc="-1">
+                <a:solidFill>
+                  <a:srgbClr val="537ED0"/>
+                </a:solidFill>
+                <a:latin typeface="Gill Sans MT"/>
+              </a:rPr>
+              <a:t>2</a:t>
             </a:fld>
-            <a:endParaRPr b="0" lang="pt-BR" sz="1800" spc="-1" strike="noStrike">
+            <a:endParaRPr lang="pt-BR" sz="1800" b="0" strike="noStrike" spc="-1">
               <a:latin typeface="Times New Roman"/>
             </a:endParaRPr>
           </a:p>
@@ -5803,12 +6626,12 @@
       </p:sp>
       <p:pic>
         <p:nvPicPr>
-          <p:cNvPr id="104" name="Picture 7" descr=""/>
+          <p:cNvPr id="104" name="Picture 7"/>
           <p:cNvPicPr/>
           <p:nvPr/>
         </p:nvPicPr>
         <p:blipFill>
-          <a:blip r:embed="rId1"/>
+          <a:blip r:embed="rId2"/>
           <a:stretch/>
         </p:blipFill>
         <p:spPr>
@@ -5826,22 +6649,25 @@
       </p:pic>
     </p:spTree>
   </p:cSld>
+  <p:clrMapOvr>
+    <a:masterClrMapping/>
+  </p:clrMapOvr>
   <p:timing>
     <p:tnLst>
       <p:par>
-        <p:cTn id="3" dur="indefinite" restart="never" nodeType="tmRoot">
+        <p:cTn id="1" dur="indefinite" restart="never" nodeType="tmRoot">
           <p:childTnLst>
             <p:seq>
-              <p:cTn id="4" dur="indefinite" nodeType="mainSeq"/>
+              <p:cTn id="2" dur="indefinite" nodeType="mainSeq"/>
               <p:prevCondLst>
-                <p:cond delay="0" evt="onPrev">
+                <p:cond evt="onPrev" delay="0">
                   <p:tgtEl>
                     <p:sldTgt/>
                   </p:tgtEl>
                 </p:cond>
               </p:prevCondLst>
               <p:nextCondLst>
-                <p:cond delay="0" evt="onNext">
+                <p:cond evt="onNext" delay="0">
                   <p:tgtEl>
                     <p:sldTgt/>
                   </p:tgtEl>
@@ -5857,7 +6683,7 @@
 </file>
 
 <file path=ppt/slides/slide3.xml><?xml version="1.0" encoding="utf-8"?>
-<p:sld xmlns:a="http://schemas.openxmlformats.org/drawingml/2006/main" xmlns:p="http://schemas.openxmlformats.org/presentationml/2006/main" xmlns:r="http://schemas.openxmlformats.org/officeDocument/2006/relationships" xmlns:p14="http://schemas.microsoft.com/office/powerpoint/2010/main" xmlns:p15="http://schemas.microsoft.com/office/powerpoint/2012/main" xmlns:mc="http://schemas.openxmlformats.org/markup-compatibility/2006">
+<p:sld xmlns:a="http://schemas.openxmlformats.org/drawingml/2006/main" xmlns:r="http://schemas.openxmlformats.org/officeDocument/2006/relationships" xmlns:p="http://schemas.openxmlformats.org/presentationml/2006/main">
   <p:cSld>
     <p:spTree>
       <p:nvGrpSpPr>
@@ -5896,6 +6722,7 @@
           <a:bodyPr anchor="b">
             <a:normAutofit/>
           </a:bodyPr>
+          <a:lstStyle/>
           <a:p>
             <a:pPr>
               <a:lnSpc>
@@ -5903,15 +6730,15 @@
               </a:lnSpc>
             </a:pPr>
             <a:r>
-              <a:rPr b="0" lang="en-US" sz="2800" spc="-1" strike="noStrike" cap="all">
-                <a:solidFill>
-                  <a:srgbClr val="ffffff"/>
+              <a:rPr lang="en-US" sz="2800" b="0" strike="noStrike" cap="all" spc="-1">
+                <a:solidFill>
+                  <a:srgbClr val="FFFFFF"/>
                 </a:solidFill>
                 <a:latin typeface="Gill Sans MT"/>
               </a:rPr>
               <a:t>os FIRST Core Values são o guia da equipe</a:t>
             </a:r>
-            <a:endParaRPr b="0" lang="en-US" sz="2800" spc="-1" strike="noStrike">
+            <a:endParaRPr lang="en-US" sz="2800" b="0" strike="noStrike" spc="-1">
               <a:solidFill>
                 <a:srgbClr val="000000"/>
               </a:solidFill>
@@ -5940,7 +6767,8 @@
           </a:ln>
         </p:spPr>
         <p:txBody>
-          <a:bodyPr lIns="90000" rIns="90000" tIns="45000" bIns="45000"/>
+          <a:bodyPr lIns="90000" tIns="45000" rIns="90000" bIns="45000"/>
+          <a:lstStyle/>
           <a:p>
             <a:pPr>
               <a:lnSpc>
@@ -5948,15 +6776,15 @@
               </a:lnSpc>
             </a:pPr>
             <a:fld id="{790592D3-FFBD-41A1-9203-D762AA6713F9}" type="slidenum">
-              <a:rPr b="0" lang="pt-BR" sz="1800" spc="-1" strike="noStrike">
-                <a:solidFill>
-                  <a:srgbClr val="537ed0"/>
-                </a:solidFill>
-                <a:latin typeface="Gill Sans MT"/>
-              </a:rPr>
-              <a:t>1</a:t>
+              <a:rPr lang="pt-BR" sz="1800" b="0" strike="noStrike" spc="-1">
+                <a:solidFill>
+                  <a:srgbClr val="537ED0"/>
+                </a:solidFill>
+                <a:latin typeface="Gill Sans MT"/>
+              </a:rPr>
+              <a:t>3</a:t>
             </a:fld>
-            <a:endParaRPr b="0" lang="pt-BR" sz="1800" spc="-1" strike="noStrike">
+            <a:endParaRPr lang="pt-BR" sz="1800" b="0" strike="noStrike" spc="-1">
               <a:latin typeface="Times New Roman"/>
             </a:endParaRPr>
           </a:p>
@@ -5982,7 +6810,8 @@
           </a:ln>
         </p:spPr>
         <p:txBody>
-          <a:bodyPr lIns="90000" rIns="90000" tIns="45000" bIns="45000"/>
+          <a:bodyPr lIns="90000" tIns="45000" rIns="90000" bIns="45000"/>
+          <a:lstStyle/>
           <a:p>
             <a:pPr>
               <a:lnSpc>
@@ -5990,24 +6819,24 @@
               </a:lnSpc>
             </a:pPr>
             <a:r>
-              <a:rPr b="0" lang="pt-BR" sz="1800" spc="-1" strike="noStrike">
-                <a:solidFill>
-                  <a:srgbClr val="537ed0"/>
+              <a:rPr lang="pt-BR" sz="1800" b="0" strike="noStrike" spc="-1">
+                <a:solidFill>
+                  <a:srgbClr val="537ED0"/>
                 </a:solidFill>
                 <a:latin typeface="Gill Sans MT"/>
               </a:rPr>
               <a:t>Última edição: </a:t>
             </a:r>
             <a:fld id="{D8D0546C-74B7-4A63-9853-8197B2484B18}" type="datetime1">
-              <a:rPr b="0" lang="pt-BR" sz="1800" spc="-1" strike="noStrike">
-                <a:solidFill>
-                  <a:srgbClr val="537ed0"/>
-                </a:solidFill>
-                <a:latin typeface="Gill Sans MT"/>
-              </a:rPr>
-              <a:t>31/08/2018</a:t>
+              <a:rPr lang="pt-BR" sz="1800" b="0" strike="noStrike" spc="-1">
+                <a:solidFill>
+                  <a:srgbClr val="537ED0"/>
+                </a:solidFill>
+                <a:latin typeface="Gill Sans MT"/>
+              </a:rPr>
+              <a:t>01/10/2018</a:t>
             </a:fld>
-            <a:endParaRPr b="0" lang="pt-BR" sz="1800" spc="-1" strike="noStrike">
+            <a:endParaRPr lang="pt-BR" sz="1800" b="0" strike="noStrike" spc="-1">
               <a:latin typeface="Times New Roman"/>
             </a:endParaRPr>
           </a:p>
@@ -6033,7 +6862,8 @@
           </a:ln>
         </p:spPr>
         <p:txBody>
-          <a:bodyPr lIns="90000" rIns="90000" tIns="45000" bIns="45000"/>
+          <a:bodyPr lIns="90000" tIns="45000" rIns="90000" bIns="45000"/>
+          <a:lstStyle/>
           <a:p>
             <a:pPr>
               <a:lnSpc>
@@ -6041,43 +6871,20 @@
               </a:lnSpc>
             </a:pPr>
             <a:r>
-              <a:rPr b="0" lang="pt-BR" sz="1800" spc="-1" strike="noStrike">
-                <a:solidFill>
-                  <a:srgbClr val="537ed0"/>
+              <a:rPr lang="pt-BR" sz="1800" b="0" strike="noStrike" spc="-1">
+                <a:solidFill>
+                  <a:srgbClr val="537ED0"/>
                 </a:solidFill>
                 <a:latin typeface="Gill Sans MT"/>
               </a:rPr>
               <a:t>Copyright 2018, FLL TUTORIALS</a:t>
             </a:r>
-            <a:endParaRPr b="0" lang="pt-BR" sz="1800" spc="-1" strike="noStrike">
+            <a:endParaRPr lang="pt-BR" sz="1800" b="0" strike="noStrike" spc="-1">
               <a:latin typeface="Times New Roman"/>
             </a:endParaRPr>
           </a:p>
         </p:txBody>
       </p:sp>
-      <p:pic>
-        <p:nvPicPr>
-          <p:cNvPr id="109" name="Picture 7" descr=""/>
-          <p:cNvPicPr/>
-          <p:nvPr/>
-        </p:nvPicPr>
-        <p:blipFill>
-          <a:blip r:embed="rId1"/>
-          <a:stretch/>
-        </p:blipFill>
-        <p:spPr>
-          <a:xfrm>
-            <a:off x="2788920" y="1588680"/>
-            <a:ext cx="5900040" cy="4755240"/>
-          </a:xfrm>
-          <a:prstGeom prst="rect">
-            <a:avLst/>
-          </a:prstGeom>
-          <a:ln>
-            <a:noFill/>
-          </a:ln>
-        </p:spPr>
-      </p:pic>
       <p:sp>
         <p:nvSpPr>
           <p:cNvPr id="110" name="CustomShape 5"/>
@@ -6098,13 +6905,20 @@
           </a:ln>
         </p:spPr>
         <p:style>
-          <a:lnRef idx="0"/>
-          <a:fillRef idx="0"/>
-          <a:effectRef idx="0"/>
+          <a:lnRef idx="0">
+            <a:scrgbClr r="0" g="0" b="0"/>
+          </a:lnRef>
+          <a:fillRef idx="0">
+            <a:scrgbClr r="0" g="0" b="0"/>
+          </a:fillRef>
+          <a:effectRef idx="0">
+            <a:scrgbClr r="0" g="0" b="0"/>
+          </a:effectRef>
           <a:fontRef idx="minor"/>
         </p:style>
         <p:txBody>
-          <a:bodyPr lIns="90000" rIns="90000" tIns="45000" bIns="45000"/>
+          <a:bodyPr lIns="90000" tIns="45000" rIns="90000" bIns="45000"/>
+          <a:lstStyle/>
           <a:p>
             <a:pPr marL="285840" indent="-285480">
               <a:lnSpc>
@@ -6117,7 +6931,7 @@
               <a:buChar char=""/>
             </a:pPr>
             <a:r>
-              <a:rPr b="0" lang="pt-BR" sz="1800" spc="-1" strike="noStrike">
+              <a:rPr lang="pt-BR" sz="1800" b="0" strike="noStrike" spc="-1">
                 <a:solidFill>
                   <a:srgbClr val="000000"/>
                 </a:solidFill>
@@ -6125,7 +6939,7 @@
               </a:rPr>
               <a:t>Os Core Values foram atualizados em 2018</a:t>
             </a:r>
-            <a:endParaRPr b="0" lang="pt-BR" sz="1800" spc="-1" strike="noStrike">
+            <a:endParaRPr lang="pt-BR" sz="1800" b="0" strike="noStrike" spc="-1">
               <a:latin typeface="Arial"/>
             </a:endParaRPr>
           </a:p>
@@ -6135,7 +6949,7 @@
                 <a:spcPct val="100000"/>
               </a:lnSpc>
             </a:pPr>
-            <a:endParaRPr b="0" lang="pt-BR" sz="1800" spc="-1" strike="noStrike">
+            <a:endParaRPr lang="pt-BR" sz="1800" b="0" strike="noStrike" spc="-1">
               <a:latin typeface="Arial"/>
             </a:endParaRPr>
           </a:p>
@@ -6151,7 +6965,7 @@
               <a:buChar char=""/>
             </a:pPr>
             <a:r>
-              <a:rPr b="0" lang="pt-BR" sz="1800" spc="-1" strike="noStrike">
+              <a:rPr lang="pt-BR" sz="1800" b="0" strike="noStrike" spc="-1">
                 <a:solidFill>
                   <a:srgbClr val="000000"/>
                 </a:solidFill>
@@ -6159,30 +6973,69 @@
               </a:rPr>
               <a:t>Esses Core Values são consistentes através todos os quato programas da FIRST</a:t>
             </a:r>
-            <a:endParaRPr b="0" lang="pt-BR" sz="1800" spc="-1" strike="noStrike">
+            <a:endParaRPr lang="pt-BR" sz="1800" b="0" strike="noStrike" spc="-1">
               <a:latin typeface="Arial"/>
             </a:endParaRPr>
           </a:p>
         </p:txBody>
       </p:sp>
+      <p:pic>
+        <p:nvPicPr>
+          <p:cNvPr id="3" name="Picture 2">
+            <a:extLst>
+              <a:ext uri="{FF2B5EF4-FFF2-40B4-BE49-F238E27FC236}">
+                <a16:creationId xmlns:a16="http://schemas.microsoft.com/office/drawing/2014/main" id="{CCF3AC1B-260A-0B48-9949-17776474905E}"/>
+              </a:ext>
+            </a:extLst>
+          </p:cNvPr>
+          <p:cNvPicPr>
+            <a:picLocks noChangeAspect="1"/>
+          </p:cNvPicPr>
+          <p:nvPr/>
+        </p:nvPicPr>
+        <p:blipFill>
+          <a:blip r:embed="rId2">
+            <a:extLst>
+              <a:ext uri="{28A0092B-C50C-407E-A947-70E740481C1C}">
+                <a14:useLocalDpi xmlns:a14="http://schemas.microsoft.com/office/drawing/2010/main" val="0"/>
+              </a:ext>
+            </a:extLst>
+          </a:blip>
+          <a:stretch>
+            <a:fillRect/>
+          </a:stretch>
+        </p:blipFill>
+        <p:spPr>
+          <a:xfrm>
+            <a:off x="2917633" y="1635087"/>
+            <a:ext cx="5901597" cy="4752753"/>
+          </a:xfrm>
+          <a:prstGeom prst="rect">
+            <a:avLst/>
+          </a:prstGeom>
+        </p:spPr>
+      </p:pic>
     </p:spTree>
   </p:cSld>
+  <p:clrMapOvr>
+    <a:masterClrMapping/>
+  </p:clrMapOvr>
   <p:timing>
     <p:tnLst>
       <p:par>
-        <p:cTn id="5" dur="indefinite" restart="never" nodeType="tmRoot">
+        <p:cTn id="1" dur="indefinite" restart="never" nodeType="tmRoot">
           <p:childTnLst>
             <p:seq>
-              <p:cTn id="6" dur="indefinite" nodeType="mainSeq"/>
+              <p:cTn id="2" dur="indefinite" nodeType="mainSeq"/>
               <p:prevCondLst>
-                <p:cond delay="0" evt="onPrev">
+                <p:cond evt="onPrev" delay="0">
                   <p:tgtEl>
                     <p:sldTgt/>
                   </p:tgtEl>
                 </p:cond>
               </p:prevCondLst>
               <p:nextCondLst>
-                <p:cond delay="0" evt="onNext">
+                <p:cond evt="onNext" delay="0">
                   <p:tgtEl>
                     <p:sldTgt/>
                   </p:tgtEl>
@@ -6198,7 +7051,7 @@
 </file>
 
 <file path=ppt/slides/slide4.xml><?xml version="1.0" encoding="utf-8"?>
-<p:sld xmlns:a="http://schemas.openxmlformats.org/drawingml/2006/main" xmlns:p="http://schemas.openxmlformats.org/presentationml/2006/main" xmlns:r="http://schemas.openxmlformats.org/officeDocument/2006/relationships" xmlns:p14="http://schemas.microsoft.com/office/powerpoint/2010/main" xmlns:p15="http://schemas.microsoft.com/office/powerpoint/2012/main" xmlns:mc="http://schemas.openxmlformats.org/markup-compatibility/2006">
+<p:sld xmlns:a="http://schemas.openxmlformats.org/drawingml/2006/main" xmlns:r="http://schemas.openxmlformats.org/officeDocument/2006/relationships" xmlns:p="http://schemas.openxmlformats.org/presentationml/2006/main">
   <p:cSld>
     <p:spTree>
       <p:nvGrpSpPr>
@@ -6235,6 +7088,7 @@
         </p:spPr>
         <p:txBody>
           <a:bodyPr anchor="b"/>
+          <a:lstStyle/>
           <a:p>
             <a:pPr>
               <a:lnSpc>
@@ -6242,15 +7096,15 @@
               </a:lnSpc>
             </a:pPr>
             <a:r>
-              <a:rPr b="0" lang="en-US" sz="2800" spc="-1" strike="noStrike" cap="all">
-                <a:solidFill>
-                  <a:srgbClr val="ffffff"/>
+              <a:rPr lang="en-US" sz="2800" b="0" strike="noStrike" cap="all" spc="-1">
+                <a:solidFill>
+                  <a:srgbClr val="FFFFFF"/>
                 </a:solidFill>
                 <a:latin typeface="Gill Sans MT"/>
               </a:rPr>
               <a:t>Gracious professionalism</a:t>
             </a:r>
-            <a:endParaRPr b="0" lang="en-US" sz="2800" spc="-1" strike="noStrike">
+            <a:endParaRPr lang="en-US" sz="2800" b="0" strike="noStrike" spc="-1">
               <a:solidFill>
                 <a:srgbClr val="000000"/>
               </a:solidFill>
@@ -6280,6 +7134,7 @@
         </p:spPr>
         <p:txBody>
           <a:bodyPr/>
+          <a:lstStyle/>
           <a:p>
             <a:pPr algn="ctr">
               <a:lnSpc>
@@ -6293,29 +7148,14 @@
               </a:spcAft>
             </a:pPr>
             <a:r>
-              <a:rPr b="0" lang="en-US" sz="3200" spc="-1" strike="noStrike">
-                <a:solidFill>
-                  <a:srgbClr val="3d3d3d"/>
-                </a:solidFill>
-                <a:latin typeface="Gill Sans MT"/>
-              </a:rPr>
-              <a:t>“</a:t>
-            </a:r>
-            <a:r>
-              <a:rPr b="0" lang="en-US" sz="3200" spc="-1" strike="noStrike">
-                <a:solidFill>
-                  <a:srgbClr val="3d3d3d"/>
-                </a:solidFill>
-                <a:latin typeface="Gill Sans MT"/>
-              </a:rPr>
-              <a:t>Aprendam e compitam como loucos, mas tratem uns aos outros com respeito e gentileza” </a:t>
-            </a:r>
-            <a:endParaRPr b="0" lang="en-US" sz="3200" spc="-1" strike="noStrike">
-              <a:solidFill>
-                <a:srgbClr val="3d3d3d"/>
-              </a:solidFill>
-              <a:latin typeface="Gill Sans MT"/>
-            </a:endParaRPr>
+              <a:rPr lang="en-US" sz="3200" b="0" strike="noStrike" spc="-1">
+                <a:solidFill>
+                  <a:srgbClr val="3D3D3D"/>
+                </a:solidFill>
+                <a:latin typeface="Gill Sans MT"/>
+              </a:rPr>
+              <a:t>“Aprendam e compitam como loucos, mas tratem uns aos outros com respeito e gentileza” </a:t>
+            </a:r>
           </a:p>
           <a:p>
             <a:pPr algn="ctr">
@@ -6330,20 +7170,14 @@
               </a:spcAft>
             </a:pPr>
             <a:r>
-              <a:rPr b="0" lang="en-US" sz="1400" spc="-1" strike="noStrike">
-                <a:solidFill>
-                  <a:srgbClr val="3d3d3d"/>
+              <a:rPr lang="en-US" sz="1400" b="0" strike="noStrike" spc="-1">
+                <a:solidFill>
+                  <a:srgbClr val="3D3D3D"/>
                 </a:solidFill>
                 <a:latin typeface="Gill Sans MT"/>
               </a:rPr>
               <a:t>Dr. Woodie Flowers,  FIRST Distinguished Advisor</a:t>
             </a:r>
-            <a:endParaRPr b="0" lang="en-US" sz="1400" spc="-1" strike="noStrike">
-              <a:solidFill>
-                <a:srgbClr val="3d3d3d"/>
-              </a:solidFill>
-              <a:latin typeface="Gill Sans MT"/>
-            </a:endParaRPr>
           </a:p>
         </p:txBody>
       </p:sp>
@@ -6367,7 +7201,8 @@
           </a:ln>
         </p:spPr>
         <p:txBody>
-          <a:bodyPr lIns="90000" rIns="90000" tIns="45000" bIns="45000"/>
+          <a:bodyPr lIns="90000" tIns="45000" rIns="90000" bIns="45000"/>
+          <a:lstStyle/>
           <a:p>
             <a:pPr>
               <a:lnSpc>
@@ -6375,24 +7210,24 @@
               </a:lnSpc>
             </a:pPr>
             <a:r>
-              <a:rPr b="0" lang="pt-BR" sz="1800" spc="-1" strike="noStrike">
-                <a:solidFill>
-                  <a:srgbClr val="537ed0"/>
+              <a:rPr lang="pt-BR" sz="1800" b="0" strike="noStrike" spc="-1">
+                <a:solidFill>
+                  <a:srgbClr val="537ED0"/>
                 </a:solidFill>
                 <a:latin typeface="Gill Sans MT"/>
               </a:rPr>
               <a:t>Última edição: </a:t>
             </a:r>
             <a:fld id="{690CCDA8-6C06-4281-805E-36EF3BDD017D}" type="datetime1">
-              <a:rPr b="0" lang="pt-BR" sz="1800" spc="-1" strike="noStrike">
-                <a:solidFill>
-                  <a:srgbClr val="537ed0"/>
-                </a:solidFill>
-                <a:latin typeface="Gill Sans MT"/>
-              </a:rPr>
-              <a:t>31/08/2018</a:t>
+              <a:rPr lang="pt-BR" sz="1800" b="0" strike="noStrike" spc="-1">
+                <a:solidFill>
+                  <a:srgbClr val="537ED0"/>
+                </a:solidFill>
+                <a:latin typeface="Gill Sans MT"/>
+              </a:rPr>
+              <a:t>01/10/2018</a:t>
             </a:fld>
-            <a:endParaRPr b="0" lang="pt-BR" sz="1800" spc="-1" strike="noStrike">
+            <a:endParaRPr lang="pt-BR" sz="1800" b="0" strike="noStrike" spc="-1">
               <a:latin typeface="Times New Roman"/>
             </a:endParaRPr>
           </a:p>
@@ -6418,7 +7253,8 @@
           </a:ln>
         </p:spPr>
         <p:txBody>
-          <a:bodyPr lIns="90000" rIns="90000" tIns="45000" bIns="45000"/>
+          <a:bodyPr lIns="90000" tIns="45000" rIns="90000" bIns="45000"/>
+          <a:lstStyle/>
           <a:p>
             <a:pPr>
               <a:lnSpc>
@@ -6426,15 +7262,15 @@
               </a:lnSpc>
             </a:pPr>
             <a:r>
-              <a:rPr b="0" lang="pt-BR" sz="1800" spc="-1" strike="noStrike">
-                <a:solidFill>
-                  <a:srgbClr val="537ed0"/>
+              <a:rPr lang="pt-BR" sz="1800" b="0" strike="noStrike" spc="-1">
+                <a:solidFill>
+                  <a:srgbClr val="537ED0"/>
                 </a:solidFill>
                 <a:latin typeface="Gill Sans MT"/>
               </a:rPr>
               <a:t>Copyright 2018, FLL TUTORIALS</a:t>
             </a:r>
-            <a:endParaRPr b="0" lang="pt-BR" sz="1800" spc="-1" strike="noStrike">
+            <a:endParaRPr lang="pt-BR" sz="1800" b="0" strike="noStrike" spc="-1">
               <a:latin typeface="Times New Roman"/>
             </a:endParaRPr>
           </a:p>
@@ -6460,7 +7296,8 @@
           </a:ln>
         </p:spPr>
         <p:txBody>
-          <a:bodyPr lIns="90000" rIns="90000" tIns="45000" bIns="45000"/>
+          <a:bodyPr lIns="90000" tIns="45000" rIns="90000" bIns="45000"/>
+          <a:lstStyle/>
           <a:p>
             <a:pPr>
               <a:lnSpc>
@@ -6468,15 +7305,15 @@
               </a:lnSpc>
             </a:pPr>
             <a:fld id="{7022F1D9-50A8-4C73-8681-750A953D0947}" type="slidenum">
-              <a:rPr b="0" lang="pt-BR" sz="1800" spc="-1" strike="noStrike">
-                <a:solidFill>
-                  <a:srgbClr val="537ed0"/>
-                </a:solidFill>
-                <a:latin typeface="Gill Sans MT"/>
-              </a:rPr>
-              <a:t>1</a:t>
+              <a:rPr lang="pt-BR" sz="1800" b="0" strike="noStrike" spc="-1">
+                <a:solidFill>
+                  <a:srgbClr val="537ED0"/>
+                </a:solidFill>
+                <a:latin typeface="Gill Sans MT"/>
+              </a:rPr>
+              <a:t>4</a:t>
             </a:fld>
-            <a:endParaRPr b="0" lang="pt-BR" sz="1800" spc="-1" strike="noStrike">
+            <a:endParaRPr lang="pt-BR" sz="1800" b="0" strike="noStrike" spc="-1">
               <a:latin typeface="Times New Roman"/>
             </a:endParaRPr>
           </a:p>
@@ -6484,12 +7321,12 @@
       </p:sp>
       <p:pic>
         <p:nvPicPr>
-          <p:cNvPr id="116" name="Picture 7" descr=""/>
+          <p:cNvPr id="116" name="Picture 7"/>
           <p:cNvPicPr/>
           <p:nvPr/>
         </p:nvPicPr>
         <p:blipFill>
-          <a:blip r:embed="rId1"/>
+          <a:blip r:embed="rId2"/>
           <a:stretch/>
         </p:blipFill>
         <p:spPr>
@@ -6507,22 +7344,25 @@
       </p:pic>
     </p:spTree>
   </p:cSld>
+  <p:clrMapOvr>
+    <a:masterClrMapping/>
+  </p:clrMapOvr>
   <p:timing>
     <p:tnLst>
       <p:par>
-        <p:cTn id="7" dur="indefinite" restart="never" nodeType="tmRoot">
+        <p:cTn id="1" dur="indefinite" restart="never" nodeType="tmRoot">
           <p:childTnLst>
             <p:seq>
-              <p:cTn id="8" dur="indefinite" nodeType="mainSeq"/>
+              <p:cTn id="2" dur="indefinite" nodeType="mainSeq"/>
               <p:prevCondLst>
-                <p:cond delay="0" evt="onPrev">
+                <p:cond evt="onPrev" delay="0">
                   <p:tgtEl>
                     <p:sldTgt/>
                   </p:tgtEl>
                 </p:cond>
               </p:prevCondLst>
               <p:nextCondLst>
-                <p:cond delay="0" evt="onNext">
+                <p:cond evt="onNext" delay="0">
                   <p:tgtEl>
                     <p:sldTgt/>
                   </p:tgtEl>
@@ -6538,7 +7378,7 @@
 </file>
 
 <file path=ppt/slides/slide5.xml><?xml version="1.0" encoding="utf-8"?>
-<p:sld xmlns:a="http://schemas.openxmlformats.org/drawingml/2006/main" xmlns:p="http://schemas.openxmlformats.org/presentationml/2006/main" xmlns:r="http://schemas.openxmlformats.org/officeDocument/2006/relationships" xmlns:p14="http://schemas.microsoft.com/office/powerpoint/2010/main" xmlns:p15="http://schemas.microsoft.com/office/powerpoint/2012/main" xmlns:mc="http://schemas.openxmlformats.org/markup-compatibility/2006">
+<p:sld xmlns:a="http://schemas.openxmlformats.org/drawingml/2006/main" xmlns:r="http://schemas.openxmlformats.org/officeDocument/2006/relationships" xmlns:p="http://schemas.openxmlformats.org/presentationml/2006/main">
   <p:cSld>
     <p:spTree>
       <p:nvGrpSpPr>
@@ -6575,6 +7415,7 @@
         </p:spPr>
         <p:txBody>
           <a:bodyPr anchor="b"/>
+          <a:lstStyle/>
           <a:p>
             <a:pPr>
               <a:lnSpc>
@@ -6582,15 +7423,15 @@
               </a:lnSpc>
             </a:pPr>
             <a:r>
-              <a:rPr b="0" lang="en-US" sz="2800" spc="-1" strike="noStrike" cap="all">
-                <a:solidFill>
-                  <a:srgbClr val="ffffff"/>
+              <a:rPr lang="en-US" sz="2800" b="0" strike="noStrike" cap="all" spc="-1">
+                <a:solidFill>
+                  <a:srgbClr val="FFFFFF"/>
                 </a:solidFill>
                 <a:latin typeface="Gill Sans MT"/>
               </a:rPr>
               <a:t>Coopertition</a:t>
             </a:r>
-            <a:endParaRPr b="0" lang="en-US" sz="2800" spc="-1" strike="noStrike">
+            <a:endParaRPr lang="en-US" sz="2800" b="0" strike="noStrike" spc="-1">
               <a:solidFill>
                 <a:srgbClr val="000000"/>
               </a:solidFill>
@@ -6622,6 +7463,7 @@
           <a:bodyPr>
             <a:normAutofit/>
           </a:bodyPr>
+          <a:lstStyle/>
           <a:p>
             <a:pPr algn="ctr">
               <a:lnSpc>
@@ -6635,7 +7477,7 @@
               </a:spcAft>
             </a:pPr>
             <a:r>
-              <a:rPr b="0" lang="en-US" sz="3600" spc="-1" strike="noStrike">
+              <a:rPr lang="en-US" sz="3600" b="0" strike="noStrike" spc="-1">
                 <a:solidFill>
                   <a:srgbClr val="000000"/>
                 </a:solidFill>
@@ -6644,26 +7486,17 @@
               <a:t> </a:t>
             </a:r>
             <a:r>
-              <a:rPr b="0" lang="en-US" sz="3200" spc="-1" strike="noStrike">
+              <a:rPr lang="en-US" sz="3200" b="0" strike="noStrike" spc="-1">
                 <a:solidFill>
                   <a:srgbClr val="000000"/>
                 </a:solidFill>
                 <a:latin typeface="Gill Sans MT"/>
               </a:rPr>
-              <a:t> “</a:t>
-            </a:r>
-            <a:r>
-              <a:rPr b="0" lang="en-US" sz="3200" spc="-1" strike="noStrike">
-                <a:solidFill>
-                  <a:srgbClr val="000000"/>
-                </a:solidFill>
-                <a:latin typeface="Gill Sans MT"/>
-              </a:rPr>
-              <a:t>Equipes podem e devem ajudar e cooperar entre si, assim como competem”</a:t>
-            </a:r>
-            <a:endParaRPr b="0" lang="en-US" sz="3200" spc="-1" strike="noStrike">
+              <a:t> “Equipes podem e devem ajudar e cooperar entre si, assim como competem”</a:t>
+            </a:r>
+            <a:endParaRPr lang="en-US" sz="3200" b="0" strike="noStrike" spc="-1">
               <a:solidFill>
-                <a:srgbClr val="3d3d3d"/>
+                <a:srgbClr val="3D3D3D"/>
               </a:solidFill>
               <a:latin typeface="Gill Sans MT"/>
             </a:endParaRPr>
@@ -6681,7 +7514,7 @@
               </a:spcAft>
             </a:pPr>
             <a:r>
-              <a:rPr b="0" lang="en-US" sz="1400" spc="-1" strike="noStrike">
+              <a:rPr lang="en-US" sz="1400" b="0" strike="noStrike" spc="-1">
                 <a:solidFill>
                   <a:srgbClr val="000000"/>
                 </a:solidFill>
@@ -6689,9 +7522,9 @@
               </a:rPr>
               <a:t>Dr. Woodie Flowers, FIRST Distinguished Advisor</a:t>
             </a:r>
-            <a:endParaRPr b="0" lang="en-US" sz="1400" spc="-1" strike="noStrike">
+            <a:endParaRPr lang="en-US" sz="1400" b="0" strike="noStrike" spc="-1">
               <a:solidFill>
-                <a:srgbClr val="3d3d3d"/>
+                <a:srgbClr val="3D3D3D"/>
               </a:solidFill>
               <a:latin typeface="Gill Sans MT"/>
             </a:endParaRPr>
@@ -6718,7 +7551,8 @@
           </a:ln>
         </p:spPr>
         <p:txBody>
-          <a:bodyPr lIns="90000" rIns="90000" tIns="45000" bIns="45000"/>
+          <a:bodyPr lIns="90000" tIns="45000" rIns="90000" bIns="45000"/>
+          <a:lstStyle/>
           <a:p>
             <a:pPr>
               <a:lnSpc>
@@ -6726,24 +7560,24 @@
               </a:lnSpc>
             </a:pPr>
             <a:r>
-              <a:rPr b="0" lang="pt-BR" sz="1800" spc="-1" strike="noStrike">
-                <a:solidFill>
-                  <a:srgbClr val="537ed0"/>
+              <a:rPr lang="pt-BR" sz="1800" b="0" strike="noStrike" spc="-1">
+                <a:solidFill>
+                  <a:srgbClr val="537ED0"/>
                 </a:solidFill>
                 <a:latin typeface="Gill Sans MT"/>
               </a:rPr>
               <a:t>Última edição: </a:t>
             </a:r>
             <a:fld id="{E8394549-85AE-4BE1-B427-1563E85F1474}" type="datetime1">
-              <a:rPr b="0" lang="pt-BR" sz="1800" spc="-1" strike="noStrike">
-                <a:solidFill>
-                  <a:srgbClr val="537ed0"/>
-                </a:solidFill>
-                <a:latin typeface="Gill Sans MT"/>
-              </a:rPr>
-              <a:t>31/08/2018</a:t>
+              <a:rPr lang="pt-BR" sz="1800" b="0" strike="noStrike" spc="-1">
+                <a:solidFill>
+                  <a:srgbClr val="537ED0"/>
+                </a:solidFill>
+                <a:latin typeface="Gill Sans MT"/>
+              </a:rPr>
+              <a:t>01/10/2018</a:t>
             </a:fld>
-            <a:endParaRPr b="0" lang="pt-BR" sz="1800" spc="-1" strike="noStrike">
+            <a:endParaRPr lang="pt-BR" sz="1800" b="0" strike="noStrike" spc="-1">
               <a:latin typeface="Times New Roman"/>
             </a:endParaRPr>
           </a:p>
@@ -6769,7 +7603,8 @@
           </a:ln>
         </p:spPr>
         <p:txBody>
-          <a:bodyPr lIns="90000" rIns="90000" tIns="45000" bIns="45000"/>
+          <a:bodyPr lIns="90000" tIns="45000" rIns="90000" bIns="45000"/>
+          <a:lstStyle/>
           <a:p>
             <a:pPr>
               <a:lnSpc>
@@ -6777,15 +7612,15 @@
               </a:lnSpc>
             </a:pPr>
             <a:r>
-              <a:rPr b="0" lang="pt-BR" sz="1800" spc="-1" strike="noStrike">
-                <a:solidFill>
-                  <a:srgbClr val="537ed0"/>
+              <a:rPr lang="pt-BR" sz="1800" b="0" strike="noStrike" spc="-1">
+                <a:solidFill>
+                  <a:srgbClr val="537ED0"/>
                 </a:solidFill>
                 <a:latin typeface="Gill Sans MT"/>
               </a:rPr>
               <a:t>Copyright 2018, FLL TUTORIALS</a:t>
             </a:r>
-            <a:endParaRPr b="0" lang="pt-BR" sz="1800" spc="-1" strike="noStrike">
+            <a:endParaRPr lang="pt-BR" sz="1800" b="0" strike="noStrike" spc="-1">
               <a:latin typeface="Times New Roman"/>
             </a:endParaRPr>
           </a:p>
@@ -6811,7 +7646,8 @@
           </a:ln>
         </p:spPr>
         <p:txBody>
-          <a:bodyPr lIns="90000" rIns="90000" tIns="45000" bIns="45000"/>
+          <a:bodyPr lIns="90000" tIns="45000" rIns="90000" bIns="45000"/>
+          <a:lstStyle/>
           <a:p>
             <a:pPr>
               <a:lnSpc>
@@ -6819,15 +7655,15 @@
               </a:lnSpc>
             </a:pPr>
             <a:fld id="{237653DE-F3D8-4C50-A4D0-EF84B73088AF}" type="slidenum">
-              <a:rPr b="0" lang="pt-BR" sz="1800" spc="-1" strike="noStrike">
-                <a:solidFill>
-                  <a:srgbClr val="537ed0"/>
-                </a:solidFill>
-                <a:latin typeface="Gill Sans MT"/>
-              </a:rPr>
-              <a:t>1</a:t>
+              <a:rPr lang="pt-BR" sz="1800" b="0" strike="noStrike" spc="-1">
+                <a:solidFill>
+                  <a:srgbClr val="537ED0"/>
+                </a:solidFill>
+                <a:latin typeface="Gill Sans MT"/>
+              </a:rPr>
+              <a:t>5</a:t>
             </a:fld>
-            <a:endParaRPr b="0" lang="pt-BR" sz="1800" spc="-1" strike="noStrike">
+            <a:endParaRPr lang="pt-BR" sz="1800" b="0" strike="noStrike" spc="-1">
               <a:latin typeface="Times New Roman"/>
             </a:endParaRPr>
           </a:p>
@@ -6835,12 +7671,12 @@
       </p:sp>
       <p:pic>
         <p:nvPicPr>
-          <p:cNvPr id="122" name="Picture 7" descr=""/>
+          <p:cNvPr id="122" name="Picture 7"/>
           <p:cNvPicPr/>
           <p:nvPr/>
         </p:nvPicPr>
         <p:blipFill>
-          <a:blip r:embed="rId1"/>
+          <a:blip r:embed="rId2"/>
           <a:stretch/>
         </p:blipFill>
         <p:spPr>
@@ -6858,22 +7694,25 @@
       </p:pic>
     </p:spTree>
   </p:cSld>
+  <p:clrMapOvr>
+    <a:masterClrMapping/>
+  </p:clrMapOvr>
   <p:timing>
     <p:tnLst>
       <p:par>
-        <p:cTn id="9" dur="indefinite" restart="never" nodeType="tmRoot">
+        <p:cTn id="1" dur="indefinite" restart="never" nodeType="tmRoot">
           <p:childTnLst>
             <p:seq>
-              <p:cTn id="10" dur="indefinite" nodeType="mainSeq"/>
+              <p:cTn id="2" dur="indefinite" nodeType="mainSeq"/>
               <p:prevCondLst>
-                <p:cond delay="0" evt="onPrev">
+                <p:cond evt="onPrev" delay="0">
                   <p:tgtEl>
                     <p:sldTgt/>
                   </p:tgtEl>
                 </p:cond>
               </p:prevCondLst>
               <p:nextCondLst>
-                <p:cond delay="0" evt="onNext">
+                <p:cond evt="onNext" delay="0">
                   <p:tgtEl>
                     <p:sldTgt/>
                   </p:tgtEl>
@@ -6889,7 +7728,7 @@
 </file>
 
 <file path=ppt/slides/slide6.xml><?xml version="1.0" encoding="utf-8"?>
-<p:sld xmlns:a="http://schemas.openxmlformats.org/drawingml/2006/main" xmlns:p="http://schemas.openxmlformats.org/presentationml/2006/main" xmlns:r="http://schemas.openxmlformats.org/officeDocument/2006/relationships" xmlns:p14="http://schemas.microsoft.com/office/powerpoint/2010/main" xmlns:p15="http://schemas.microsoft.com/office/powerpoint/2012/main" xmlns:mc="http://schemas.openxmlformats.org/markup-compatibility/2006">
+<p:sld xmlns:a="http://schemas.openxmlformats.org/drawingml/2006/main" xmlns:r="http://schemas.openxmlformats.org/officeDocument/2006/relationships" xmlns:p="http://schemas.openxmlformats.org/presentationml/2006/main">
   <p:cSld>
     <p:spTree>
       <p:nvGrpSpPr>
@@ -6926,6 +7765,7 @@
         </p:spPr>
         <p:txBody>
           <a:bodyPr anchor="b"/>
+          <a:lstStyle/>
           <a:p>
             <a:pPr>
               <a:lnSpc>
@@ -6933,15 +7773,15 @@
               </a:lnSpc>
             </a:pPr>
             <a:r>
-              <a:rPr b="0" lang="en-US" sz="2800" spc="-1" strike="noStrike" cap="all">
-                <a:solidFill>
-                  <a:srgbClr val="ffffff"/>
+              <a:rPr lang="en-US" sz="2800" b="0" strike="noStrike" cap="all" spc="-1">
+                <a:solidFill>
+                  <a:srgbClr val="FFFFFF"/>
                 </a:solidFill>
                 <a:latin typeface="Gill Sans MT"/>
               </a:rPr>
               <a:t>TERMoS UsaDos na rubrica de CORE VALUES</a:t>
             </a:r>
-            <a:endParaRPr b="0" lang="en-US" sz="2800" spc="-1" strike="noStrike">
+            <a:endParaRPr lang="en-US" sz="2800" b="0" strike="noStrike" spc="-1">
               <a:solidFill>
                 <a:srgbClr val="000000"/>
               </a:solidFill>
@@ -6971,8 +7811,9 @@
         </p:spPr>
         <p:txBody>
           <a:bodyPr>
-            <a:normAutofit/>
+            <a:noAutofit/>
           </a:bodyPr>
+          <a:lstStyle/>
           <a:p>
             <a:pPr marL="306000" indent="-305640">
               <a:lnSpc>
@@ -6982,25 +7823,155 @@
                 <a:spcPts val="601"/>
               </a:spcAft>
               <a:buClr>
-                <a:srgbClr val="9e3611"/>
+                <a:srgbClr val="9E3611"/>
               </a:buClr>
               <a:buSzPct val="92000"/>
               <a:buFont typeface="Noto Sans Symbols"/>
               <a:buChar char="▪"/>
             </a:pPr>
             <a:r>
-              <a:rPr b="0" lang="en-US" sz="2000" spc="-1" strike="noStrike">
+              <a:rPr lang="en-US" sz="1400" b="0" strike="noStrike" spc="-1" dirty="0" err="1">
                 <a:solidFill>
                   <a:srgbClr val="000000"/>
                 </a:solidFill>
                 <a:latin typeface="Gill Sans MT"/>
                 <a:ea typeface="Rockwell"/>
               </a:rPr>
-              <a:t>Observem atentamente as rubricas e entendam o significado de cada termo:</a:t>
-            </a:r>
-            <a:endParaRPr b="0" lang="en-US" sz="2000" spc="-1" strike="noStrike">
+              <a:t>Observem</a:t>
+            </a:r>
+            <a:r>
+              <a:rPr lang="en-US" sz="1400" b="0" strike="noStrike" spc="-1" dirty="0">
+                <a:solidFill>
+                  <a:srgbClr val="000000"/>
+                </a:solidFill>
+                <a:latin typeface="Gill Sans MT"/>
+                <a:ea typeface="Rockwell"/>
+              </a:rPr>
+              <a:t> </a:t>
+            </a:r>
+            <a:r>
+              <a:rPr lang="en-US" sz="1400" b="0" strike="noStrike" spc="-1" dirty="0" err="1">
+                <a:solidFill>
+                  <a:srgbClr val="000000"/>
+                </a:solidFill>
+                <a:latin typeface="Gill Sans MT"/>
+                <a:ea typeface="Rockwell"/>
+              </a:rPr>
+              <a:t>atentamente</a:t>
+            </a:r>
+            <a:r>
+              <a:rPr lang="en-US" sz="1400" b="0" strike="noStrike" spc="-1" dirty="0">
+                <a:solidFill>
+                  <a:srgbClr val="000000"/>
+                </a:solidFill>
+                <a:latin typeface="Gill Sans MT"/>
+                <a:ea typeface="Rockwell"/>
+              </a:rPr>
+              <a:t> as </a:t>
+            </a:r>
+            <a:r>
+              <a:rPr lang="en-US" sz="1400" b="0" strike="noStrike" spc="-1" dirty="0" err="1">
+                <a:solidFill>
+                  <a:srgbClr val="000000"/>
+                </a:solidFill>
+                <a:latin typeface="Gill Sans MT"/>
+                <a:ea typeface="Rockwell"/>
+              </a:rPr>
+              <a:t>rubricas</a:t>
+            </a:r>
+            <a:r>
+              <a:rPr lang="en-US" sz="1400" b="0" strike="noStrike" spc="-1" dirty="0">
+                <a:solidFill>
+                  <a:srgbClr val="000000"/>
+                </a:solidFill>
+                <a:latin typeface="Gill Sans MT"/>
+                <a:ea typeface="Rockwell"/>
+              </a:rPr>
+              <a:t> e </a:t>
+            </a:r>
+            <a:r>
+              <a:rPr lang="en-US" sz="1400" b="0" strike="noStrike" spc="-1" dirty="0" err="1">
+                <a:solidFill>
+                  <a:srgbClr val="000000"/>
+                </a:solidFill>
+                <a:latin typeface="Gill Sans MT"/>
+                <a:ea typeface="Rockwell"/>
+              </a:rPr>
+              <a:t>entendam</a:t>
+            </a:r>
+            <a:r>
+              <a:rPr lang="en-US" sz="1400" b="0" strike="noStrike" spc="-1" dirty="0">
+                <a:solidFill>
+                  <a:srgbClr val="000000"/>
+                </a:solidFill>
+                <a:latin typeface="Gill Sans MT"/>
+                <a:ea typeface="Rockwell"/>
+              </a:rPr>
+              <a:t> o </a:t>
+            </a:r>
+            <a:r>
+              <a:rPr lang="en-US" sz="1400" b="0" strike="noStrike" spc="-1" dirty="0" err="1">
+                <a:solidFill>
+                  <a:srgbClr val="000000"/>
+                </a:solidFill>
+                <a:latin typeface="Gill Sans MT"/>
+                <a:ea typeface="Rockwell"/>
+              </a:rPr>
+              <a:t>significado</a:t>
+            </a:r>
+            <a:r>
+              <a:rPr lang="en-US" sz="1400" b="0" strike="noStrike" spc="-1" dirty="0">
+                <a:solidFill>
+                  <a:srgbClr val="000000"/>
+                </a:solidFill>
+                <a:latin typeface="Gill Sans MT"/>
+                <a:ea typeface="Rockwell"/>
+              </a:rPr>
+              <a:t> de </a:t>
+            </a:r>
+            <a:r>
+              <a:rPr lang="en-US" sz="1400" b="0" strike="noStrike" spc="-1" dirty="0" err="1">
+                <a:solidFill>
+                  <a:srgbClr val="000000"/>
+                </a:solidFill>
+                <a:latin typeface="Gill Sans MT"/>
+                <a:ea typeface="Rockwell"/>
+              </a:rPr>
+              <a:t>cada</a:t>
+            </a:r>
+            <a:r>
+              <a:rPr lang="en-US" sz="1400" b="0" strike="noStrike" spc="-1" dirty="0">
+                <a:solidFill>
+                  <a:srgbClr val="000000"/>
+                </a:solidFill>
+                <a:latin typeface="Gill Sans MT"/>
+                <a:ea typeface="Rockwell"/>
+              </a:rPr>
+              <a:t> </a:t>
+            </a:r>
+            <a:r>
+              <a:rPr lang="en-US" sz="1400" b="0" strike="noStrike" spc="-1" dirty="0" err="1">
+                <a:solidFill>
+                  <a:srgbClr val="000000"/>
+                </a:solidFill>
+                <a:latin typeface="Gill Sans MT"/>
+                <a:ea typeface="Rockwell"/>
+              </a:rPr>
+              <a:t>termo</a:t>
+            </a:r>
+            <a:r>
+              <a:rPr lang="en-US" sz="1400" b="0" strike="noStrike" spc="-1" dirty="0">
+                <a:solidFill>
+                  <a:srgbClr val="000000"/>
+                </a:solidFill>
+                <a:latin typeface="Gill Sans MT"/>
+                <a:ea typeface="Rockwell"/>
+              </a:rPr>
+              <a:t>:</a:t>
+            </a:r>
+            <a:endParaRPr lang="en-US" sz="1400" b="0" strike="noStrike" spc="-1" dirty="0">
               <a:solidFill>
-                <a:srgbClr val="3d3d3d"/>
+                <a:srgbClr val="3D3D3D"/>
               </a:solidFill>
               <a:latin typeface="Gill Sans MT"/>
             </a:endParaRPr>
@@ -7014,9 +7985,9 @@
                 <a:spcPts val="601"/>
               </a:spcAft>
             </a:pPr>
-            <a:endParaRPr b="0" lang="en-US" sz="2000" spc="-1" strike="noStrike">
+            <a:endParaRPr lang="en-US" sz="1400" b="0" strike="noStrike" spc="-1" dirty="0">
               <a:solidFill>
-                <a:srgbClr val="3d3d3d"/>
+                <a:srgbClr val="3D3D3D"/>
               </a:solidFill>
               <a:latin typeface="Gill Sans MT"/>
             </a:endParaRPr>
@@ -7030,35 +8001,125 @@
                 <a:spcPts val="601"/>
               </a:spcAft>
               <a:buClr>
-                <a:srgbClr val="9e3611"/>
+                <a:srgbClr val="9E3611"/>
               </a:buClr>
               <a:buSzPct val="92000"/>
               <a:buFont typeface="Noto Sans Symbols"/>
               <a:buChar char="▪"/>
             </a:pPr>
             <a:r>
-              <a:rPr b="0" lang="en-US" sz="2000" spc="-1" strike="noStrike">
-                <a:solidFill>
-                  <a:srgbClr val="ff0000"/>
+              <a:rPr lang="en-US" sz="1400" b="0" strike="noStrike" spc="-1" dirty="0" err="1">
+                <a:solidFill>
+                  <a:srgbClr val="FF0000"/>
                 </a:solidFill>
                 <a:latin typeface="Gill Sans MT"/>
                 <a:ea typeface="Rockwell"/>
               </a:rPr>
-              <a:t>Descoberta: </a:t>
-            </a:r>
-            <a:r>
-              <a:rPr b="0" lang="en-US" sz="2000" spc="-1" strike="noStrike">
+              <a:t>Descoberta</a:t>
+            </a:r>
+            <a:r>
+              <a:rPr lang="en-US" sz="1400" b="0" strike="noStrike" spc="-1" dirty="0">
+                <a:solidFill>
+                  <a:srgbClr val="FF0000"/>
+                </a:solidFill>
+                <a:latin typeface="Gill Sans MT"/>
+                <a:ea typeface="Rockwell"/>
+              </a:rPr>
+              <a:t>: </a:t>
+            </a:r>
+            <a:r>
+              <a:rPr lang="en-US" sz="1400" b="0" strike="noStrike" spc="-1" dirty="0">
                 <a:solidFill>
                   <a:srgbClr val="000000"/>
                 </a:solidFill>
                 <a:latin typeface="Gill Sans MT"/>
                 <a:ea typeface="Rockwell"/>
               </a:rPr>
-              <a:t> Distribuição de tempo igualitária entre todas as partes da FIRST LEGO League</a:t>
-            </a:r>
-            <a:endParaRPr b="0" lang="en-US" sz="2000" spc="-1" strike="noStrike">
+              <a:t> </a:t>
+            </a:r>
+            <a:r>
+              <a:rPr lang="en-US" sz="1400" b="0" strike="noStrike" spc="-1" dirty="0" err="1">
+                <a:solidFill>
+                  <a:srgbClr val="000000"/>
+                </a:solidFill>
+                <a:latin typeface="Gill Sans MT"/>
+                <a:ea typeface="Rockwell"/>
+              </a:rPr>
+              <a:t>Distribuição</a:t>
+            </a:r>
+            <a:r>
+              <a:rPr lang="en-US" sz="1400" b="0" strike="noStrike" spc="-1" dirty="0">
+                <a:solidFill>
+                  <a:srgbClr val="000000"/>
+                </a:solidFill>
+                <a:latin typeface="Gill Sans MT"/>
+                <a:ea typeface="Rockwell"/>
+              </a:rPr>
+              <a:t> de tempo </a:t>
+            </a:r>
+            <a:r>
+              <a:rPr lang="en-US" sz="1400" b="0" strike="noStrike" spc="-1" dirty="0" err="1">
+                <a:solidFill>
+                  <a:srgbClr val="000000"/>
+                </a:solidFill>
+                <a:latin typeface="Gill Sans MT"/>
+                <a:ea typeface="Rockwell"/>
+              </a:rPr>
+              <a:t>igualitária</a:t>
+            </a:r>
+            <a:r>
+              <a:rPr lang="en-US" sz="1400" b="0" strike="noStrike" spc="-1" dirty="0">
+                <a:solidFill>
+                  <a:srgbClr val="000000"/>
+                </a:solidFill>
+                <a:latin typeface="Gill Sans MT"/>
+                <a:ea typeface="Rockwell"/>
+              </a:rPr>
+              <a:t> entre </a:t>
+            </a:r>
+            <a:r>
+              <a:rPr lang="en-US" sz="1400" b="0" strike="noStrike" spc="-1" dirty="0" err="1">
+                <a:solidFill>
+                  <a:srgbClr val="000000"/>
+                </a:solidFill>
+                <a:latin typeface="Gill Sans MT"/>
+                <a:ea typeface="Rockwell"/>
+              </a:rPr>
+              <a:t>todas</a:t>
+            </a:r>
+            <a:r>
+              <a:rPr lang="en-US" sz="1400" b="0" strike="noStrike" spc="-1" dirty="0">
+                <a:solidFill>
+                  <a:srgbClr val="000000"/>
+                </a:solidFill>
+                <a:latin typeface="Gill Sans MT"/>
+                <a:ea typeface="Rockwell"/>
+              </a:rPr>
+              <a:t> as </a:t>
+            </a:r>
+            <a:r>
+              <a:rPr lang="en-US" sz="1400" b="0" strike="noStrike" spc="-1" dirty="0" err="1">
+                <a:solidFill>
+                  <a:srgbClr val="000000"/>
+                </a:solidFill>
+                <a:latin typeface="Gill Sans MT"/>
+                <a:ea typeface="Rockwell"/>
+              </a:rPr>
+              <a:t>partes</a:t>
+            </a:r>
+            <a:r>
+              <a:rPr lang="en-US" sz="1400" b="0" strike="noStrike" spc="-1" dirty="0">
+                <a:solidFill>
+                  <a:srgbClr val="000000"/>
+                </a:solidFill>
+                <a:latin typeface="Gill Sans MT"/>
+                <a:ea typeface="Rockwell"/>
+              </a:rPr>
+              <a:t> da FIRST LEGO League</a:t>
+            </a:r>
+            <a:endParaRPr lang="en-US" sz="1400" b="0" strike="noStrike" spc="-1" dirty="0">
               <a:solidFill>
-                <a:srgbClr val="3d3d3d"/>
+                <a:srgbClr val="3D3D3D"/>
               </a:solidFill>
               <a:latin typeface="Gill Sans MT"/>
             </a:endParaRPr>
@@ -7075,35 +8136,115 @@
                 <a:spcPts val="601"/>
               </a:spcAft>
               <a:buClr>
-                <a:srgbClr val="9e3611"/>
+                <a:srgbClr val="9E3611"/>
               </a:buClr>
               <a:buSzPct val="92000"/>
               <a:buFont typeface="Noto Sans Symbols"/>
               <a:buChar char="▪"/>
             </a:pPr>
             <a:r>
-              <a:rPr b="0" lang="en-US" sz="2000" spc="-1" strike="noStrike">
-                <a:solidFill>
-                  <a:srgbClr val="ff0000"/>
+              <a:rPr lang="en-US" sz="1400" b="0" strike="noStrike" spc="-1" dirty="0" err="1">
+                <a:solidFill>
+                  <a:srgbClr val="FF0000"/>
                 </a:solidFill>
                 <a:latin typeface="Gill Sans MT"/>
                 <a:ea typeface="Rockwell"/>
               </a:rPr>
-              <a:t>Espírito de Equipe: </a:t>
-            </a:r>
-            <a:r>
-              <a:rPr b="0" lang="en-US" sz="2000" spc="-1" strike="noStrike">
+              <a:t>Espírito</a:t>
+            </a:r>
+            <a:r>
+              <a:rPr lang="en-US" sz="1400" b="0" strike="noStrike" spc="-1" dirty="0">
+                <a:solidFill>
+                  <a:srgbClr val="FF0000"/>
+                </a:solidFill>
+                <a:latin typeface="Gill Sans MT"/>
+                <a:ea typeface="Rockwell"/>
+              </a:rPr>
+              <a:t> de </a:t>
+            </a:r>
+            <a:r>
+              <a:rPr lang="en-US" sz="1400" b="0" strike="noStrike" spc="-1" dirty="0" err="1">
+                <a:solidFill>
+                  <a:srgbClr val="FF0000"/>
+                </a:solidFill>
+                <a:latin typeface="Gill Sans MT"/>
+                <a:ea typeface="Rockwell"/>
+              </a:rPr>
+              <a:t>Equipe</a:t>
+            </a:r>
+            <a:r>
+              <a:rPr lang="en-US" sz="1400" b="0" strike="noStrike" spc="-1" dirty="0">
+                <a:solidFill>
+                  <a:srgbClr val="FF0000"/>
+                </a:solidFill>
+                <a:latin typeface="Gill Sans MT"/>
+                <a:ea typeface="Rockwell"/>
+              </a:rPr>
+              <a:t>: </a:t>
+            </a:r>
+            <a:r>
+              <a:rPr lang="en-US" sz="1400" b="0" strike="noStrike" spc="-1" dirty="0">
                 <a:solidFill>
                   <a:srgbClr val="000000"/>
                 </a:solidFill>
                 <a:latin typeface="Gill Sans MT"/>
                 <a:ea typeface="Rockwell"/>
               </a:rPr>
-              <a:t>Ter sua própria identidade</a:t>
-            </a:r>
-            <a:endParaRPr b="0" lang="en-US" sz="2000" spc="-1" strike="noStrike">
+              <a:t>Ter </a:t>
+            </a:r>
+            <a:r>
+              <a:rPr lang="en-US" sz="1400" b="0" strike="noStrike" spc="-1" dirty="0" err="1">
+                <a:solidFill>
+                  <a:srgbClr val="000000"/>
+                </a:solidFill>
+                <a:latin typeface="Gill Sans MT"/>
+                <a:ea typeface="Rockwell"/>
+              </a:rPr>
+              <a:t>sua</a:t>
+            </a:r>
+            <a:r>
+              <a:rPr lang="en-US" sz="1400" b="0" strike="noStrike" spc="-1" dirty="0">
+                <a:solidFill>
+                  <a:srgbClr val="000000"/>
+                </a:solidFill>
+                <a:latin typeface="Gill Sans MT"/>
+                <a:ea typeface="Rockwell"/>
+              </a:rPr>
+              <a:t> </a:t>
+            </a:r>
+            <a:r>
+              <a:rPr lang="en-US" sz="1400" b="0" strike="noStrike" spc="-1" dirty="0" err="1">
+                <a:solidFill>
+                  <a:srgbClr val="000000"/>
+                </a:solidFill>
+                <a:latin typeface="Gill Sans MT"/>
+                <a:ea typeface="Rockwell"/>
+              </a:rPr>
+              <a:t>própria</a:t>
+            </a:r>
+            <a:r>
+              <a:rPr lang="en-US" sz="1400" b="0" strike="noStrike" spc="-1" dirty="0">
+                <a:solidFill>
+                  <a:srgbClr val="000000"/>
+                </a:solidFill>
+                <a:latin typeface="Gill Sans MT"/>
+                <a:ea typeface="Rockwell"/>
+              </a:rPr>
+              <a:t> </a:t>
+            </a:r>
+            <a:r>
+              <a:rPr lang="en-US" sz="1400" b="0" strike="noStrike" spc="-1" dirty="0" err="1">
+                <a:solidFill>
+                  <a:srgbClr val="000000"/>
+                </a:solidFill>
+                <a:latin typeface="Gill Sans MT"/>
+                <a:ea typeface="Rockwell"/>
+              </a:rPr>
+              <a:t>identidade</a:t>
+            </a:r>
+            <a:endParaRPr lang="en-US" sz="1400" b="0" strike="noStrike" spc="-1" dirty="0">
               <a:solidFill>
-                <a:srgbClr val="3d3d3d"/>
+                <a:srgbClr val="3D3D3D"/>
               </a:solidFill>
               <a:latin typeface="Gill Sans MT"/>
             </a:endParaRPr>
@@ -7120,35 +8261,95 @@
                 <a:spcPts val="601"/>
               </a:spcAft>
               <a:buClr>
-                <a:srgbClr val="9e3611"/>
+                <a:srgbClr val="9E3611"/>
               </a:buClr>
               <a:buSzPct val="92000"/>
               <a:buFont typeface="Noto Sans Symbols"/>
               <a:buChar char="▪"/>
             </a:pPr>
             <a:r>
-              <a:rPr b="0" lang="en-US" sz="2000" spc="-1" strike="noStrike">
-                <a:solidFill>
-                  <a:srgbClr val="ff0000"/>
+              <a:rPr lang="en-US" sz="1400" b="0" strike="noStrike" spc="-1" dirty="0" err="1">
+                <a:solidFill>
+                  <a:srgbClr val="FF0000"/>
                 </a:solidFill>
                 <a:latin typeface="Gill Sans MT"/>
                 <a:ea typeface="Rockwell"/>
               </a:rPr>
-              <a:t>Integração: </a:t>
-            </a:r>
-            <a:r>
-              <a:rPr b="0" lang="en-US" sz="2000" spc="-1" strike="noStrike">
+              <a:t>Integração</a:t>
+            </a:r>
+            <a:r>
+              <a:rPr lang="en-US" sz="1400" b="0" strike="noStrike" spc="-1" dirty="0">
+                <a:solidFill>
+                  <a:srgbClr val="FF0000"/>
+                </a:solidFill>
+                <a:latin typeface="Gill Sans MT"/>
+                <a:ea typeface="Rockwell"/>
+              </a:rPr>
+              <a:t>: </a:t>
+            </a:r>
+            <a:r>
+              <a:rPr lang="en-US" sz="1400" b="0" strike="noStrike" spc="-1" dirty="0" err="1">
                 <a:solidFill>
                   <a:srgbClr val="000000"/>
                 </a:solidFill>
                 <a:latin typeface="Gill Sans MT"/>
                 <a:ea typeface="Rockwell"/>
               </a:rPr>
-              <a:t>Usando o que você aprendeu fora da FIRST LEGO League</a:t>
-            </a:r>
-            <a:endParaRPr b="0" lang="en-US" sz="2000" spc="-1" strike="noStrike">
+              <a:t>Usando</a:t>
+            </a:r>
+            <a:r>
+              <a:rPr lang="en-US" sz="1400" b="0" strike="noStrike" spc="-1" dirty="0">
+                <a:solidFill>
+                  <a:srgbClr val="000000"/>
+                </a:solidFill>
+                <a:latin typeface="Gill Sans MT"/>
+                <a:ea typeface="Rockwell"/>
+              </a:rPr>
+              <a:t> o que </a:t>
+            </a:r>
+            <a:r>
+              <a:rPr lang="en-US" sz="1400" b="0" strike="noStrike" spc="-1" dirty="0" err="1">
+                <a:solidFill>
+                  <a:srgbClr val="000000"/>
+                </a:solidFill>
+                <a:latin typeface="Gill Sans MT"/>
+                <a:ea typeface="Rockwell"/>
+              </a:rPr>
+              <a:t>você</a:t>
+            </a:r>
+            <a:r>
+              <a:rPr lang="en-US" sz="1400" b="0" strike="noStrike" spc="-1" dirty="0">
+                <a:solidFill>
+                  <a:srgbClr val="000000"/>
+                </a:solidFill>
+                <a:latin typeface="Gill Sans MT"/>
+                <a:ea typeface="Rockwell"/>
+              </a:rPr>
+              <a:t> </a:t>
+            </a:r>
+            <a:r>
+              <a:rPr lang="en-US" sz="1400" b="0" strike="noStrike" spc="-1" dirty="0" err="1">
+                <a:solidFill>
+                  <a:srgbClr val="000000"/>
+                </a:solidFill>
+                <a:latin typeface="Gill Sans MT"/>
+                <a:ea typeface="Rockwell"/>
+              </a:rPr>
+              <a:t>aprendeu</a:t>
+            </a:r>
+            <a:r>
+              <a:rPr lang="en-US" sz="1400" b="0" strike="noStrike" spc="-1" dirty="0">
+                <a:solidFill>
+                  <a:srgbClr val="000000"/>
+                </a:solidFill>
+                <a:latin typeface="Gill Sans MT"/>
+                <a:ea typeface="Rockwell"/>
+              </a:rPr>
+              <a:t> fora da FIRST LEGO League</a:t>
+            </a:r>
+            <a:endParaRPr lang="en-US" sz="1400" b="0" strike="noStrike" spc="-1" dirty="0">
               <a:solidFill>
-                <a:srgbClr val="3d3d3d"/>
+                <a:srgbClr val="3D3D3D"/>
               </a:solidFill>
               <a:latin typeface="Gill Sans MT"/>
             </a:endParaRPr>
@@ -7165,35 +8366,215 @@
                 <a:spcPts val="601"/>
               </a:spcAft>
               <a:buClr>
-                <a:srgbClr val="9e3611"/>
+                <a:srgbClr val="9E3611"/>
               </a:buClr>
               <a:buSzPct val="92000"/>
               <a:buFont typeface="Noto Sans Symbols"/>
               <a:buChar char="▪"/>
             </a:pPr>
             <a:r>
-              <a:rPr b="0" lang="en-US" sz="2000" spc="-1" strike="noStrike">
-                <a:solidFill>
-                  <a:srgbClr val="ff0000"/>
+              <a:rPr lang="en-US" sz="1400" b="0" strike="noStrike" spc="-1" dirty="0" err="1">
+                <a:solidFill>
+                  <a:srgbClr val="FF0000"/>
                 </a:solidFill>
                 <a:latin typeface="Gill Sans MT"/>
                 <a:ea typeface="Rockwell"/>
               </a:rPr>
-              <a:t>Trabalho em Equipe: </a:t>
-            </a:r>
-            <a:r>
-              <a:rPr b="0" lang="en-US" sz="2000" spc="-1" strike="noStrike">
+              <a:t>Trabalho</a:t>
+            </a:r>
+            <a:r>
+              <a:rPr lang="en-US" sz="1400" b="0" strike="noStrike" spc="-1" dirty="0">
+                <a:solidFill>
+                  <a:srgbClr val="FF0000"/>
+                </a:solidFill>
+                <a:latin typeface="Gill Sans MT"/>
+                <a:ea typeface="Rockwell"/>
+              </a:rPr>
+              <a:t> </a:t>
+            </a:r>
+            <a:r>
+              <a:rPr lang="en-US" sz="1400" b="0" strike="noStrike" spc="-1" dirty="0" err="1">
+                <a:solidFill>
+                  <a:srgbClr val="FF0000"/>
+                </a:solidFill>
+                <a:latin typeface="Gill Sans MT"/>
+                <a:ea typeface="Rockwell"/>
+              </a:rPr>
+              <a:t>em</a:t>
+            </a:r>
+            <a:r>
+              <a:rPr lang="en-US" sz="1400" b="0" strike="noStrike" spc="-1" dirty="0">
+                <a:solidFill>
+                  <a:srgbClr val="FF0000"/>
+                </a:solidFill>
+                <a:latin typeface="Gill Sans MT"/>
+                <a:ea typeface="Rockwell"/>
+              </a:rPr>
+              <a:t> </a:t>
+            </a:r>
+            <a:r>
+              <a:rPr lang="en-US" sz="1400" b="0" strike="noStrike" spc="-1" dirty="0" err="1">
+                <a:solidFill>
+                  <a:srgbClr val="FF0000"/>
+                </a:solidFill>
+                <a:latin typeface="Gill Sans MT"/>
+                <a:ea typeface="Rockwell"/>
+              </a:rPr>
+              <a:t>Equipe</a:t>
+            </a:r>
+            <a:r>
+              <a:rPr lang="en-US" sz="1400" b="0" strike="noStrike" spc="-1" dirty="0">
+                <a:solidFill>
+                  <a:srgbClr val="FF0000"/>
+                </a:solidFill>
+                <a:latin typeface="Gill Sans MT"/>
+                <a:ea typeface="Rockwell"/>
+              </a:rPr>
+              <a:t>: </a:t>
+            </a:r>
+            <a:r>
+              <a:rPr lang="en-US" sz="1400" b="0" strike="noStrike" spc="-1" dirty="0">
                 <a:solidFill>
                   <a:srgbClr val="000000"/>
                 </a:solidFill>
                 <a:latin typeface="Gill Sans MT"/>
                 <a:ea typeface="Rockwell"/>
               </a:rPr>
-              <a:t>Ser capaz de trabalhar em conjunto com eficiência, sem auxílio do técnico</a:t>
-            </a:r>
-            <a:endParaRPr b="0" lang="en-US" sz="2000" spc="-1" strike="noStrike">
+              <a:t>Ser </a:t>
+            </a:r>
+            <a:r>
+              <a:rPr lang="en-US" sz="1400" b="0" strike="noStrike" spc="-1" dirty="0" err="1">
+                <a:solidFill>
+                  <a:srgbClr val="000000"/>
+                </a:solidFill>
+                <a:latin typeface="Gill Sans MT"/>
+                <a:ea typeface="Rockwell"/>
+              </a:rPr>
+              <a:t>capaz</a:t>
+            </a:r>
+            <a:r>
+              <a:rPr lang="en-US" sz="1400" b="0" strike="noStrike" spc="-1" dirty="0">
+                <a:solidFill>
+                  <a:srgbClr val="000000"/>
+                </a:solidFill>
+                <a:latin typeface="Gill Sans MT"/>
+                <a:ea typeface="Rockwell"/>
+              </a:rPr>
+              <a:t> de </a:t>
+            </a:r>
+            <a:r>
+              <a:rPr lang="en-US" sz="1400" b="0" strike="noStrike" spc="-1" dirty="0" err="1">
+                <a:solidFill>
+                  <a:srgbClr val="000000"/>
+                </a:solidFill>
+                <a:latin typeface="Gill Sans MT"/>
+                <a:ea typeface="Rockwell"/>
+              </a:rPr>
+              <a:t>trabalhar</a:t>
+            </a:r>
+            <a:r>
+              <a:rPr lang="en-US" sz="1400" b="0" strike="noStrike" spc="-1" dirty="0">
+                <a:solidFill>
+                  <a:srgbClr val="000000"/>
+                </a:solidFill>
+                <a:latin typeface="Gill Sans MT"/>
+                <a:ea typeface="Rockwell"/>
+              </a:rPr>
+              <a:t> </a:t>
+            </a:r>
+            <a:r>
+              <a:rPr lang="en-US" sz="1400" b="0" strike="noStrike" spc="-1" dirty="0" err="1">
+                <a:solidFill>
+                  <a:srgbClr val="000000"/>
+                </a:solidFill>
+                <a:latin typeface="Gill Sans MT"/>
+                <a:ea typeface="Rockwell"/>
+              </a:rPr>
+              <a:t>em</a:t>
+            </a:r>
+            <a:r>
+              <a:rPr lang="en-US" sz="1400" b="0" strike="noStrike" spc="-1" dirty="0">
+                <a:solidFill>
+                  <a:srgbClr val="000000"/>
+                </a:solidFill>
+                <a:latin typeface="Gill Sans MT"/>
+                <a:ea typeface="Rockwell"/>
+              </a:rPr>
+              <a:t> conjunto com </a:t>
+            </a:r>
+            <a:r>
+              <a:rPr lang="en-US" sz="1400" b="0" strike="noStrike" spc="-1" dirty="0" err="1">
+                <a:solidFill>
+                  <a:srgbClr val="000000"/>
+                </a:solidFill>
+                <a:latin typeface="Gill Sans MT"/>
+                <a:ea typeface="Rockwell"/>
+              </a:rPr>
+              <a:t>eficiência</a:t>
+            </a:r>
+            <a:r>
+              <a:rPr lang="en-US" sz="1400" b="0" strike="noStrike" spc="-1" dirty="0">
+                <a:solidFill>
+                  <a:srgbClr val="000000"/>
+                </a:solidFill>
+                <a:latin typeface="Gill Sans MT"/>
+                <a:ea typeface="Rockwell"/>
+              </a:rPr>
+              <a:t>, </a:t>
+            </a:r>
+            <a:r>
+              <a:rPr lang="en-US" sz="1400" b="0" strike="noStrike" spc="-1" dirty="0" err="1">
+                <a:solidFill>
+                  <a:srgbClr val="000000"/>
+                </a:solidFill>
+                <a:latin typeface="Gill Sans MT"/>
+                <a:ea typeface="Rockwell"/>
+              </a:rPr>
+              <a:t>sem</a:t>
+            </a:r>
+            <a:r>
+              <a:rPr lang="en-US" sz="1400" b="0" strike="noStrike" spc="-1" dirty="0">
+                <a:solidFill>
+                  <a:srgbClr val="000000"/>
+                </a:solidFill>
+                <a:latin typeface="Gill Sans MT"/>
+                <a:ea typeface="Rockwell"/>
+              </a:rPr>
+              <a:t> </a:t>
+            </a:r>
+            <a:r>
+              <a:rPr lang="en-US" sz="1400" b="0" strike="noStrike" spc="-1" dirty="0" err="1">
+                <a:solidFill>
+                  <a:srgbClr val="000000"/>
+                </a:solidFill>
+                <a:latin typeface="Gill Sans MT"/>
+                <a:ea typeface="Rockwell"/>
+              </a:rPr>
+              <a:t>auxílio</a:t>
+            </a:r>
+            <a:r>
+              <a:rPr lang="en-US" sz="1400" b="0" strike="noStrike" spc="-1" dirty="0">
+                <a:solidFill>
+                  <a:srgbClr val="000000"/>
+                </a:solidFill>
+                <a:latin typeface="Gill Sans MT"/>
+                <a:ea typeface="Rockwell"/>
+              </a:rPr>
+              <a:t> do </a:t>
+            </a:r>
+            <a:r>
+              <a:rPr lang="en-US" sz="1400" b="0" strike="noStrike" spc="-1" dirty="0" err="1">
+                <a:solidFill>
+                  <a:srgbClr val="000000"/>
+                </a:solidFill>
+                <a:latin typeface="Gill Sans MT"/>
+                <a:ea typeface="Rockwell"/>
+              </a:rPr>
+              <a:t>técnico</a:t>
+            </a:r>
+            <a:endParaRPr lang="en-US" sz="1400" b="0" strike="noStrike" spc="-1" dirty="0">
               <a:solidFill>
-                <a:srgbClr val="3d3d3d"/>
+                <a:srgbClr val="3D3D3D"/>
               </a:solidFill>
               <a:latin typeface="Gill Sans MT"/>
             </a:endParaRPr>
@@ -7210,35 +8591,185 @@
                 <a:spcPts val="601"/>
               </a:spcAft>
               <a:buClr>
-                <a:srgbClr val="9e3611"/>
+                <a:srgbClr val="9E3611"/>
               </a:buClr>
               <a:buSzPct val="92000"/>
               <a:buFont typeface="Noto Sans Symbols"/>
               <a:buChar char="▪"/>
             </a:pPr>
             <a:r>
-              <a:rPr b="0" lang="en-US" sz="2000" spc="-1" strike="noStrike">
-                <a:solidFill>
-                  <a:srgbClr val="ff0000"/>
+              <a:rPr lang="en-US" sz="1400" b="0" strike="noStrike" spc="-1" dirty="0" err="1">
+                <a:solidFill>
+                  <a:srgbClr val="FF0000"/>
                 </a:solidFill>
                 <a:latin typeface="Gill Sans MT"/>
                 <a:ea typeface="Rockwell"/>
               </a:rPr>
-              <a:t>Inclusão: </a:t>
-            </a:r>
-            <a:r>
-              <a:rPr b="0" lang="en-US" sz="2000" spc="-1" strike="noStrike">
+              <a:t>Inclusão</a:t>
+            </a:r>
+            <a:r>
+              <a:rPr lang="en-US" sz="1400" b="0" strike="noStrike" spc="-1" dirty="0">
+                <a:solidFill>
+                  <a:srgbClr val="FF0000"/>
+                </a:solidFill>
+                <a:latin typeface="Gill Sans MT"/>
+                <a:ea typeface="Rockwell"/>
+              </a:rPr>
+              <a:t>: </a:t>
+            </a:r>
+            <a:r>
+              <a:rPr lang="en-US" sz="1400" b="0" strike="noStrike" spc="-1" dirty="0" err="1">
                 <a:solidFill>
                   <a:srgbClr val="000000"/>
                 </a:solidFill>
                 <a:latin typeface="Gill Sans MT"/>
                 <a:ea typeface="Rockwell"/>
               </a:rPr>
-              <a:t>Tenham certeza que todos os membros da equipe estão incluídos</a:t>
-            </a:r>
-            <a:endParaRPr b="0" lang="en-US" sz="2000" spc="-1" strike="noStrike">
+              <a:t>Tenham</a:t>
+            </a:r>
+            <a:r>
+              <a:rPr lang="en-US" sz="1400" b="0" strike="noStrike" spc="-1" dirty="0">
+                <a:solidFill>
+                  <a:srgbClr val="000000"/>
+                </a:solidFill>
+                <a:latin typeface="Gill Sans MT"/>
+                <a:ea typeface="Rockwell"/>
+              </a:rPr>
+              <a:t> </a:t>
+            </a:r>
+            <a:r>
+              <a:rPr lang="en-US" sz="1400" b="0" strike="noStrike" spc="-1" dirty="0" err="1">
+                <a:solidFill>
+                  <a:srgbClr val="000000"/>
+                </a:solidFill>
+                <a:latin typeface="Gill Sans MT"/>
+                <a:ea typeface="Rockwell"/>
+              </a:rPr>
+              <a:t>certeza</a:t>
+            </a:r>
+            <a:r>
+              <a:rPr lang="en-US" sz="1400" b="0" strike="noStrike" spc="-1" dirty="0">
+                <a:solidFill>
+                  <a:srgbClr val="000000"/>
+                </a:solidFill>
+                <a:latin typeface="Gill Sans MT"/>
+                <a:ea typeface="Rockwell"/>
+              </a:rPr>
+              <a:t> que </a:t>
+            </a:r>
+            <a:r>
+              <a:rPr lang="en-US" sz="1400" b="0" strike="noStrike" spc="-1" dirty="0" err="1">
+                <a:solidFill>
+                  <a:srgbClr val="000000"/>
+                </a:solidFill>
+                <a:latin typeface="Gill Sans MT"/>
+                <a:ea typeface="Rockwell"/>
+              </a:rPr>
+              <a:t>todos</a:t>
+            </a:r>
+            <a:r>
+              <a:rPr lang="en-US" sz="1400" b="0" strike="noStrike" spc="-1" dirty="0">
+                <a:solidFill>
+                  <a:srgbClr val="000000"/>
+                </a:solidFill>
+                <a:latin typeface="Gill Sans MT"/>
+                <a:ea typeface="Rockwell"/>
+              </a:rPr>
+              <a:t> </a:t>
+            </a:r>
+            <a:r>
+              <a:rPr lang="en-US" sz="1400" b="0" strike="noStrike" spc="-1" dirty="0" err="1">
+                <a:solidFill>
+                  <a:srgbClr val="000000"/>
+                </a:solidFill>
+                <a:latin typeface="Gill Sans MT"/>
+                <a:ea typeface="Rockwell"/>
+              </a:rPr>
+              <a:t>os</a:t>
+            </a:r>
+            <a:r>
+              <a:rPr lang="en-US" sz="1400" b="0" strike="noStrike" spc="-1" dirty="0">
+                <a:solidFill>
+                  <a:srgbClr val="000000"/>
+                </a:solidFill>
+                <a:latin typeface="Gill Sans MT"/>
+                <a:ea typeface="Rockwell"/>
+              </a:rPr>
+              <a:t> </a:t>
+            </a:r>
+            <a:r>
+              <a:rPr lang="en-US" sz="1400" b="0" strike="noStrike" spc="-1" dirty="0" err="1">
+                <a:solidFill>
+                  <a:srgbClr val="000000"/>
+                </a:solidFill>
+                <a:latin typeface="Gill Sans MT"/>
+                <a:ea typeface="Rockwell"/>
+              </a:rPr>
+              <a:t>membros</a:t>
+            </a:r>
+            <a:r>
+              <a:rPr lang="en-US" sz="1400" b="0" strike="noStrike" spc="-1" dirty="0">
+                <a:solidFill>
+                  <a:srgbClr val="000000"/>
+                </a:solidFill>
+                <a:latin typeface="Gill Sans MT"/>
+                <a:ea typeface="Rockwell"/>
+              </a:rPr>
+              <a:t> da </a:t>
+            </a:r>
+            <a:r>
+              <a:rPr lang="en-US" sz="1400" b="0" strike="noStrike" spc="-1" dirty="0" err="1">
+                <a:solidFill>
+                  <a:srgbClr val="000000"/>
+                </a:solidFill>
+                <a:latin typeface="Gill Sans MT"/>
+                <a:ea typeface="Rockwell"/>
+              </a:rPr>
+              <a:t>equipe</a:t>
+            </a:r>
+            <a:r>
+              <a:rPr lang="en-US" sz="1400" b="0" strike="noStrike" spc="-1" dirty="0">
+                <a:solidFill>
+                  <a:srgbClr val="000000"/>
+                </a:solidFill>
+                <a:latin typeface="Gill Sans MT"/>
+                <a:ea typeface="Rockwell"/>
+              </a:rPr>
+              <a:t> </a:t>
+            </a:r>
+            <a:r>
+              <a:rPr lang="en-US" sz="1400" b="0" strike="noStrike" spc="-1" dirty="0" err="1">
+                <a:solidFill>
+                  <a:srgbClr val="000000"/>
+                </a:solidFill>
+                <a:latin typeface="Gill Sans MT"/>
+                <a:ea typeface="Rockwell"/>
+              </a:rPr>
+              <a:t>estão</a:t>
+            </a:r>
+            <a:r>
+              <a:rPr lang="en-US" sz="1400" b="0" strike="noStrike" spc="-1" dirty="0">
+                <a:solidFill>
+                  <a:srgbClr val="000000"/>
+                </a:solidFill>
+                <a:latin typeface="Gill Sans MT"/>
+                <a:ea typeface="Rockwell"/>
+              </a:rPr>
+              <a:t> </a:t>
+            </a:r>
+            <a:r>
+              <a:rPr lang="en-US" sz="1400" b="0" strike="noStrike" spc="-1" dirty="0" err="1">
+                <a:solidFill>
+                  <a:srgbClr val="000000"/>
+                </a:solidFill>
+                <a:latin typeface="Gill Sans MT"/>
+                <a:ea typeface="Rockwell"/>
+              </a:rPr>
+              <a:t>incluídos</a:t>
+            </a:r>
+            <a:endParaRPr lang="en-US" sz="1400" b="0" strike="noStrike" spc="-1" dirty="0">
               <a:solidFill>
-                <a:srgbClr val="3d3d3d"/>
+                <a:srgbClr val="3D3D3D"/>
               </a:solidFill>
               <a:latin typeface="Gill Sans MT"/>
             </a:endParaRPr>
@@ -7255,35 +8786,75 @@
                 <a:spcPts val="601"/>
               </a:spcAft>
               <a:buClr>
-                <a:srgbClr val="9e3611"/>
+                <a:srgbClr val="9E3611"/>
               </a:buClr>
               <a:buSzPct val="92000"/>
               <a:buFont typeface="Noto Sans Symbols"/>
               <a:buChar char="▪"/>
             </a:pPr>
             <a:r>
-              <a:rPr b="0" lang="en-US" sz="2000" spc="-1" strike="noStrike">
-                <a:solidFill>
-                  <a:srgbClr val="ff0000"/>
+              <a:rPr lang="en-US" sz="1400" b="0" strike="noStrike" spc="-1" dirty="0" err="1">
+                <a:solidFill>
+                  <a:srgbClr val="FF0000"/>
                 </a:solidFill>
                 <a:latin typeface="Gill Sans MT"/>
                 <a:ea typeface="Rockwell"/>
               </a:rPr>
-              <a:t>Respeito:  </a:t>
-            </a:r>
-            <a:r>
-              <a:rPr b="0" lang="en-US" sz="2000" spc="-1" strike="noStrike">
+              <a:t>Respeito</a:t>
+            </a:r>
+            <a:r>
+              <a:rPr lang="en-US" sz="1400" b="0" strike="noStrike" spc="-1" dirty="0">
+                <a:solidFill>
+                  <a:srgbClr val="FF0000"/>
+                </a:solidFill>
+                <a:latin typeface="Gill Sans MT"/>
+                <a:ea typeface="Rockwell"/>
+              </a:rPr>
+              <a:t>:  </a:t>
+            </a:r>
+            <a:r>
+              <a:rPr lang="en-US" sz="1400" b="0" strike="noStrike" spc="-1" dirty="0">
                 <a:solidFill>
                   <a:srgbClr val="000000"/>
                 </a:solidFill>
                 <a:latin typeface="Gill Sans MT"/>
                 <a:ea typeface="Rockwell"/>
               </a:rPr>
-              <a:t>Dar valor para cada membro</a:t>
-            </a:r>
-            <a:endParaRPr b="0" lang="en-US" sz="2000" spc="-1" strike="noStrike">
+              <a:t>Dar valor para </a:t>
+            </a:r>
+            <a:r>
+              <a:rPr lang="en-US" sz="1400" b="0" strike="noStrike" spc="-1" dirty="0" err="1">
+                <a:solidFill>
+                  <a:srgbClr val="000000"/>
+                </a:solidFill>
+                <a:latin typeface="Gill Sans MT"/>
+                <a:ea typeface="Rockwell"/>
+              </a:rPr>
+              <a:t>cada</a:t>
+            </a:r>
+            <a:r>
+              <a:rPr lang="en-US" sz="1400" b="0" strike="noStrike" spc="-1" dirty="0">
+                <a:solidFill>
+                  <a:srgbClr val="000000"/>
+                </a:solidFill>
+                <a:latin typeface="Gill Sans MT"/>
+                <a:ea typeface="Rockwell"/>
+              </a:rPr>
+              <a:t> </a:t>
+            </a:r>
+            <a:r>
+              <a:rPr lang="en-US" sz="1400" b="0" strike="noStrike" spc="-1" dirty="0" err="1">
+                <a:solidFill>
+                  <a:srgbClr val="000000"/>
+                </a:solidFill>
+                <a:latin typeface="Gill Sans MT"/>
+                <a:ea typeface="Rockwell"/>
+              </a:rPr>
+              <a:t>membro</a:t>
+            </a:r>
+            <a:endParaRPr lang="en-US" sz="1400" b="0" strike="noStrike" spc="-1" dirty="0">
               <a:solidFill>
-                <a:srgbClr val="3d3d3d"/>
+                <a:srgbClr val="3D3D3D"/>
               </a:solidFill>
               <a:latin typeface="Gill Sans MT"/>
             </a:endParaRPr>
@@ -7300,35 +8871,145 @@
                 <a:spcPts val="601"/>
               </a:spcAft>
               <a:buClr>
-                <a:srgbClr val="9e3611"/>
+                <a:srgbClr val="9E3611"/>
               </a:buClr>
               <a:buSzPct val="92000"/>
               <a:buFont typeface="Noto Sans Symbols"/>
               <a:buChar char="▪"/>
             </a:pPr>
             <a:r>
-              <a:rPr b="0" lang="en-US" sz="2000" spc="-1" strike="noStrike">
-                <a:solidFill>
-                  <a:srgbClr val="ff0000"/>
+              <a:rPr lang="en-US" sz="1400" b="0" strike="noStrike" spc="-1" dirty="0" err="1">
+                <a:solidFill>
+                  <a:srgbClr val="FF0000"/>
                 </a:solidFill>
                 <a:latin typeface="Gill Sans MT"/>
                 <a:ea typeface="Rockwell"/>
               </a:rPr>
-              <a:t>Coopertition: </a:t>
-            </a:r>
-            <a:r>
-              <a:rPr b="0" lang="en-US" sz="2000" spc="-1" strike="noStrike">
-                <a:solidFill>
-                  <a:srgbClr val="3d3d3d"/>
+              <a:t>Coopertition</a:t>
+            </a:r>
+            <a:r>
+              <a:rPr lang="en-US" sz="1400" b="0" strike="noStrike" spc="-1" dirty="0">
+                <a:solidFill>
+                  <a:srgbClr val="FF0000"/>
                 </a:solidFill>
                 <a:latin typeface="Gill Sans MT"/>
                 <a:ea typeface="Rockwell"/>
               </a:rPr>
-              <a:t>Ajudar outros e aceitar ajuda de outros, trabalhando com outras equipes</a:t>
-            </a:r>
-            <a:endParaRPr b="0" lang="en-US" sz="2000" spc="-1" strike="noStrike">
+              <a:t>: </a:t>
+            </a:r>
+            <a:r>
+              <a:rPr lang="en-US" sz="1400" b="0" strike="noStrike" spc="-1" dirty="0" err="1">
+                <a:solidFill>
+                  <a:srgbClr val="3D3D3D"/>
+                </a:solidFill>
+                <a:latin typeface="Gill Sans MT"/>
+                <a:ea typeface="Rockwell"/>
+              </a:rPr>
+              <a:t>Ajudar</a:t>
+            </a:r>
+            <a:r>
+              <a:rPr lang="en-US" sz="1400" b="0" strike="noStrike" spc="-1" dirty="0">
+                <a:solidFill>
+                  <a:srgbClr val="3D3D3D"/>
+                </a:solidFill>
+                <a:latin typeface="Gill Sans MT"/>
+                <a:ea typeface="Rockwell"/>
+              </a:rPr>
+              <a:t> outros e </a:t>
+            </a:r>
+            <a:r>
+              <a:rPr lang="en-US" sz="1400" b="0" strike="noStrike" spc="-1" dirty="0" err="1">
+                <a:solidFill>
+                  <a:srgbClr val="3D3D3D"/>
+                </a:solidFill>
+                <a:latin typeface="Gill Sans MT"/>
+                <a:ea typeface="Rockwell"/>
+              </a:rPr>
+              <a:t>aceitar</a:t>
+            </a:r>
+            <a:r>
+              <a:rPr lang="en-US" sz="1400" b="0" strike="noStrike" spc="-1" dirty="0">
+                <a:solidFill>
+                  <a:srgbClr val="3D3D3D"/>
+                </a:solidFill>
+                <a:latin typeface="Gill Sans MT"/>
+                <a:ea typeface="Rockwell"/>
+              </a:rPr>
+              <a:t> </a:t>
+            </a:r>
+            <a:r>
+              <a:rPr lang="en-US" sz="1400" b="0" strike="noStrike" spc="-1" dirty="0" err="1">
+                <a:solidFill>
+                  <a:srgbClr val="3D3D3D"/>
+                </a:solidFill>
+                <a:latin typeface="Gill Sans MT"/>
+                <a:ea typeface="Rockwell"/>
+              </a:rPr>
+              <a:t>ajuda</a:t>
+            </a:r>
+            <a:r>
+              <a:rPr lang="en-US" sz="1400" b="0" strike="noStrike" spc="-1" dirty="0">
+                <a:solidFill>
+                  <a:srgbClr val="3D3D3D"/>
+                </a:solidFill>
+                <a:latin typeface="Gill Sans MT"/>
+                <a:ea typeface="Rockwell"/>
+              </a:rPr>
+              <a:t> de outros, </a:t>
+            </a:r>
+            <a:r>
+              <a:rPr lang="en-US" sz="1400" b="0" strike="noStrike" spc="-1" dirty="0" err="1">
+                <a:solidFill>
+                  <a:srgbClr val="3D3D3D"/>
+                </a:solidFill>
+                <a:latin typeface="Gill Sans MT"/>
+                <a:ea typeface="Rockwell"/>
+              </a:rPr>
+              <a:t>trabalhando</a:t>
+            </a:r>
+            <a:r>
+              <a:rPr lang="en-US" sz="1400" b="0" strike="noStrike" spc="-1" dirty="0">
+                <a:solidFill>
+                  <a:srgbClr val="3D3D3D"/>
+                </a:solidFill>
+                <a:latin typeface="Gill Sans MT"/>
+                <a:ea typeface="Rockwell"/>
+              </a:rPr>
+              <a:t> com </a:t>
+            </a:r>
+            <a:r>
+              <a:rPr lang="en-US" sz="1400" b="0" strike="noStrike" spc="-1" dirty="0" err="1">
+                <a:solidFill>
+                  <a:srgbClr val="3D3D3D"/>
+                </a:solidFill>
+                <a:latin typeface="Gill Sans MT"/>
+                <a:ea typeface="Rockwell"/>
+              </a:rPr>
+              <a:t>outras</a:t>
+            </a:r>
+            <a:r>
+              <a:rPr lang="en-US" sz="1400" b="0" strike="noStrike" spc="-1" dirty="0">
+                <a:solidFill>
+                  <a:srgbClr val="3D3D3D"/>
+                </a:solidFill>
+                <a:latin typeface="Gill Sans MT"/>
+                <a:ea typeface="Rockwell"/>
+              </a:rPr>
+              <a:t> </a:t>
+            </a:r>
+            <a:r>
+              <a:rPr lang="en-US" sz="1400" b="0" strike="noStrike" spc="-1" dirty="0" err="1">
+                <a:solidFill>
+                  <a:srgbClr val="3D3D3D"/>
+                </a:solidFill>
+                <a:latin typeface="Gill Sans MT"/>
+                <a:ea typeface="Rockwell"/>
+              </a:rPr>
+              <a:t>equipes</a:t>
+            </a:r>
+            <a:endParaRPr lang="en-US" sz="1400" b="0" strike="noStrike" spc="-1" dirty="0">
               <a:solidFill>
-                <a:srgbClr val="3d3d3d"/>
+                <a:srgbClr val="3D3D3D"/>
               </a:solidFill>
               <a:latin typeface="Gill Sans MT"/>
             </a:endParaRPr>
@@ -7355,7 +9036,8 @@
           </a:ln>
         </p:spPr>
         <p:txBody>
-          <a:bodyPr lIns="90000" rIns="90000" tIns="45000" bIns="45000"/>
+          <a:bodyPr lIns="90000" tIns="45000" rIns="90000" bIns="45000"/>
+          <a:lstStyle/>
           <a:p>
             <a:pPr>
               <a:lnSpc>
@@ -7363,15 +9045,15 @@
               </a:lnSpc>
             </a:pPr>
             <a:fld id="{27A70081-4DE9-4132-9B70-4C9CDA337EF6}" type="slidenum">
-              <a:rPr b="0" lang="pt-BR" sz="1800" spc="-1" strike="noStrike">
-                <a:solidFill>
-                  <a:srgbClr val="537ed0"/>
-                </a:solidFill>
-                <a:latin typeface="Gill Sans MT"/>
-              </a:rPr>
-              <a:t>1</a:t>
+              <a:rPr lang="pt-BR" sz="1800" b="0" strike="noStrike" spc="-1">
+                <a:solidFill>
+                  <a:srgbClr val="537ED0"/>
+                </a:solidFill>
+                <a:latin typeface="Gill Sans MT"/>
+              </a:rPr>
+              <a:t>6</a:t>
             </a:fld>
-            <a:endParaRPr b="0" lang="pt-BR" sz="1800" spc="-1" strike="noStrike">
+            <a:endParaRPr lang="pt-BR" sz="1800" b="0" strike="noStrike" spc="-1">
               <a:latin typeface="Times New Roman"/>
             </a:endParaRPr>
           </a:p>
@@ -7379,13 +9061,13 @@
       </p:sp>
       <p:pic>
         <p:nvPicPr>
-          <p:cNvPr id="126" name="Picture 6" descr=""/>
+          <p:cNvPr id="126" name="Picture 6"/>
           <p:cNvPicPr/>
           <p:nvPr/>
         </p:nvPicPr>
         <p:blipFill>
-          <a:blip r:embed="rId1"/>
-          <a:srcRect l="0" t="-653" r="0" b="0"/>
+          <a:blip r:embed="rId3"/>
+          <a:srcRect t="-653"/>
           <a:stretch/>
         </p:blipFill>
         <p:spPr>
@@ -7403,7 +9085,7 @@
             <a:miter/>
           </a:ln>
           <a:effectLst>
-            <a:outerShdw algn="tl" blurRad="50800" dir="2700000" dist="38100" rotWithShape="0">
+            <a:outerShdw blurRad="50800" dist="38100" dir="2700000" algn="tl" rotWithShape="0">
               <a:srgbClr val="000000">
                 <a:alpha val="43000"/>
               </a:srgbClr>
@@ -7431,7 +9113,8 @@
           </a:ln>
         </p:spPr>
         <p:txBody>
-          <a:bodyPr lIns="90000" rIns="90000" tIns="45000" bIns="45000"/>
+          <a:bodyPr lIns="90000" tIns="45000" rIns="90000" bIns="45000"/>
+          <a:lstStyle/>
           <a:p>
             <a:pPr>
               <a:lnSpc>
@@ -7439,24 +9122,24 @@
               </a:lnSpc>
             </a:pPr>
             <a:r>
-              <a:rPr b="0" lang="pt-BR" sz="1800" spc="-1" strike="noStrike">
-                <a:solidFill>
-                  <a:srgbClr val="537ed0"/>
+              <a:rPr lang="pt-BR" sz="1800" b="0" strike="noStrike" spc="-1">
+                <a:solidFill>
+                  <a:srgbClr val="537ED0"/>
                 </a:solidFill>
                 <a:latin typeface="Gill Sans MT"/>
               </a:rPr>
               <a:t>Última edição: </a:t>
             </a:r>
             <a:fld id="{62D2AE96-38CD-4B22-AFA1-2F5F4A1BF615}" type="datetime1">
-              <a:rPr b="0" lang="pt-BR" sz="1800" spc="-1" strike="noStrike">
-                <a:solidFill>
-                  <a:srgbClr val="537ed0"/>
-                </a:solidFill>
-                <a:latin typeface="Gill Sans MT"/>
-              </a:rPr>
-              <a:t>31/08/2018</a:t>
+              <a:rPr lang="pt-BR" sz="1800" b="0" strike="noStrike" spc="-1">
+                <a:solidFill>
+                  <a:srgbClr val="537ED0"/>
+                </a:solidFill>
+                <a:latin typeface="Gill Sans MT"/>
+              </a:rPr>
+              <a:t>01/10/2018</a:t>
             </a:fld>
-            <a:endParaRPr b="0" lang="pt-BR" sz="1800" spc="-1" strike="noStrike">
+            <a:endParaRPr lang="pt-BR" sz="1800" b="0" strike="noStrike" spc="-1">
               <a:latin typeface="Times New Roman"/>
             </a:endParaRPr>
           </a:p>
@@ -7482,7 +9165,8 @@
           </a:ln>
         </p:spPr>
         <p:txBody>
-          <a:bodyPr lIns="90000" rIns="90000" tIns="45000" bIns="45000"/>
+          <a:bodyPr lIns="90000" tIns="45000" rIns="90000" bIns="45000"/>
+          <a:lstStyle/>
           <a:p>
             <a:pPr>
               <a:lnSpc>
@@ -7490,15 +9174,15 @@
               </a:lnSpc>
             </a:pPr>
             <a:r>
-              <a:rPr b="0" lang="pt-BR" sz="1800" spc="-1" strike="noStrike">
-                <a:solidFill>
-                  <a:srgbClr val="537ed0"/>
+              <a:rPr lang="pt-BR" sz="1800" b="0" strike="noStrike" spc="-1">
+                <a:solidFill>
+                  <a:srgbClr val="537ED0"/>
                 </a:solidFill>
                 <a:latin typeface="Gill Sans MT"/>
               </a:rPr>
               <a:t>Copyright 2018, FLL TUTORIALS</a:t>
             </a:r>
-            <a:endParaRPr b="0" lang="pt-BR" sz="1800" spc="-1" strike="noStrike">
+            <a:endParaRPr lang="pt-BR" sz="1800" b="0" strike="noStrike" spc="-1">
               <a:latin typeface="Times New Roman"/>
             </a:endParaRPr>
           </a:p>
@@ -7506,22 +9190,25 @@
       </p:sp>
     </p:spTree>
   </p:cSld>
+  <p:clrMapOvr>
+    <a:masterClrMapping/>
+  </p:clrMapOvr>
   <p:timing>
     <p:tnLst>
       <p:par>
-        <p:cTn id="11" dur="indefinite" restart="never" nodeType="tmRoot">
+        <p:cTn id="1" dur="indefinite" restart="never" nodeType="tmRoot">
           <p:childTnLst>
             <p:seq>
-              <p:cTn id="12" dur="indefinite" nodeType="mainSeq"/>
+              <p:cTn id="2" dur="indefinite" nodeType="mainSeq"/>
               <p:prevCondLst>
-                <p:cond delay="0" evt="onPrev">
+                <p:cond evt="onPrev" delay="0">
                   <p:tgtEl>
                     <p:sldTgt/>
                   </p:tgtEl>
                 </p:cond>
               </p:prevCondLst>
               <p:nextCondLst>
-                <p:cond delay="0" evt="onNext">
+                <p:cond evt="onNext" delay="0">
                   <p:tgtEl>
                     <p:sldTgt/>
                   </p:tgtEl>
@@ -7537,7 +9224,7 @@
 </file>
 
 <file path=ppt/slides/slide7.xml><?xml version="1.0" encoding="utf-8"?>
-<p:sld xmlns:a="http://schemas.openxmlformats.org/drawingml/2006/main" xmlns:p="http://schemas.openxmlformats.org/presentationml/2006/main" xmlns:r="http://schemas.openxmlformats.org/officeDocument/2006/relationships" xmlns:p14="http://schemas.microsoft.com/office/powerpoint/2010/main" xmlns:p15="http://schemas.microsoft.com/office/powerpoint/2012/main" xmlns:mc="http://schemas.openxmlformats.org/markup-compatibility/2006">
+<p:sld xmlns:a="http://schemas.openxmlformats.org/drawingml/2006/main" xmlns:r="http://schemas.openxmlformats.org/officeDocument/2006/relationships" xmlns:p="http://schemas.openxmlformats.org/presentationml/2006/main">
   <p:cSld>
     <p:spTree>
       <p:nvGrpSpPr>
@@ -7574,6 +9261,7 @@
         </p:spPr>
         <p:txBody>
           <a:bodyPr anchor="b"/>
+          <a:lstStyle/>
           <a:p>
             <a:pPr>
               <a:lnSpc>
@@ -7581,15 +9269,15 @@
               </a:lnSpc>
             </a:pPr>
             <a:r>
-              <a:rPr b="0" lang="en-US" sz="2800" spc="-1" strike="noStrike" cap="all">
-                <a:solidFill>
-                  <a:srgbClr val="ffffff"/>
+              <a:rPr lang="en-US" sz="2800" b="0" strike="noStrike" cap="all" spc="-1">
+                <a:solidFill>
+                  <a:srgbClr val="FFFFFF"/>
                 </a:solidFill>
                 <a:latin typeface="Gill Sans MT"/>
               </a:rPr>
               <a:t>Demonstrar COOPERTITION é importante</a:t>
             </a:r>
-            <a:endParaRPr b="0" lang="en-US" sz="2800" spc="-1" strike="noStrike">
+            <a:endParaRPr lang="en-US" sz="2800" b="0" strike="noStrike" spc="-1">
               <a:solidFill>
                 <a:srgbClr val="000000"/>
               </a:solidFill>
@@ -7618,7 +9306,8 @@
           </a:ln>
         </p:spPr>
         <p:txBody>
-          <a:bodyPr lIns="90000" rIns="90000" tIns="45000" bIns="45000"/>
+          <a:bodyPr lIns="90000" tIns="45000" rIns="90000" bIns="45000"/>
+          <a:lstStyle/>
           <a:p>
             <a:pPr>
               <a:lnSpc>
@@ -7626,15 +9315,15 @@
               </a:lnSpc>
             </a:pPr>
             <a:fld id="{2EB50E05-2C7E-44D4-9934-3F2B132DBA9E}" type="slidenum">
-              <a:rPr b="0" lang="pt-BR" sz="1800" spc="-1" strike="noStrike">
-                <a:solidFill>
-                  <a:srgbClr val="537ed0"/>
-                </a:solidFill>
-                <a:latin typeface="Gill Sans MT"/>
-              </a:rPr>
-              <a:t>1</a:t>
+              <a:rPr lang="pt-BR" sz="1800" b="0" strike="noStrike" spc="-1">
+                <a:solidFill>
+                  <a:srgbClr val="537ED0"/>
+                </a:solidFill>
+                <a:latin typeface="Gill Sans MT"/>
+              </a:rPr>
+              <a:t>7</a:t>
             </a:fld>
-            <a:endParaRPr b="0" lang="pt-BR" sz="1800" spc="-1" strike="noStrike">
+            <a:endParaRPr lang="pt-BR" sz="1800" b="0" strike="noStrike" spc="-1">
               <a:latin typeface="Times New Roman"/>
             </a:endParaRPr>
           </a:p>
@@ -7660,13 +9349,20 @@
           </a:ln>
         </p:spPr>
         <p:style>
-          <a:lnRef idx="0"/>
-          <a:fillRef idx="0"/>
-          <a:effectRef idx="0"/>
+          <a:lnRef idx="0">
+            <a:scrgbClr r="0" g="0" b="0"/>
+          </a:lnRef>
+          <a:fillRef idx="0">
+            <a:scrgbClr r="0" g="0" b="0"/>
+          </a:fillRef>
+          <a:effectRef idx="0">
+            <a:scrgbClr r="0" g="0" b="0"/>
+          </a:effectRef>
           <a:fontRef idx="minor"/>
         </p:style>
         <p:txBody>
-          <a:bodyPr lIns="90000" rIns="90000" tIns="45000" bIns="45000"/>
+          <a:bodyPr lIns="90000" tIns="45000" rIns="90000" bIns="45000"/>
+          <a:lstStyle/>
           <a:p>
             <a:pPr marL="306000" indent="-305640">
               <a:lnSpc>
@@ -7679,27 +9375,27 @@
                 <a:spcPts val="601"/>
               </a:spcAft>
               <a:buClr>
-                <a:srgbClr val="4590b8"/>
+                <a:srgbClr val="4590B8"/>
               </a:buClr>
               <a:buSzPct val="92000"/>
               <a:buFont typeface="Wingdings" charset="2"/>
               <a:buChar char=""/>
             </a:pPr>
             <a:r>
-              <a:rPr b="0" lang="pt-BR" sz="1600" spc="-1" strike="noStrike">
-                <a:solidFill>
-                  <a:srgbClr val="3d3d3d"/>
+              <a:rPr lang="pt-BR" sz="1600" b="0" strike="noStrike" spc="-1">
+                <a:solidFill>
+                  <a:srgbClr val="3D3D3D"/>
                 </a:solidFill>
                 <a:latin typeface="Gill Sans MT"/>
               </a:rPr>
               <a:t>Porque é importante?</a:t>
             </a:r>
-            <a:endParaRPr b="0" lang="pt-BR" sz="1600" spc="-1" strike="noStrike">
+            <a:endParaRPr lang="pt-BR" sz="1600" b="0" strike="noStrike" spc="-1">
               <a:latin typeface="Arial"/>
             </a:endParaRPr>
           </a:p>
           <a:p>
-            <a:pPr lvl="2" marL="763200" indent="-305640">
+            <a:pPr marL="763200" lvl="2" indent="-305640">
               <a:lnSpc>
                 <a:spcPct val="100000"/>
               </a:lnSpc>
@@ -7710,27 +9406,27 @@
                 <a:spcPts val="601"/>
               </a:spcAft>
               <a:buClr>
-                <a:srgbClr val="4590b8"/>
+                <a:srgbClr val="4590B8"/>
               </a:buClr>
               <a:buSzPct val="92000"/>
               <a:buFont typeface="Wingdings" charset="2"/>
               <a:buChar char=""/>
             </a:pPr>
             <a:r>
-              <a:rPr b="0" lang="pt-BR" sz="1600" spc="-1" strike="noStrike">
-                <a:solidFill>
-                  <a:srgbClr val="3d3d3d"/>
+              <a:rPr lang="pt-BR" sz="1600" b="0" strike="noStrike" spc="-1">
+                <a:solidFill>
+                  <a:srgbClr val="3D3D3D"/>
                 </a:solidFill>
                 <a:latin typeface="Gill Sans MT"/>
               </a:rPr>
               <a:t>Encoraja o aprendizado de seus amigos, competidores e mentores</a:t>
             </a:r>
-            <a:endParaRPr b="0" lang="pt-BR" sz="1600" spc="-1" strike="noStrike">
+            <a:endParaRPr lang="pt-BR" sz="1600" b="0" strike="noStrike" spc="-1">
               <a:latin typeface="Arial"/>
             </a:endParaRPr>
           </a:p>
           <a:p>
-            <a:pPr lvl="2" marL="763200" indent="-305640">
+            <a:pPr marL="763200" lvl="2" indent="-305640">
               <a:lnSpc>
                 <a:spcPct val="100000"/>
               </a:lnSpc>
@@ -7741,22 +9437,22 @@
                 <a:spcPts val="601"/>
               </a:spcAft>
               <a:buClr>
-                <a:srgbClr val="4590b8"/>
+                <a:srgbClr val="4590B8"/>
               </a:buClr>
               <a:buSzPct val="92000"/>
               <a:buFont typeface="Wingdings" charset="2"/>
               <a:buChar char=""/>
             </a:pPr>
             <a:r>
-              <a:rPr b="0" lang="pt-BR" sz="1600" spc="-1" strike="noStrike">
-                <a:solidFill>
-                  <a:srgbClr val="3d3d3d"/>
+              <a:rPr lang="pt-BR" sz="1600" b="0" strike="noStrike" spc="-1">
+                <a:solidFill>
+                  <a:srgbClr val="3D3D3D"/>
                 </a:solidFill>
                 <a:latin typeface="Gill Sans MT"/>
               </a:rPr>
               <a:t>É o que torna a FIRST diferente</a:t>
             </a:r>
-            <a:endParaRPr b="0" lang="pt-BR" sz="1600" spc="-1" strike="noStrike">
+            <a:endParaRPr lang="pt-BR" sz="1600" b="0" strike="noStrike" spc="-1">
               <a:latin typeface="Arial"/>
             </a:endParaRPr>
           </a:p>
@@ -7772,27 +9468,27 @@
                 <a:spcPts val="601"/>
               </a:spcAft>
               <a:buClr>
-                <a:srgbClr val="4590b8"/>
+                <a:srgbClr val="4590B8"/>
               </a:buClr>
               <a:buSzPct val="92000"/>
               <a:buFont typeface="Wingdings" charset="2"/>
               <a:buChar char=""/>
             </a:pPr>
             <a:r>
-              <a:rPr b="0" lang="pt-BR" sz="1600" spc="-1" strike="noStrike">
-                <a:solidFill>
-                  <a:srgbClr val="3d3d3d"/>
+              <a:rPr lang="pt-BR" sz="1600" b="0" strike="noStrike" spc="-1">
+                <a:solidFill>
+                  <a:srgbClr val="3D3D3D"/>
                 </a:solidFill>
                 <a:latin typeface="Gill Sans MT"/>
               </a:rPr>
               <a:t>Maneiras de demonstrar Coopertition:</a:t>
             </a:r>
-            <a:endParaRPr b="0" lang="pt-BR" sz="1600" spc="-1" strike="noStrike">
+            <a:endParaRPr lang="pt-BR" sz="1600" b="0" strike="noStrike" spc="-1">
               <a:latin typeface="Arial"/>
             </a:endParaRPr>
           </a:p>
           <a:p>
-            <a:pPr lvl="2" marL="763200" indent="-305640">
+            <a:pPr marL="763200" lvl="2" indent="-305640">
               <a:lnSpc>
                 <a:spcPct val="100000"/>
               </a:lnSpc>
@@ -7803,27 +9499,27 @@
                 <a:spcPts val="601"/>
               </a:spcAft>
               <a:buClr>
-                <a:srgbClr val="4590b8"/>
+                <a:srgbClr val="4590B8"/>
               </a:buClr>
               <a:buSzPct val="92000"/>
               <a:buFont typeface="Wingdings" charset="2"/>
               <a:buChar char=""/>
             </a:pPr>
             <a:r>
-              <a:rPr b="0" lang="pt-BR" sz="1600" spc="-1" strike="noStrike">
-                <a:solidFill>
-                  <a:srgbClr val="3d3d3d"/>
+              <a:rPr lang="pt-BR" sz="1600" b="0" strike="noStrike" spc="-1">
+                <a:solidFill>
+                  <a:srgbClr val="3D3D3D"/>
                 </a:solidFill>
                 <a:latin typeface="Gill Sans MT"/>
               </a:rPr>
               <a:t>Emprestar para uma equipe uma peça que ela precise, mesmo se ajude ela a obter uma pontuação maior</a:t>
             </a:r>
-            <a:endParaRPr b="0" lang="pt-BR" sz="1600" spc="-1" strike="noStrike">
+            <a:endParaRPr lang="pt-BR" sz="1600" b="0" strike="noStrike" spc="-1">
               <a:latin typeface="Arial"/>
             </a:endParaRPr>
           </a:p>
           <a:p>
-            <a:pPr lvl="2" marL="763200" indent="-305640">
+            <a:pPr marL="763200" lvl="2" indent="-305640">
               <a:lnSpc>
                 <a:spcPct val="100000"/>
               </a:lnSpc>
@@ -7834,27 +9530,27 @@
                 <a:spcPts val="601"/>
               </a:spcAft>
               <a:buClr>
-                <a:srgbClr val="4590b8"/>
+                <a:srgbClr val="4590B8"/>
               </a:buClr>
               <a:buSzPct val="92000"/>
               <a:buFont typeface="Wingdings" charset="2"/>
               <a:buChar char=""/>
             </a:pPr>
             <a:r>
-              <a:rPr b="0" lang="pt-BR" sz="1600" spc="-1" strike="noStrike">
-                <a:solidFill>
-                  <a:srgbClr val="3d3d3d"/>
+              <a:rPr lang="pt-BR" sz="1600" b="0" strike="noStrike" spc="-1">
+                <a:solidFill>
+                  <a:srgbClr val="3D3D3D"/>
                 </a:solidFill>
                 <a:latin typeface="Gill Sans MT"/>
               </a:rPr>
               <a:t>Convidar equipes para seu local de treino, para compartilhar conhecimento</a:t>
             </a:r>
-            <a:endParaRPr b="0" lang="pt-BR" sz="1600" spc="-1" strike="noStrike">
+            <a:endParaRPr lang="pt-BR" sz="1600" b="0" strike="noStrike" spc="-1">
               <a:latin typeface="Arial"/>
             </a:endParaRPr>
           </a:p>
           <a:p>
-            <a:pPr lvl="2" marL="763200" indent="-305640">
+            <a:pPr marL="763200" lvl="2" indent="-305640">
               <a:lnSpc>
                 <a:spcPct val="100000"/>
               </a:lnSpc>
@@ -7865,22 +9561,22 @@
                 <a:spcPts val="601"/>
               </a:spcAft>
               <a:buClr>
-                <a:srgbClr val="4590b8"/>
+                <a:srgbClr val="4590B8"/>
               </a:buClr>
               <a:buSzPct val="92000"/>
               <a:buFont typeface="Wingdings" charset="2"/>
               <a:buChar char=""/>
             </a:pPr>
             <a:r>
-              <a:rPr b="0" lang="pt-BR" sz="1600" spc="-1" strike="noStrike">
-                <a:solidFill>
-                  <a:srgbClr val="3d3d3d"/>
+              <a:rPr lang="pt-BR" sz="1600" b="0" strike="noStrike" spc="-1">
+                <a:solidFill>
+                  <a:srgbClr val="3D3D3D"/>
                 </a:solidFill>
                 <a:latin typeface="Gill Sans MT"/>
               </a:rPr>
               <a:t>Você não tem que resolver o desafio ou desenvolver a solução por eles, você deve inspirá-los!</a:t>
             </a:r>
-            <a:endParaRPr b="0" lang="pt-BR" sz="1600" spc="-1" strike="noStrike">
+            <a:endParaRPr lang="pt-BR" sz="1600" b="0" strike="noStrike" spc="-1">
               <a:latin typeface="Arial"/>
             </a:endParaRPr>
           </a:p>
@@ -7906,7 +9602,8 @@
           </a:ln>
         </p:spPr>
         <p:txBody>
-          <a:bodyPr lIns="90000" rIns="90000" tIns="45000" bIns="45000"/>
+          <a:bodyPr lIns="90000" tIns="45000" rIns="90000" bIns="45000"/>
+          <a:lstStyle/>
           <a:p>
             <a:pPr>
               <a:lnSpc>
@@ -7914,24 +9611,24 @@
               </a:lnSpc>
             </a:pPr>
             <a:r>
-              <a:rPr b="0" lang="pt-BR" sz="1800" spc="-1" strike="noStrike">
-                <a:solidFill>
-                  <a:srgbClr val="537ed0"/>
+              <a:rPr lang="pt-BR" sz="1800" b="0" strike="noStrike" spc="-1">
+                <a:solidFill>
+                  <a:srgbClr val="537ED0"/>
                 </a:solidFill>
                 <a:latin typeface="Gill Sans MT"/>
               </a:rPr>
               <a:t>Última edição: </a:t>
             </a:r>
             <a:fld id="{9E5A9909-AB60-45E5-A039-7FDCAE882A6A}" type="datetime1">
-              <a:rPr b="0" lang="pt-BR" sz="1800" spc="-1" strike="noStrike">
-                <a:solidFill>
-                  <a:srgbClr val="537ed0"/>
-                </a:solidFill>
-                <a:latin typeface="Gill Sans MT"/>
-              </a:rPr>
-              <a:t>31/08/2018</a:t>
+              <a:rPr lang="pt-BR" sz="1800" b="0" strike="noStrike" spc="-1">
+                <a:solidFill>
+                  <a:srgbClr val="537ED0"/>
+                </a:solidFill>
+                <a:latin typeface="Gill Sans MT"/>
+              </a:rPr>
+              <a:t>01/10/2018</a:t>
             </a:fld>
-            <a:endParaRPr b="0" lang="pt-BR" sz="1800" spc="-1" strike="noStrike">
+            <a:endParaRPr lang="pt-BR" sz="1800" b="0" strike="noStrike" spc="-1">
               <a:latin typeface="Times New Roman"/>
             </a:endParaRPr>
           </a:p>
@@ -7957,7 +9654,8 @@
           </a:ln>
         </p:spPr>
         <p:txBody>
-          <a:bodyPr lIns="90000" rIns="90000" tIns="45000" bIns="45000"/>
+          <a:bodyPr lIns="90000" tIns="45000" rIns="90000" bIns="45000"/>
+          <a:lstStyle/>
           <a:p>
             <a:pPr>
               <a:lnSpc>
@@ -7965,15 +9663,15 @@
               </a:lnSpc>
             </a:pPr>
             <a:r>
-              <a:rPr b="0" lang="pt-BR" sz="1800" spc="-1" strike="noStrike">
-                <a:solidFill>
-                  <a:srgbClr val="537ed0"/>
+              <a:rPr lang="pt-BR" sz="1800" b="0" strike="noStrike" spc="-1">
+                <a:solidFill>
+                  <a:srgbClr val="537ED0"/>
                 </a:solidFill>
                 <a:latin typeface="Gill Sans MT"/>
               </a:rPr>
               <a:t>Copyright 2018, FLL TUTORIALS</a:t>
             </a:r>
-            <a:endParaRPr b="0" lang="pt-BR" sz="1800" spc="-1" strike="noStrike">
+            <a:endParaRPr lang="pt-BR" sz="1800" b="0" strike="noStrike" spc="-1">
               <a:latin typeface="Times New Roman"/>
             </a:endParaRPr>
           </a:p>
@@ -7981,12 +9679,12 @@
       </p:sp>
       <p:pic>
         <p:nvPicPr>
-          <p:cNvPr id="134" name="Picture 8" descr=""/>
+          <p:cNvPr id="134" name="Picture 8"/>
           <p:cNvPicPr/>
           <p:nvPr/>
         </p:nvPicPr>
         <p:blipFill>
-          <a:blip r:embed="rId1"/>
+          <a:blip r:embed="rId2"/>
           <a:stretch/>
         </p:blipFill>
         <p:spPr>
@@ -8004,22 +9702,25 @@
       </p:pic>
     </p:spTree>
   </p:cSld>
+  <p:clrMapOvr>
+    <a:masterClrMapping/>
+  </p:clrMapOvr>
   <p:timing>
     <p:tnLst>
       <p:par>
-        <p:cTn id="13" dur="indefinite" restart="never" nodeType="tmRoot">
+        <p:cTn id="1" dur="indefinite" restart="never" nodeType="tmRoot">
           <p:childTnLst>
             <p:seq>
-              <p:cTn id="14" dur="indefinite" nodeType="mainSeq"/>
+              <p:cTn id="2" dur="indefinite" nodeType="mainSeq"/>
               <p:prevCondLst>
-                <p:cond delay="0" evt="onPrev">
+                <p:cond evt="onPrev" delay="0">
                   <p:tgtEl>
                     <p:sldTgt/>
                   </p:tgtEl>
                 </p:cond>
               </p:prevCondLst>
               <p:nextCondLst>
-                <p:cond delay="0" evt="onNext">
+                <p:cond evt="onNext" delay="0">
                   <p:tgtEl>
                     <p:sldTgt/>
                   </p:tgtEl>
@@ -8035,7 +9736,7 @@
 </file>
 
 <file path=ppt/slides/slide8.xml><?xml version="1.0" encoding="utf-8"?>
-<p:sld xmlns:a="http://schemas.openxmlformats.org/drawingml/2006/main" xmlns:p="http://schemas.openxmlformats.org/presentationml/2006/main" xmlns:r="http://schemas.openxmlformats.org/officeDocument/2006/relationships" xmlns:p14="http://schemas.microsoft.com/office/powerpoint/2010/main" xmlns:p15="http://schemas.microsoft.com/office/powerpoint/2012/main" xmlns:mc="http://schemas.openxmlformats.org/markup-compatibility/2006">
+<p:sld xmlns:a="http://schemas.openxmlformats.org/drawingml/2006/main" xmlns:r="http://schemas.openxmlformats.org/officeDocument/2006/relationships" xmlns:p="http://schemas.openxmlformats.org/presentationml/2006/main">
   <p:cSld>
     <p:spTree>
       <p:nvGrpSpPr>
@@ -8072,6 +9773,7 @@
         </p:spPr>
         <p:txBody>
           <a:bodyPr anchor="b"/>
+          <a:lstStyle/>
           <a:p>
             <a:pPr>
               <a:lnSpc>
@@ -8079,15 +9781,15 @@
               </a:lnSpc>
             </a:pPr>
             <a:r>
-              <a:rPr b="0" lang="en-US" sz="2800" spc="-1" strike="noStrike" cap="all">
-                <a:solidFill>
-                  <a:srgbClr val="ffffff"/>
+              <a:rPr lang="en-US" sz="2800" b="0" strike="noStrike" cap="all" spc="-1">
+                <a:solidFill>
+                  <a:srgbClr val="FFFFFF"/>
                 </a:solidFill>
                 <a:latin typeface="Gill Sans MT"/>
               </a:rPr>
               <a:t>Por que fazer atividades de extensão?</a:t>
             </a:r>
-            <a:endParaRPr b="0" lang="en-US" sz="2800" spc="-1" strike="noStrike">
+            <a:endParaRPr lang="en-US" sz="2800" b="0" strike="noStrike" spc="-1">
               <a:solidFill>
                 <a:srgbClr val="000000"/>
               </a:solidFill>
@@ -8119,6 +9821,7 @@
           <a:bodyPr>
             <a:normAutofit/>
           </a:bodyPr>
+          <a:lstStyle/>
           <a:p>
             <a:pPr marL="306000" indent="-305640">
               <a:lnSpc>
@@ -8131,27 +9834,21 @@
                 <a:spcPts val="601"/>
               </a:spcAft>
               <a:buClr>
-                <a:srgbClr val="4590b8"/>
+                <a:srgbClr val="4590B8"/>
               </a:buClr>
               <a:buSzPct val="92000"/>
               <a:buFont typeface="Wingdings" charset="2"/>
               <a:buChar char=""/>
             </a:pPr>
             <a:r>
-              <a:rPr b="0" lang="en-US" sz="2800" spc="-1" strike="noStrike">
-                <a:solidFill>
-                  <a:srgbClr val="3d3d3d"/>
+              <a:rPr lang="en-US" sz="2800" b="0" strike="noStrike" spc="-1">
+                <a:solidFill>
+                  <a:srgbClr val="3D3D3D"/>
                 </a:solidFill>
                 <a:latin typeface="Gill Sans MT"/>
               </a:rPr>
               <a:t>Fornecer conhecimento para a comunidade  </a:t>
             </a:r>
-            <a:endParaRPr b="0" lang="en-US" sz="2800" spc="-1" strike="noStrike">
-              <a:solidFill>
-                <a:srgbClr val="3d3d3d"/>
-              </a:solidFill>
-              <a:latin typeface="Gill Sans MT"/>
-            </a:endParaRPr>
           </a:p>
           <a:p>
             <a:pPr marL="306000" indent="-305640">
@@ -8165,27 +9862,21 @@
                 <a:spcPts val="601"/>
               </a:spcAft>
               <a:buClr>
-                <a:srgbClr val="4590b8"/>
+                <a:srgbClr val="4590B8"/>
               </a:buClr>
               <a:buSzPct val="92000"/>
               <a:buFont typeface="Wingdings" charset="2"/>
               <a:buChar char=""/>
             </a:pPr>
             <a:r>
-              <a:rPr b="0" lang="en-US" sz="2800" spc="-1" strike="noStrike">
-                <a:solidFill>
-                  <a:srgbClr val="3d3d3d"/>
+              <a:rPr lang="en-US" sz="2800" b="0" strike="noStrike" spc="-1">
+                <a:solidFill>
+                  <a:srgbClr val="3D3D3D"/>
                 </a:solidFill>
                 <a:latin typeface="Gill Sans MT"/>
               </a:rPr>
               <a:t>Compartilhar sua paixão pela FIRST</a:t>
             </a:r>
-            <a:endParaRPr b="0" lang="en-US" sz="2800" spc="-1" strike="noStrike">
-              <a:solidFill>
-                <a:srgbClr val="3d3d3d"/>
-              </a:solidFill>
-              <a:latin typeface="Gill Sans MT"/>
-            </a:endParaRPr>
           </a:p>
           <a:p>
             <a:pPr marL="306000" indent="-305640">
@@ -8199,14 +9890,14 @@
                 <a:spcPts val="601"/>
               </a:spcAft>
               <a:buClr>
-                <a:srgbClr val="4590b8"/>
+                <a:srgbClr val="4590B8"/>
               </a:buClr>
               <a:buSzPct val="92000"/>
               <a:buFont typeface="Wingdings" charset="2"/>
               <a:buChar char=""/>
             </a:pPr>
             <a:r>
-              <a:rPr b="0" lang="en-US" sz="2800" spc="-1" strike="noStrike">
+              <a:rPr lang="en-US" sz="2800" b="0" strike="noStrike" spc="-1">
                 <a:solidFill>
                   <a:srgbClr val="000000"/>
                 </a:solidFill>
@@ -8214,9 +9905,9 @@
               </a:rPr>
               <a:t>Encoraje outros estudantes e adultos a participarem da FIRST</a:t>
             </a:r>
-            <a:endParaRPr b="0" lang="en-US" sz="2800" spc="-1" strike="noStrike">
+            <a:endParaRPr lang="en-US" sz="2800" b="0" strike="noStrike" spc="-1">
               <a:solidFill>
-                <a:srgbClr val="3d3d3d"/>
+                <a:srgbClr val="3D3D3D"/>
               </a:solidFill>
               <a:latin typeface="Gill Sans MT"/>
             </a:endParaRPr>
@@ -8230,9 +9921,9 @@
                 <a:spcPts val="601"/>
               </a:spcAft>
             </a:pPr>
-            <a:endParaRPr b="0" lang="en-US" sz="2800" spc="-1" strike="noStrike">
+            <a:endParaRPr lang="en-US" sz="2800" b="0" strike="noStrike" spc="-1">
               <a:solidFill>
-                <a:srgbClr val="3d3d3d"/>
+                <a:srgbClr val="3D3D3D"/>
               </a:solidFill>
               <a:latin typeface="Gill Sans MT"/>
             </a:endParaRPr>
@@ -8246,9 +9937,9 @@
                 <a:spcPts val="601"/>
               </a:spcAft>
             </a:pPr>
-            <a:endParaRPr b="0" lang="en-US" sz="2800" spc="-1" strike="noStrike">
+            <a:endParaRPr lang="en-US" sz="2800" b="0" strike="noStrike" spc="-1">
               <a:solidFill>
-                <a:srgbClr val="3d3d3d"/>
+                <a:srgbClr val="3D3D3D"/>
               </a:solidFill>
               <a:latin typeface="Gill Sans MT"/>
             </a:endParaRPr>
@@ -8262,9 +9953,9 @@
                 <a:spcPts val="601"/>
               </a:spcAft>
             </a:pPr>
-            <a:endParaRPr b="0" lang="en-US" sz="2800" spc="-1" strike="noStrike">
+            <a:endParaRPr lang="en-US" sz="2800" b="0" strike="noStrike" spc="-1">
               <a:solidFill>
-                <a:srgbClr val="3d3d3d"/>
+                <a:srgbClr val="3D3D3D"/>
               </a:solidFill>
               <a:latin typeface="Gill Sans MT"/>
             </a:endParaRPr>
@@ -8278,9 +9969,9 @@
                 <a:spcPts val="601"/>
               </a:spcAft>
             </a:pPr>
-            <a:endParaRPr b="0" lang="en-US" sz="2800" spc="-1" strike="noStrike">
+            <a:endParaRPr lang="en-US" sz="2800" b="0" strike="noStrike" spc="-1">
               <a:solidFill>
-                <a:srgbClr val="3d3d3d"/>
+                <a:srgbClr val="3D3D3D"/>
               </a:solidFill>
               <a:latin typeface="Gill Sans MT"/>
             </a:endParaRPr>
@@ -8307,7 +9998,8 @@
           </a:ln>
         </p:spPr>
         <p:txBody>
-          <a:bodyPr lIns="90000" rIns="90000" tIns="45000" bIns="45000"/>
+          <a:bodyPr lIns="90000" tIns="45000" rIns="90000" bIns="45000"/>
+          <a:lstStyle/>
           <a:p>
             <a:pPr>
               <a:lnSpc>
@@ -8315,15 +10007,15 @@
               </a:lnSpc>
             </a:pPr>
             <a:fld id="{16D74503-49A7-4F11-8EF2-CCDBC3709F2D}" type="slidenum">
-              <a:rPr b="0" lang="pt-BR" sz="1800" spc="-1" strike="noStrike">
-                <a:solidFill>
-                  <a:srgbClr val="537ed0"/>
-                </a:solidFill>
-                <a:latin typeface="Gill Sans MT"/>
-              </a:rPr>
-              <a:t>1</a:t>
+              <a:rPr lang="pt-BR" sz="1800" b="0" strike="noStrike" spc="-1">
+                <a:solidFill>
+                  <a:srgbClr val="537ED0"/>
+                </a:solidFill>
+                <a:latin typeface="Gill Sans MT"/>
+              </a:rPr>
+              <a:t>8</a:t>
             </a:fld>
-            <a:endParaRPr b="0" lang="pt-BR" sz="1800" spc="-1" strike="noStrike">
+            <a:endParaRPr lang="pt-BR" sz="1800" b="0" strike="noStrike" spc="-1">
               <a:latin typeface="Times New Roman"/>
             </a:endParaRPr>
           </a:p>
@@ -8349,7 +10041,8 @@
           </a:ln>
         </p:spPr>
         <p:txBody>
-          <a:bodyPr lIns="90000" rIns="90000" tIns="45000" bIns="45000"/>
+          <a:bodyPr lIns="90000" tIns="45000" rIns="90000" bIns="45000"/>
+          <a:lstStyle/>
           <a:p>
             <a:pPr>
               <a:lnSpc>
@@ -8357,24 +10050,24 @@
               </a:lnSpc>
             </a:pPr>
             <a:r>
-              <a:rPr b="0" lang="pt-BR" sz="1800" spc="-1" strike="noStrike">
-                <a:solidFill>
-                  <a:srgbClr val="537ed0"/>
+              <a:rPr lang="pt-BR" sz="1800" b="0" strike="noStrike" spc="-1">
+                <a:solidFill>
+                  <a:srgbClr val="537ED0"/>
                 </a:solidFill>
                 <a:latin typeface="Gill Sans MT"/>
               </a:rPr>
               <a:t>Última edição: </a:t>
             </a:r>
             <a:fld id="{653D7AC8-59D8-45DF-A7D2-414478B74222}" type="datetime1">
-              <a:rPr b="0" lang="pt-BR" sz="1800" spc="-1" strike="noStrike">
-                <a:solidFill>
-                  <a:srgbClr val="537ed0"/>
-                </a:solidFill>
-                <a:latin typeface="Gill Sans MT"/>
-              </a:rPr>
-              <a:t>31/08/2018</a:t>
+              <a:rPr lang="pt-BR" sz="1800" b="0" strike="noStrike" spc="-1">
+                <a:solidFill>
+                  <a:srgbClr val="537ED0"/>
+                </a:solidFill>
+                <a:latin typeface="Gill Sans MT"/>
+              </a:rPr>
+              <a:t>01/10/2018</a:t>
             </a:fld>
-            <a:endParaRPr b="0" lang="pt-BR" sz="1800" spc="-1" strike="noStrike">
+            <a:endParaRPr lang="pt-BR" sz="1800" b="0" strike="noStrike" spc="-1">
               <a:latin typeface="Times New Roman"/>
             </a:endParaRPr>
           </a:p>
@@ -8400,7 +10093,8 @@
           </a:ln>
         </p:spPr>
         <p:txBody>
-          <a:bodyPr lIns="90000" rIns="90000" tIns="45000" bIns="45000"/>
+          <a:bodyPr lIns="90000" tIns="45000" rIns="90000" bIns="45000"/>
+          <a:lstStyle/>
           <a:p>
             <a:pPr>
               <a:lnSpc>
@@ -8408,15 +10102,15 @@
               </a:lnSpc>
             </a:pPr>
             <a:r>
-              <a:rPr b="0" lang="pt-BR" sz="1800" spc="-1" strike="noStrike">
-                <a:solidFill>
-                  <a:srgbClr val="537ed0"/>
+              <a:rPr lang="pt-BR" sz="1800" b="0" strike="noStrike" spc="-1">
+                <a:solidFill>
+                  <a:srgbClr val="537ED0"/>
                 </a:solidFill>
                 <a:latin typeface="Gill Sans MT"/>
               </a:rPr>
               <a:t>Copyright 2018, FLL TUTORIALS</a:t>
             </a:r>
-            <a:endParaRPr b="0" lang="pt-BR" sz="1800" spc="-1" strike="noStrike">
+            <a:endParaRPr lang="pt-BR" sz="1800" b="0" strike="noStrike" spc="-1">
               <a:latin typeface="Times New Roman"/>
             </a:endParaRPr>
           </a:p>
@@ -8424,12 +10118,12 @@
       </p:sp>
       <p:pic>
         <p:nvPicPr>
-          <p:cNvPr id="140" name="Picture 8" descr=""/>
+          <p:cNvPr id="140" name="Picture 8"/>
           <p:cNvPicPr/>
           <p:nvPr/>
         </p:nvPicPr>
         <p:blipFill>
-          <a:blip r:embed="rId1"/>
+          <a:blip r:embed="rId2"/>
           <a:stretch/>
         </p:blipFill>
         <p:spPr>
@@ -8447,22 +10141,25 @@
       </p:pic>
     </p:spTree>
   </p:cSld>
+  <p:clrMapOvr>
+    <a:masterClrMapping/>
+  </p:clrMapOvr>
   <p:timing>
     <p:tnLst>
       <p:par>
-        <p:cTn id="15" dur="indefinite" restart="never" nodeType="tmRoot">
+        <p:cTn id="1" dur="indefinite" restart="never" nodeType="tmRoot">
           <p:childTnLst>
             <p:seq>
-              <p:cTn id="16" dur="indefinite" nodeType="mainSeq"/>
+              <p:cTn id="2" dur="indefinite" nodeType="mainSeq"/>
               <p:prevCondLst>
-                <p:cond delay="0" evt="onPrev">
+                <p:cond evt="onPrev" delay="0">
                   <p:tgtEl>
                     <p:sldTgt/>
                   </p:tgtEl>
                 </p:cond>
               </p:prevCondLst>
               <p:nextCondLst>
-                <p:cond delay="0" evt="onNext">
+                <p:cond evt="onNext" delay="0">
                   <p:tgtEl>
                     <p:sldTgt/>
                   </p:tgtEl>
@@ -8478,7 +10175,7 @@
 </file>
 
 <file path=ppt/slides/slide9.xml><?xml version="1.0" encoding="utf-8"?>
-<p:sld xmlns:a="http://schemas.openxmlformats.org/drawingml/2006/main" xmlns:p="http://schemas.openxmlformats.org/presentationml/2006/main" xmlns:r="http://schemas.openxmlformats.org/officeDocument/2006/relationships" xmlns:p14="http://schemas.microsoft.com/office/powerpoint/2010/main" xmlns:p15="http://schemas.microsoft.com/office/powerpoint/2012/main" xmlns:mc="http://schemas.openxmlformats.org/markup-compatibility/2006">
+<p:sld xmlns:a="http://schemas.openxmlformats.org/drawingml/2006/main" xmlns:r="http://schemas.openxmlformats.org/officeDocument/2006/relationships" xmlns:p="http://schemas.openxmlformats.org/presentationml/2006/main">
   <p:cSld>
     <p:spTree>
       <p:nvGrpSpPr>
@@ -8515,6 +10212,7 @@
         </p:spPr>
         <p:txBody>
           <a:bodyPr anchor="b"/>
+          <a:lstStyle/>
           <a:p>
             <a:pPr>
               <a:lnSpc>
@@ -8522,15 +10220,15 @@
               </a:lnSpc>
             </a:pPr>
             <a:r>
-              <a:rPr b="0" lang="en-US" sz="2800" spc="-1" strike="noStrike" cap="all">
-                <a:solidFill>
-                  <a:srgbClr val="ffffff"/>
+              <a:rPr lang="en-US" sz="2800" b="0" strike="noStrike" cap="all" spc="-1">
+                <a:solidFill>
+                  <a:srgbClr val="FFFFFF"/>
                 </a:solidFill>
                 <a:latin typeface="Gill Sans MT"/>
               </a:rPr>
               <a:t>Avaliação de cORE VALUES</a:t>
             </a:r>
-            <a:endParaRPr b="0" lang="en-US" sz="2800" spc="-1" strike="noStrike">
+            <a:endParaRPr lang="en-US" sz="2800" b="0" strike="noStrike" spc="-1">
               <a:solidFill>
                 <a:srgbClr val="000000"/>
               </a:solidFill>
@@ -8560,8 +10258,9 @@
         </p:spPr>
         <p:txBody>
           <a:bodyPr>
-            <a:normAutofit/>
+            <a:normAutofit fontScale="92500" lnSpcReduction="10000"/>
           </a:bodyPr>
+          <a:lstStyle/>
           <a:p>
             <a:pPr marL="306000" indent="-305640">
               <a:lnSpc>
@@ -8574,27 +10273,21 @@
                 <a:spcPts val="601"/>
               </a:spcAft>
               <a:buClr>
-                <a:srgbClr val="4590b8"/>
+                <a:srgbClr val="4590B8"/>
               </a:buClr>
               <a:buSzPct val="92000"/>
               <a:buFont typeface="Wingdings 2" charset="2"/>
               <a:buChar char=""/>
             </a:pPr>
             <a:r>
-              <a:rPr b="0" lang="en-US" sz="2800" spc="-1" strike="noStrike">
-                <a:solidFill>
-                  <a:srgbClr val="3d3d3d"/>
+              <a:rPr lang="en-US" sz="2800" b="0" strike="noStrike" spc="-1">
+                <a:solidFill>
+                  <a:srgbClr val="3D3D3D"/>
                 </a:solidFill>
                 <a:latin typeface="Gill Sans MT"/>
               </a:rPr>
               <a:t>Juízes mostram uma dinâmica de grupo</a:t>
             </a:r>
-            <a:endParaRPr b="0" lang="en-US" sz="2800" spc="-1" strike="noStrike">
-              <a:solidFill>
-                <a:srgbClr val="3d3d3d"/>
-              </a:solidFill>
-              <a:latin typeface="Gill Sans MT"/>
-            </a:endParaRPr>
           </a:p>
           <a:p>
             <a:pPr marL="306000" indent="-305640">
@@ -8608,27 +10301,21 @@
                 <a:spcPts val="601"/>
               </a:spcAft>
               <a:buClr>
-                <a:srgbClr val="4590b8"/>
+                <a:srgbClr val="4590B8"/>
               </a:buClr>
               <a:buSzPct val="92000"/>
               <a:buFont typeface="Wingdings 2" charset="2"/>
               <a:buChar char=""/>
             </a:pPr>
             <a:r>
-              <a:rPr b="0" lang="en-US" sz="2800" spc="-1" strike="noStrike">
-                <a:solidFill>
-                  <a:srgbClr val="3d3d3d"/>
+              <a:rPr lang="en-US" sz="2800" b="0" strike="noStrike" spc="-1">
+                <a:solidFill>
+                  <a:srgbClr val="3D3D3D"/>
                 </a:solidFill>
                 <a:latin typeface="Gill Sans MT"/>
               </a:rPr>
               <a:t>A equipe então pode apresentar o pôster de Core Values</a:t>
             </a:r>
-            <a:endParaRPr b="0" lang="en-US" sz="2800" spc="-1" strike="noStrike">
-              <a:solidFill>
-                <a:srgbClr val="3d3d3d"/>
-              </a:solidFill>
-              <a:latin typeface="Gill Sans MT"/>
-            </a:endParaRPr>
           </a:p>
           <a:p>
             <a:pPr marL="306000" indent="-305640">
@@ -8642,27 +10329,21 @@
                 <a:spcPts val="601"/>
               </a:spcAft>
               <a:buClr>
-                <a:srgbClr val="4590b8"/>
+                <a:srgbClr val="4590B8"/>
               </a:buClr>
               <a:buSzPct val="92000"/>
               <a:buFont typeface="Wingdings 2" charset="2"/>
               <a:buChar char=""/>
             </a:pPr>
             <a:r>
-              <a:rPr b="0" lang="en-US" sz="2800" spc="-1" strike="noStrike">
-                <a:solidFill>
-                  <a:srgbClr val="3d3d3d"/>
+              <a:rPr lang="en-US" sz="2800" b="0" strike="noStrike" spc="-1">
+                <a:solidFill>
+                  <a:srgbClr val="3D3D3D"/>
                 </a:solidFill>
                 <a:latin typeface="Gill Sans MT"/>
               </a:rPr>
               <a:t>Juízes farão perguntas de acompanhamento sobre o que estava sendo apresentado no pôster, e perguntas adicionais sobre aplicar os Core Values for a da FIRST LEGO League</a:t>
             </a:r>
-            <a:endParaRPr b="0" lang="en-US" sz="2800" spc="-1" strike="noStrike">
-              <a:solidFill>
-                <a:srgbClr val="3d3d3d"/>
-              </a:solidFill>
-              <a:latin typeface="Gill Sans MT"/>
-            </a:endParaRPr>
           </a:p>
         </p:txBody>
       </p:sp>
@@ -8686,7 +10367,8 @@
           </a:ln>
         </p:spPr>
         <p:txBody>
-          <a:bodyPr lIns="90000" rIns="90000" tIns="45000" bIns="45000"/>
+          <a:bodyPr lIns="90000" tIns="45000" rIns="90000" bIns="45000"/>
+          <a:lstStyle/>
           <a:p>
             <a:pPr>
               <a:lnSpc>
@@ -8694,24 +10376,24 @@
               </a:lnSpc>
             </a:pPr>
             <a:r>
-              <a:rPr b="0" lang="pt-BR" sz="1800" spc="-1" strike="noStrike">
-                <a:solidFill>
-                  <a:srgbClr val="537ed0"/>
+              <a:rPr lang="pt-BR" sz="1800" b="0" strike="noStrike" spc="-1">
+                <a:solidFill>
+                  <a:srgbClr val="537ED0"/>
                 </a:solidFill>
                 <a:latin typeface="Gill Sans MT"/>
               </a:rPr>
               <a:t>Última edição: </a:t>
             </a:r>
             <a:fld id="{7FEAC791-05B1-4B1B-BAA0-626A23E4DAE9}" type="datetime1">
-              <a:rPr b="0" lang="pt-BR" sz="1800" spc="-1" strike="noStrike">
-                <a:solidFill>
-                  <a:srgbClr val="537ed0"/>
-                </a:solidFill>
-                <a:latin typeface="Gill Sans MT"/>
-              </a:rPr>
-              <a:t>31/08/2018</a:t>
+              <a:rPr lang="pt-BR" sz="1800" b="0" strike="noStrike" spc="-1">
+                <a:solidFill>
+                  <a:srgbClr val="537ED0"/>
+                </a:solidFill>
+                <a:latin typeface="Gill Sans MT"/>
+              </a:rPr>
+              <a:t>01/10/2018</a:t>
             </a:fld>
-            <a:endParaRPr b="0" lang="pt-BR" sz="1800" spc="-1" strike="noStrike">
+            <a:endParaRPr lang="pt-BR" sz="1800" b="0" strike="noStrike" spc="-1">
               <a:latin typeface="Times New Roman"/>
             </a:endParaRPr>
           </a:p>
@@ -8737,7 +10419,8 @@
           </a:ln>
         </p:spPr>
         <p:txBody>
-          <a:bodyPr lIns="90000" rIns="90000" tIns="45000" bIns="45000"/>
+          <a:bodyPr lIns="90000" tIns="45000" rIns="90000" bIns="45000"/>
+          <a:lstStyle/>
           <a:p>
             <a:pPr>
               <a:lnSpc>
@@ -8745,15 +10428,15 @@
               </a:lnSpc>
             </a:pPr>
             <a:r>
-              <a:rPr b="0" lang="pt-BR" sz="1800" spc="-1" strike="noStrike">
-                <a:solidFill>
-                  <a:srgbClr val="537ed0"/>
+              <a:rPr lang="pt-BR" sz="1800" b="0" strike="noStrike" spc="-1">
+                <a:solidFill>
+                  <a:srgbClr val="537ED0"/>
                 </a:solidFill>
                 <a:latin typeface="Gill Sans MT"/>
               </a:rPr>
               <a:t>Copyright 2018, FLL TUTORIALS</a:t>
             </a:r>
-            <a:endParaRPr b="0" lang="pt-BR" sz="1800" spc="-1" strike="noStrike">
+            <a:endParaRPr lang="pt-BR" sz="1800" b="0" strike="noStrike" spc="-1">
               <a:latin typeface="Times New Roman"/>
             </a:endParaRPr>
           </a:p>
@@ -8779,13 +10462,20 @@
           </a:ln>
         </p:spPr>
         <p:style>
-          <a:lnRef idx="0"/>
-          <a:fillRef idx="0"/>
-          <a:effectRef idx="0"/>
+          <a:lnRef idx="0">
+            <a:scrgbClr r="0" g="0" b="0"/>
+          </a:lnRef>
+          <a:fillRef idx="0">
+            <a:scrgbClr r="0" g="0" b="0"/>
+          </a:fillRef>
+          <a:effectRef idx="0">
+            <a:scrgbClr r="0" g="0" b="0"/>
+          </a:effectRef>
           <a:fontRef idx="minor"/>
         </p:style>
         <p:txBody>
-          <a:bodyPr lIns="90000" rIns="90000" tIns="45000" bIns="45000"/>
+          <a:bodyPr lIns="90000" tIns="45000" rIns="90000" bIns="45000"/>
+          <a:lstStyle/>
           <a:p>
             <a:pPr>
               <a:lnSpc>
@@ -8793,15 +10483,15 @@
               </a:lnSpc>
             </a:pPr>
             <a:fld id="{2A3D166E-1830-4EF1-99B5-4FA283258CE1}" type="slidenum">
-              <a:rPr b="0" lang="pt-BR" sz="1800" spc="-1" strike="noStrike">
-                <a:solidFill>
-                  <a:srgbClr val="2f5aac"/>
-                </a:solidFill>
-                <a:latin typeface="Gill Sans MT"/>
-              </a:rPr>
-              <a:t>1</a:t>
+              <a:rPr lang="pt-BR" sz="1800" b="0" strike="noStrike" spc="-1">
+                <a:solidFill>
+                  <a:srgbClr val="2F5AAC"/>
+                </a:solidFill>
+                <a:latin typeface="Gill Sans MT"/>
+              </a:rPr>
+              <a:t>9</a:t>
             </a:fld>
-            <a:endParaRPr b="0" lang="pt-BR" sz="1800" spc="-1" strike="noStrike">
+            <a:endParaRPr lang="pt-BR" sz="1800" b="0" strike="noStrike" spc="-1">
               <a:latin typeface="Arial"/>
             </a:endParaRPr>
           </a:p>
@@ -8809,30 +10499,7 @@
       </p:sp>
       <p:pic>
         <p:nvPicPr>
-          <p:cNvPr id="146" name="Picture 9" descr=""/>
-          <p:cNvPicPr/>
-          <p:nvPr/>
-        </p:nvPicPr>
-        <p:blipFill>
-          <a:blip r:embed="rId1"/>
-          <a:stretch/>
-        </p:blipFill>
-        <p:spPr>
-          <a:xfrm>
-            <a:off x="5795280" y="4071600"/>
-            <a:ext cx="2764440" cy="1836720"/>
-          </a:xfrm>
-          <a:prstGeom prst="rect">
-            <a:avLst/>
-          </a:prstGeom>
-          <a:ln>
-            <a:noFill/>
-          </a:ln>
-        </p:spPr>
-      </p:pic>
-      <p:pic>
-        <p:nvPicPr>
-          <p:cNvPr id="147" name="Picture 10" descr=""/>
+          <p:cNvPr id="146" name="Picture 9"/>
           <p:cNvPicPr/>
           <p:nvPr/>
         </p:nvPicPr>
@@ -8842,8 +10509,8 @@
         </p:blipFill>
         <p:spPr>
           <a:xfrm>
-            <a:off x="5795280" y="1686960"/>
-            <a:ext cx="2772000" cy="2079000"/>
+            <a:off x="5795280" y="4071600"/>
+            <a:ext cx="2764440" cy="1836720"/>
           </a:xfrm>
           <a:prstGeom prst="rect">
             <a:avLst/>
@@ -8853,24 +10520,50 @@
           </a:ln>
         </p:spPr>
       </p:pic>
+      <p:pic>
+        <p:nvPicPr>
+          <p:cNvPr id="147" name="Picture 10"/>
+          <p:cNvPicPr/>
+          <p:nvPr/>
+        </p:nvPicPr>
+        <p:blipFill>
+          <a:blip r:embed="rId3"/>
+          <a:stretch/>
+        </p:blipFill>
+        <p:spPr>
+          <a:xfrm>
+            <a:off x="5795280" y="1686960"/>
+            <a:ext cx="2772000" cy="2079000"/>
+          </a:xfrm>
+          <a:prstGeom prst="rect">
+            <a:avLst/>
+          </a:prstGeom>
+          <a:ln>
+            <a:noFill/>
+          </a:ln>
+        </p:spPr>
+      </p:pic>
     </p:spTree>
   </p:cSld>
+  <p:clrMapOvr>
+    <a:masterClrMapping/>
+  </p:clrMapOvr>
   <p:timing>
     <p:tnLst>
       <p:par>
-        <p:cTn id="17" dur="indefinite" restart="never" nodeType="tmRoot">
+        <p:cTn id="1" dur="indefinite" restart="never" nodeType="tmRoot">
           <p:childTnLst>
             <p:seq>
-              <p:cTn id="18" dur="indefinite" nodeType="mainSeq"/>
+              <p:cTn id="2" dur="indefinite" nodeType="mainSeq"/>
               <p:prevCondLst>
-                <p:cond delay="0" evt="onPrev">
+                <p:cond evt="onPrev" delay="0">
                   <p:tgtEl>
                     <p:sldTgt/>
                   </p:tgtEl>
                 </p:cond>
               </p:prevCondLst>
               <p:nextCondLst>
-                <p:cond delay="0" evt="onNext">
+                <p:cond evt="onNext" delay="0">
                   <p:tgtEl>
                     <p:sldTgt/>
                   </p:tgtEl>
@@ -8896,34 +10589,34 @@
         <a:sysClr val="window" lastClr="FFFFFF"/>
       </a:lt1>
       <a:dk2>
-        <a:srgbClr val="3d3d3d"/>
+        <a:srgbClr val="3D3D3D"/>
       </a:dk2>
       <a:lt2>
-        <a:srgbClr val="ebebeb"/>
+        <a:srgbClr val="EBEBEB"/>
       </a:lt2>
       <a:accent1>
-        <a:srgbClr val="1a3260"/>
+        <a:srgbClr val="1A3260"/>
       </a:accent1>
       <a:accent2>
-        <a:srgbClr val="4590b8"/>
+        <a:srgbClr val="4590B8"/>
       </a:accent2>
       <a:accent3>
-        <a:srgbClr val="45cbe8"/>
+        <a:srgbClr val="45CBE8"/>
       </a:accent3>
       <a:accent4>
-        <a:srgbClr val="969fa7"/>
+        <a:srgbClr val="969FA7"/>
       </a:accent4>
       <a:accent5>
-        <a:srgbClr val="a2c777"/>
+        <a:srgbClr val="A2C777"/>
       </a:accent5>
       <a:accent6>
-        <a:srgbClr val="42955f"/>
+        <a:srgbClr val="42955F"/>
       </a:accent6>
       <a:hlink>
         <a:srgbClr val="828282"/>
       </a:hlink>
       <a:folHlink>
-        <a:srgbClr val="a5a5a5"/>
+        <a:srgbClr val="A5A5A5"/>
       </a:folHlink>
     </a:clrScheme>
     <a:fontScheme name="Office">
@@ -9105,6 +10798,8 @@
       </a:bgFillStyleLst>
     </a:fmtScheme>
   </a:themeElements>
+  <a:objectDefaults/>
+  <a:extraClrSchemeLst/>
 </a:theme>
 </file>
 
@@ -9119,31 +10814,31 @@
         <a:sysClr val="window" lastClr="FFFFFF"/>
       </a:lt1>
       <a:dk2>
-        <a:srgbClr val="1f497d"/>
+        <a:srgbClr val="1F497D"/>
       </a:dk2>
       <a:lt2>
-        <a:srgbClr val="eeece1"/>
+        <a:srgbClr val="EEECE1"/>
       </a:lt2>
       <a:accent1>
-        <a:srgbClr val="4f81bd"/>
+        <a:srgbClr val="4F81BD"/>
       </a:accent1>
       <a:accent2>
-        <a:srgbClr val="c0504d"/>
+        <a:srgbClr val="C0504D"/>
       </a:accent2>
       <a:accent3>
-        <a:srgbClr val="9bbb59"/>
+        <a:srgbClr val="9BBB59"/>
       </a:accent3>
       <a:accent4>
-        <a:srgbClr val="8064a2"/>
+        <a:srgbClr val="8064A2"/>
       </a:accent4>
       <a:accent5>
-        <a:srgbClr val="4bacc6"/>
+        <a:srgbClr val="4BACC6"/>
       </a:accent5>
       <a:accent6>
-        <a:srgbClr val="f79646"/>
+        <a:srgbClr val="F79646"/>
       </a:accent6>
       <a:hlink>
-        <a:srgbClr val="0000ff"/>
+        <a:srgbClr val="0000FF"/>
       </a:hlink>
       <a:folHlink>
         <a:srgbClr val="800080"/>
@@ -9328,6 +11023,8 @@
       </a:bgFillStyleLst>
     </a:fmtScheme>
   </a:themeElements>
+  <a:objectDefaults/>
+  <a:extraClrSchemeLst/>
 </a:theme>
 </file>
 
@@ -9342,31 +11039,31 @@
         <a:sysClr val="window" lastClr="FFFFFF"/>
       </a:lt1>
       <a:dk2>
-        <a:srgbClr val="1f497d"/>
+        <a:srgbClr val="1F497D"/>
       </a:dk2>
       <a:lt2>
-        <a:srgbClr val="eeece1"/>
+        <a:srgbClr val="EEECE1"/>
       </a:lt2>
       <a:accent1>
-        <a:srgbClr val="4f81bd"/>
+        <a:srgbClr val="4F81BD"/>
       </a:accent1>
       <a:accent2>
-        <a:srgbClr val="c0504d"/>
+        <a:srgbClr val="C0504D"/>
       </a:accent2>
       <a:accent3>
-        <a:srgbClr val="9bbb59"/>
+        <a:srgbClr val="9BBB59"/>
       </a:accent3>
       <a:accent4>
-        <a:srgbClr val="8064a2"/>
+        <a:srgbClr val="8064A2"/>
       </a:accent4>
       <a:accent5>
-        <a:srgbClr val="4bacc6"/>
+        <a:srgbClr val="4BACC6"/>
       </a:accent5>
       <a:accent6>
-        <a:srgbClr val="f79646"/>
+        <a:srgbClr val="F79646"/>
       </a:accent6>
       <a:hlink>
-        <a:srgbClr val="0000ff"/>
+        <a:srgbClr val="0000FF"/>
       </a:hlink>
       <a:folHlink>
         <a:srgbClr val="800080"/>
@@ -9551,5 +11248,7 @@
       </a:bgFillStyleLst>
     </a:fmtScheme>
   </a:themeElements>
+  <a:objectDefaults/>
+  <a:extraClrSchemeLst/>
 </a:theme>
 </file>